--- a/study-note/자바/2022-08-23 내용정리.pptx
+++ b/study-note/자바/2022-08-23 내용정리.pptx
@@ -5,7 +5,7 @@
     <p:sldMasterId id="2147483648" r:id="rId1"/>
   </p:sldMasterIdLst>
   <p:notesMasterIdLst>
-    <p:notesMasterId r:id="rId27"/>
+    <p:notesMasterId r:id="rId28"/>
   </p:notesMasterIdLst>
   <p:sldIdLst>
     <p:sldId id="256" r:id="rId2"/>
@@ -15,24 +15,25 @@
     <p:sldId id="333" r:id="rId6"/>
     <p:sldId id="334" r:id="rId7"/>
     <p:sldId id="335" r:id="rId8"/>
-    <p:sldId id="336" r:id="rId9"/>
-    <p:sldId id="337" r:id="rId10"/>
-    <p:sldId id="338" r:id="rId11"/>
-    <p:sldId id="339" r:id="rId12"/>
-    <p:sldId id="340" r:id="rId13"/>
-    <p:sldId id="341" r:id="rId14"/>
-    <p:sldId id="342" r:id="rId15"/>
-    <p:sldId id="343" r:id="rId16"/>
-    <p:sldId id="344" r:id="rId17"/>
-    <p:sldId id="345" r:id="rId18"/>
-    <p:sldId id="346" r:id="rId19"/>
-    <p:sldId id="347" r:id="rId20"/>
-    <p:sldId id="348" r:id="rId21"/>
-    <p:sldId id="349" r:id="rId22"/>
-    <p:sldId id="350" r:id="rId23"/>
-    <p:sldId id="351" r:id="rId24"/>
-    <p:sldId id="352" r:id="rId25"/>
-    <p:sldId id="353" r:id="rId26"/>
+    <p:sldId id="354" r:id="rId9"/>
+    <p:sldId id="336" r:id="rId10"/>
+    <p:sldId id="337" r:id="rId11"/>
+    <p:sldId id="338" r:id="rId12"/>
+    <p:sldId id="339" r:id="rId13"/>
+    <p:sldId id="340" r:id="rId14"/>
+    <p:sldId id="341" r:id="rId15"/>
+    <p:sldId id="342" r:id="rId16"/>
+    <p:sldId id="343" r:id="rId17"/>
+    <p:sldId id="344" r:id="rId18"/>
+    <p:sldId id="345" r:id="rId19"/>
+    <p:sldId id="346" r:id="rId20"/>
+    <p:sldId id="347" r:id="rId21"/>
+    <p:sldId id="348" r:id="rId22"/>
+    <p:sldId id="349" r:id="rId23"/>
+    <p:sldId id="350" r:id="rId24"/>
+    <p:sldId id="351" r:id="rId25"/>
+    <p:sldId id="352" r:id="rId26"/>
+    <p:sldId id="353" r:id="rId27"/>
   </p:sldIdLst>
   <p:sldSz cx="12192000" cy="6858000"/>
   <p:notesSz cx="6858000" cy="9144000"/>
@@ -3792,10 +3793,759 @@
           <a:chExt cx="0" cy="0"/>
         </a:xfrm>
       </p:grpSpPr>
+      <p:sp>
+        <p:nvSpPr>
+          <p:cNvPr id="2" name="직사각형 1">
+            <a:extLst>
+              <a:ext uri="{FF2B5EF4-FFF2-40B4-BE49-F238E27FC236}">
+                <a16:creationId xmlns:a16="http://schemas.microsoft.com/office/drawing/2014/main" id="{BDB2C567-6DB6-0929-70D7-3914610422A3}"/>
+              </a:ext>
+            </a:extLst>
+          </p:cNvPr>
+          <p:cNvSpPr/>
+          <p:nvPr/>
+        </p:nvSpPr>
+        <p:spPr>
+          <a:xfrm>
+            <a:off x="1801091" y="1288473"/>
+            <a:ext cx="1634836" cy="886691"/>
+          </a:xfrm>
+          <a:prstGeom prst="rect">
+            <a:avLst/>
+          </a:prstGeom>
+        </p:spPr>
+        <p:style>
+          <a:lnRef idx="2">
+            <a:schemeClr val="accent1">
+              <a:shade val="50000"/>
+            </a:schemeClr>
+          </a:lnRef>
+          <a:fillRef idx="1">
+            <a:schemeClr val="accent1"/>
+          </a:fillRef>
+          <a:effectRef idx="0">
+            <a:schemeClr val="accent1"/>
+          </a:effectRef>
+          <a:fontRef idx="minor">
+            <a:schemeClr val="lt1"/>
+          </a:fontRef>
+        </p:style>
+        <p:txBody>
+          <a:bodyPr rtlCol="0" anchor="ctr"/>
+          <a:lstStyle/>
+          <a:p>
+            <a:pPr algn="ctr"/>
+            <a:r>
+              <a:rPr kumimoji="1" lang="en-US" altLang="ko-Kore-KR" dirty="0"/>
+              <a:t>App</a:t>
+            </a:r>
+            <a:endParaRPr kumimoji="1" lang="ko-Kore-KR" altLang="en-US" dirty="0"/>
+          </a:p>
+        </p:txBody>
+      </p:sp>
+      <p:sp>
+        <p:nvSpPr>
+          <p:cNvPr id="3" name="직사각형 2">
+            <a:extLst>
+              <a:ext uri="{FF2B5EF4-FFF2-40B4-BE49-F238E27FC236}">
+                <a16:creationId xmlns:a16="http://schemas.microsoft.com/office/drawing/2014/main" id="{CCDAA463-8064-3AC0-1644-BC0E5D9F4F4E}"/>
+              </a:ext>
+            </a:extLst>
+          </p:cNvPr>
+          <p:cNvSpPr/>
+          <p:nvPr/>
+        </p:nvSpPr>
+        <p:spPr>
+          <a:xfrm>
+            <a:off x="1801091" y="2729345"/>
+            <a:ext cx="1634836" cy="886691"/>
+          </a:xfrm>
+          <a:prstGeom prst="rect">
+            <a:avLst/>
+          </a:prstGeom>
+        </p:spPr>
+        <p:style>
+          <a:lnRef idx="2">
+            <a:schemeClr val="accent1">
+              <a:shade val="50000"/>
+            </a:schemeClr>
+          </a:lnRef>
+          <a:fillRef idx="1">
+            <a:schemeClr val="accent1"/>
+          </a:fillRef>
+          <a:effectRef idx="0">
+            <a:schemeClr val="accent1"/>
+          </a:effectRef>
+          <a:fontRef idx="minor">
+            <a:schemeClr val="lt1"/>
+          </a:fontRef>
+        </p:style>
+        <p:txBody>
+          <a:bodyPr rtlCol="0" anchor="ctr"/>
+          <a:lstStyle/>
+          <a:p>
+            <a:pPr algn="ctr"/>
+            <a:r>
+              <a:rPr kumimoji="1" lang="en-US" altLang="ko-Kore-KR" dirty="0"/>
+              <a:t>OS</a:t>
+            </a:r>
+            <a:endParaRPr kumimoji="1" lang="ko-Kore-KR" altLang="en-US" dirty="0"/>
+          </a:p>
+        </p:txBody>
+      </p:sp>
+      <p:sp>
+        <p:nvSpPr>
+          <p:cNvPr id="4" name="직사각형 3">
+            <a:extLst>
+              <a:ext uri="{FF2B5EF4-FFF2-40B4-BE49-F238E27FC236}">
+                <a16:creationId xmlns:a16="http://schemas.microsoft.com/office/drawing/2014/main" id="{9646EB33-E442-C8F5-317A-FD0E663407C7}"/>
+              </a:ext>
+            </a:extLst>
+          </p:cNvPr>
+          <p:cNvSpPr/>
+          <p:nvPr/>
+        </p:nvSpPr>
+        <p:spPr>
+          <a:xfrm>
+            <a:off x="1801091" y="4170217"/>
+            <a:ext cx="1634836" cy="886691"/>
+          </a:xfrm>
+          <a:prstGeom prst="rect">
+            <a:avLst/>
+          </a:prstGeom>
+        </p:spPr>
+        <p:style>
+          <a:lnRef idx="2">
+            <a:schemeClr val="accent1">
+              <a:shade val="50000"/>
+            </a:schemeClr>
+          </a:lnRef>
+          <a:fillRef idx="1">
+            <a:schemeClr val="accent1"/>
+          </a:fillRef>
+          <a:effectRef idx="0">
+            <a:schemeClr val="accent1"/>
+          </a:effectRef>
+          <a:fontRef idx="minor">
+            <a:schemeClr val="lt1"/>
+          </a:fontRef>
+        </p:style>
+        <p:txBody>
+          <a:bodyPr rtlCol="0" anchor="ctr"/>
+          <a:lstStyle/>
+          <a:p>
+            <a:pPr algn="ctr"/>
+            <a:r>
+              <a:rPr kumimoji="1" lang="en-US" altLang="ko-Kore-KR" dirty="0"/>
+              <a:t>RAM</a:t>
+            </a:r>
+            <a:endParaRPr kumimoji="1" lang="ko-Kore-KR" altLang="en-US" dirty="0"/>
+          </a:p>
+        </p:txBody>
+      </p:sp>
+      <p:sp>
+        <p:nvSpPr>
+          <p:cNvPr id="5" name="정육면체 4">
+            <a:extLst>
+              <a:ext uri="{FF2B5EF4-FFF2-40B4-BE49-F238E27FC236}">
+                <a16:creationId xmlns:a16="http://schemas.microsoft.com/office/drawing/2014/main" id="{EA186137-B206-A727-3387-071121576CDD}"/>
+              </a:ext>
+            </a:extLst>
+          </p:cNvPr>
+          <p:cNvSpPr/>
+          <p:nvPr/>
+        </p:nvSpPr>
+        <p:spPr>
+          <a:xfrm>
+            <a:off x="5860473" y="2521525"/>
+            <a:ext cx="1814945" cy="1011381"/>
+          </a:xfrm>
+          <a:prstGeom prst="cube">
+            <a:avLst/>
+          </a:prstGeom>
+        </p:spPr>
+        <p:style>
+          <a:lnRef idx="2">
+            <a:schemeClr val="accent1">
+              <a:shade val="50000"/>
+            </a:schemeClr>
+          </a:lnRef>
+          <a:fillRef idx="1">
+            <a:schemeClr val="accent1"/>
+          </a:fillRef>
+          <a:effectRef idx="0">
+            <a:schemeClr val="accent1"/>
+          </a:effectRef>
+          <a:fontRef idx="minor">
+            <a:schemeClr val="lt1"/>
+          </a:fontRef>
+        </p:style>
+        <p:txBody>
+          <a:bodyPr rtlCol="0" anchor="ctr"/>
+          <a:lstStyle/>
+          <a:p>
+            <a:pPr algn="ctr"/>
+            <a:r>
+              <a:rPr kumimoji="1" lang="en-US" altLang="ko-Kore-KR" dirty="0"/>
+              <a:t>Printer</a:t>
+            </a:r>
+            <a:endParaRPr kumimoji="1" lang="ko-Kore-KR" altLang="en-US" dirty="0"/>
+          </a:p>
+        </p:txBody>
+      </p:sp>
+      <p:sp>
+        <p:nvSpPr>
+          <p:cNvPr id="6" name="직사각형 5">
+            <a:extLst>
+              <a:ext uri="{FF2B5EF4-FFF2-40B4-BE49-F238E27FC236}">
+                <a16:creationId xmlns:a16="http://schemas.microsoft.com/office/drawing/2014/main" id="{0916585F-8D92-6304-6FC3-B3F1E70CCC21}"/>
+              </a:ext>
+            </a:extLst>
+          </p:cNvPr>
+          <p:cNvSpPr/>
+          <p:nvPr/>
+        </p:nvSpPr>
+        <p:spPr>
+          <a:xfrm>
+            <a:off x="5818908" y="4170215"/>
+            <a:ext cx="1634836" cy="886691"/>
+          </a:xfrm>
+          <a:prstGeom prst="rect">
+            <a:avLst/>
+          </a:prstGeom>
+        </p:spPr>
+        <p:style>
+          <a:lnRef idx="2">
+            <a:schemeClr val="accent1">
+              <a:shade val="50000"/>
+            </a:schemeClr>
+          </a:lnRef>
+          <a:fillRef idx="1">
+            <a:schemeClr val="accent1"/>
+          </a:fillRef>
+          <a:effectRef idx="0">
+            <a:schemeClr val="accent1"/>
+          </a:effectRef>
+          <a:fontRef idx="minor">
+            <a:schemeClr val="lt1"/>
+          </a:fontRef>
+        </p:style>
+        <p:txBody>
+          <a:bodyPr rtlCol="0" anchor="ctr"/>
+          <a:lstStyle/>
+          <a:p>
+            <a:pPr algn="ctr"/>
+            <a:r>
+              <a:rPr kumimoji="1" lang="en-US" altLang="ko-Kore-KR" dirty="0"/>
+              <a:t>RAM</a:t>
+            </a:r>
+            <a:endParaRPr kumimoji="1" lang="ko-Kore-KR" altLang="en-US" dirty="0"/>
+          </a:p>
+        </p:txBody>
+      </p:sp>
+      <p:cxnSp>
+        <p:nvCxnSpPr>
+          <p:cNvPr id="8" name="직선 화살표 연결선 7">
+            <a:extLst>
+              <a:ext uri="{FF2B5EF4-FFF2-40B4-BE49-F238E27FC236}">
+                <a16:creationId xmlns:a16="http://schemas.microsoft.com/office/drawing/2014/main" id="{7FB6564A-7930-8CC7-9BEE-FD7C24D6D86D}"/>
+              </a:ext>
+            </a:extLst>
+          </p:cNvPr>
+          <p:cNvCxnSpPr>
+            <a:stCxn id="2" idx="2"/>
+            <a:endCxn id="3" idx="0"/>
+          </p:cNvCxnSpPr>
+          <p:nvPr/>
+        </p:nvCxnSpPr>
+        <p:spPr>
+          <a:xfrm>
+            <a:off x="2618509" y="2175164"/>
+            <a:ext cx="0" cy="554181"/>
+          </a:xfrm>
+          <a:prstGeom prst="straightConnector1">
+            <a:avLst/>
+          </a:prstGeom>
+          <a:ln>
+            <a:tailEnd type="triangle"/>
+          </a:ln>
+        </p:spPr>
+        <p:style>
+          <a:lnRef idx="3">
+            <a:schemeClr val="accent1"/>
+          </a:lnRef>
+          <a:fillRef idx="0">
+            <a:schemeClr val="accent1"/>
+          </a:fillRef>
+          <a:effectRef idx="2">
+            <a:schemeClr val="accent1"/>
+          </a:effectRef>
+          <a:fontRef idx="minor">
+            <a:schemeClr val="tx1"/>
+          </a:fontRef>
+        </p:style>
+      </p:cxnSp>
+      <p:cxnSp>
+        <p:nvCxnSpPr>
+          <p:cNvPr id="9" name="직선 화살표 연결선 8">
+            <a:extLst>
+              <a:ext uri="{FF2B5EF4-FFF2-40B4-BE49-F238E27FC236}">
+                <a16:creationId xmlns:a16="http://schemas.microsoft.com/office/drawing/2014/main" id="{07CBE20B-2E75-83F5-9F61-E40860C1FA9B}"/>
+              </a:ext>
+            </a:extLst>
+          </p:cNvPr>
+          <p:cNvCxnSpPr>
+            <a:cxnSpLocks/>
+            <a:stCxn id="3" idx="2"/>
+            <a:endCxn id="4" idx="0"/>
+          </p:cNvCxnSpPr>
+          <p:nvPr/>
+        </p:nvCxnSpPr>
+        <p:spPr>
+          <a:xfrm>
+            <a:off x="2618509" y="3616036"/>
+            <a:ext cx="0" cy="554181"/>
+          </a:xfrm>
+          <a:prstGeom prst="straightConnector1">
+            <a:avLst/>
+          </a:prstGeom>
+          <a:ln>
+            <a:tailEnd type="triangle"/>
+          </a:ln>
+        </p:spPr>
+        <p:style>
+          <a:lnRef idx="3">
+            <a:schemeClr val="accent1"/>
+          </a:lnRef>
+          <a:fillRef idx="0">
+            <a:schemeClr val="accent1"/>
+          </a:fillRef>
+          <a:effectRef idx="2">
+            <a:schemeClr val="accent1"/>
+          </a:effectRef>
+          <a:fontRef idx="minor">
+            <a:schemeClr val="tx1"/>
+          </a:fontRef>
+        </p:style>
+      </p:cxnSp>
+      <p:cxnSp>
+        <p:nvCxnSpPr>
+          <p:cNvPr id="12" name="직선 화살표 연결선 11">
+            <a:extLst>
+              <a:ext uri="{FF2B5EF4-FFF2-40B4-BE49-F238E27FC236}">
+                <a16:creationId xmlns:a16="http://schemas.microsoft.com/office/drawing/2014/main" id="{CC58DFEA-4BB0-B46D-1FD1-06C1C84A9E1E}"/>
+              </a:ext>
+            </a:extLst>
+          </p:cNvPr>
+          <p:cNvCxnSpPr>
+            <a:cxnSpLocks/>
+            <a:stCxn id="3" idx="3"/>
+            <a:endCxn id="5" idx="2"/>
+          </p:cNvCxnSpPr>
+          <p:nvPr/>
+        </p:nvCxnSpPr>
+        <p:spPr>
+          <a:xfrm flipV="1">
+            <a:off x="3435927" y="3153638"/>
+            <a:ext cx="2424546" cy="19053"/>
+          </a:xfrm>
+          <a:prstGeom prst="straightConnector1">
+            <a:avLst/>
+          </a:prstGeom>
+          <a:ln>
+            <a:tailEnd type="triangle"/>
+          </a:ln>
+        </p:spPr>
+        <p:style>
+          <a:lnRef idx="3">
+            <a:schemeClr val="accent1"/>
+          </a:lnRef>
+          <a:fillRef idx="0">
+            <a:schemeClr val="accent1"/>
+          </a:fillRef>
+          <a:effectRef idx="2">
+            <a:schemeClr val="accent1"/>
+          </a:effectRef>
+          <a:fontRef idx="minor">
+            <a:schemeClr val="tx1"/>
+          </a:fontRef>
+        </p:style>
+      </p:cxnSp>
+      <p:cxnSp>
+        <p:nvCxnSpPr>
+          <p:cNvPr id="16" name="직선 화살표 연결선 15">
+            <a:extLst>
+              <a:ext uri="{FF2B5EF4-FFF2-40B4-BE49-F238E27FC236}">
+                <a16:creationId xmlns:a16="http://schemas.microsoft.com/office/drawing/2014/main" id="{80E33FAC-6E37-8CD8-11B7-6A4A4FAC2F5C}"/>
+              </a:ext>
+            </a:extLst>
+          </p:cNvPr>
+          <p:cNvCxnSpPr>
+            <a:cxnSpLocks/>
+            <a:stCxn id="5" idx="3"/>
+            <a:endCxn id="6" idx="0"/>
+          </p:cNvCxnSpPr>
+          <p:nvPr/>
+        </p:nvCxnSpPr>
+        <p:spPr>
+          <a:xfrm flipH="1">
+            <a:off x="6636326" y="3532906"/>
+            <a:ext cx="5197" cy="637309"/>
+          </a:xfrm>
+          <a:prstGeom prst="straightConnector1">
+            <a:avLst/>
+          </a:prstGeom>
+          <a:ln>
+            <a:tailEnd type="triangle"/>
+          </a:ln>
+        </p:spPr>
+        <p:style>
+          <a:lnRef idx="3">
+            <a:schemeClr val="accent1"/>
+          </a:lnRef>
+          <a:fillRef idx="0">
+            <a:schemeClr val="accent1"/>
+          </a:fillRef>
+          <a:effectRef idx="2">
+            <a:schemeClr val="accent1"/>
+          </a:effectRef>
+          <a:fontRef idx="minor">
+            <a:schemeClr val="tx1"/>
+          </a:fontRef>
+        </p:style>
+      </p:cxnSp>
+      <p:sp>
+        <p:nvSpPr>
+          <p:cNvPr id="20" name="TextBox 19">
+            <a:extLst>
+              <a:ext uri="{FF2B5EF4-FFF2-40B4-BE49-F238E27FC236}">
+                <a16:creationId xmlns:a16="http://schemas.microsoft.com/office/drawing/2014/main" id="{84AC48C1-891C-D7E9-6CA4-B1F873CECC8C}"/>
+              </a:ext>
+            </a:extLst>
+          </p:cNvPr>
+          <p:cNvSpPr txBox="1"/>
+          <p:nvPr/>
+        </p:nvSpPr>
+        <p:spPr>
+          <a:xfrm>
+            <a:off x="716676" y="2313754"/>
+            <a:ext cx="1540362" cy="276999"/>
+          </a:xfrm>
+          <a:prstGeom prst="rect">
+            <a:avLst/>
+          </a:prstGeom>
+        </p:spPr>
+        <p:style>
+          <a:lnRef idx="2">
+            <a:schemeClr val="accent1"/>
+          </a:lnRef>
+          <a:fillRef idx="1">
+            <a:schemeClr val="lt1"/>
+          </a:fillRef>
+          <a:effectRef idx="0">
+            <a:schemeClr val="accent1"/>
+          </a:effectRef>
+          <a:fontRef idx="minor">
+            <a:schemeClr val="dk1"/>
+          </a:fontRef>
+        </p:style>
+        <p:txBody>
+          <a:bodyPr wrap="square" rtlCol="0">
+            <a:spAutoFit/>
+          </a:bodyPr>
+          <a:lstStyle/>
+          <a:p>
+            <a:pPr algn="ctr"/>
+            <a:r>
+              <a:rPr kumimoji="1" lang="en-US" altLang="ko-KR" sz="1200" dirty="0"/>
+              <a:t>1. </a:t>
+            </a:r>
+            <a:r>
+              <a:rPr kumimoji="1" lang="ko-KR" altLang="en-US" sz="1200" dirty="0"/>
+              <a:t>출력</a:t>
+            </a:r>
+            <a:endParaRPr kumimoji="1" lang="ko-Kore-KR" altLang="en-US" sz="1200" dirty="0"/>
+          </a:p>
+        </p:txBody>
+      </p:sp>
+      <p:sp>
+        <p:nvSpPr>
+          <p:cNvPr id="21" name="TextBox 20">
+            <a:extLst>
+              <a:ext uri="{FF2B5EF4-FFF2-40B4-BE49-F238E27FC236}">
+                <a16:creationId xmlns:a16="http://schemas.microsoft.com/office/drawing/2014/main" id="{82868860-1980-AAA2-3377-E6D20C4F3F2F}"/>
+              </a:ext>
+            </a:extLst>
+          </p:cNvPr>
+          <p:cNvSpPr txBox="1"/>
+          <p:nvPr/>
+        </p:nvSpPr>
+        <p:spPr>
+          <a:xfrm>
+            <a:off x="716676" y="3754627"/>
+            <a:ext cx="1540362" cy="276999"/>
+          </a:xfrm>
+          <a:prstGeom prst="rect">
+            <a:avLst/>
+          </a:prstGeom>
+        </p:spPr>
+        <p:style>
+          <a:lnRef idx="2">
+            <a:schemeClr val="accent1"/>
+          </a:lnRef>
+          <a:fillRef idx="1">
+            <a:schemeClr val="lt1"/>
+          </a:fillRef>
+          <a:effectRef idx="0">
+            <a:schemeClr val="accent1"/>
+          </a:effectRef>
+          <a:fontRef idx="minor">
+            <a:schemeClr val="dk1"/>
+          </a:fontRef>
+        </p:style>
+        <p:txBody>
+          <a:bodyPr wrap="square" rtlCol="0">
+            <a:spAutoFit/>
+          </a:bodyPr>
+          <a:lstStyle/>
+          <a:p>
+            <a:pPr algn="ctr"/>
+            <a:r>
+              <a:rPr kumimoji="1" lang="en-US" altLang="ko-KR" sz="1200" dirty="0"/>
+              <a:t>2.</a:t>
+            </a:r>
+            <a:r>
+              <a:rPr kumimoji="1" lang="ko-KR" altLang="en-US" sz="1200" dirty="0"/>
+              <a:t> 보관</a:t>
+            </a:r>
+            <a:endParaRPr kumimoji="1" lang="ko-Kore-KR" altLang="en-US" sz="1200" dirty="0"/>
+          </a:p>
+        </p:txBody>
+      </p:sp>
+      <p:sp>
+        <p:nvSpPr>
+          <p:cNvPr id="22" name="TextBox 21">
+            <a:extLst>
+              <a:ext uri="{FF2B5EF4-FFF2-40B4-BE49-F238E27FC236}">
+                <a16:creationId xmlns:a16="http://schemas.microsoft.com/office/drawing/2014/main" id="{08B81596-4277-614A-7969-7D6A59EBEA2D}"/>
+              </a:ext>
+            </a:extLst>
+          </p:cNvPr>
+          <p:cNvSpPr txBox="1"/>
+          <p:nvPr/>
+        </p:nvSpPr>
+        <p:spPr>
+          <a:xfrm>
+            <a:off x="3878019" y="2729345"/>
+            <a:ext cx="1540362" cy="276999"/>
+          </a:xfrm>
+          <a:prstGeom prst="rect">
+            <a:avLst/>
+          </a:prstGeom>
+        </p:spPr>
+        <p:style>
+          <a:lnRef idx="2">
+            <a:schemeClr val="accent1"/>
+          </a:lnRef>
+          <a:fillRef idx="1">
+            <a:schemeClr val="lt1"/>
+          </a:fillRef>
+          <a:effectRef idx="0">
+            <a:schemeClr val="accent1"/>
+          </a:effectRef>
+          <a:fontRef idx="minor">
+            <a:schemeClr val="dk1"/>
+          </a:fontRef>
+        </p:style>
+        <p:txBody>
+          <a:bodyPr wrap="square" rtlCol="0">
+            <a:spAutoFit/>
+          </a:bodyPr>
+          <a:lstStyle/>
+          <a:p>
+            <a:pPr algn="ctr"/>
+            <a:r>
+              <a:rPr kumimoji="1" lang="en-US" altLang="ko-KR" sz="1200" dirty="0"/>
+              <a:t>3.</a:t>
+            </a:r>
+            <a:r>
+              <a:rPr kumimoji="1" lang="ko-KR" altLang="en-US" sz="1200" dirty="0"/>
+              <a:t> 전송</a:t>
+            </a:r>
+            <a:endParaRPr kumimoji="1" lang="ko-Kore-KR" altLang="en-US" sz="1200" dirty="0"/>
+          </a:p>
+        </p:txBody>
+      </p:sp>
+      <p:sp>
+        <p:nvSpPr>
+          <p:cNvPr id="23" name="TextBox 22">
+            <a:extLst>
+              <a:ext uri="{FF2B5EF4-FFF2-40B4-BE49-F238E27FC236}">
+                <a16:creationId xmlns:a16="http://schemas.microsoft.com/office/drawing/2014/main" id="{89051CCE-FA5C-2FB6-5835-E7AFA3ADE386}"/>
+              </a:ext>
+            </a:extLst>
+          </p:cNvPr>
+          <p:cNvSpPr txBox="1"/>
+          <p:nvPr/>
+        </p:nvSpPr>
+        <p:spPr>
+          <a:xfrm>
+            <a:off x="7062058" y="3616127"/>
+            <a:ext cx="1540362" cy="276999"/>
+          </a:xfrm>
+          <a:prstGeom prst="rect">
+            <a:avLst/>
+          </a:prstGeom>
+        </p:spPr>
+        <p:style>
+          <a:lnRef idx="2">
+            <a:schemeClr val="accent1"/>
+          </a:lnRef>
+          <a:fillRef idx="1">
+            <a:schemeClr val="lt1"/>
+          </a:fillRef>
+          <a:effectRef idx="0">
+            <a:schemeClr val="accent1"/>
+          </a:effectRef>
+          <a:fontRef idx="minor">
+            <a:schemeClr val="dk1"/>
+          </a:fontRef>
+        </p:style>
+        <p:txBody>
+          <a:bodyPr wrap="square" rtlCol="0">
+            <a:spAutoFit/>
+          </a:bodyPr>
+          <a:lstStyle/>
+          <a:p>
+            <a:pPr algn="ctr"/>
+            <a:r>
+              <a:rPr kumimoji="1" lang="en-US" altLang="ko-KR" sz="1200" dirty="0"/>
+              <a:t>4.</a:t>
+            </a:r>
+            <a:r>
+              <a:rPr kumimoji="1" lang="ko-KR" altLang="en-US" sz="1200" dirty="0"/>
+              <a:t> 보관</a:t>
+            </a:r>
+            <a:endParaRPr kumimoji="1" lang="ko-Kore-KR" altLang="en-US" sz="1200" dirty="0"/>
+          </a:p>
+        </p:txBody>
+      </p:sp>
+      <p:sp>
+        <p:nvSpPr>
+          <p:cNvPr id="24" name="왼쪽으로 구부러진 화살표[C] 23">
+            <a:extLst>
+              <a:ext uri="{FF2B5EF4-FFF2-40B4-BE49-F238E27FC236}">
+                <a16:creationId xmlns:a16="http://schemas.microsoft.com/office/drawing/2014/main" id="{DB021C9C-528F-C924-F47B-449E332629D5}"/>
+              </a:ext>
+            </a:extLst>
+          </p:cNvPr>
+          <p:cNvSpPr/>
+          <p:nvPr/>
+        </p:nvSpPr>
+        <p:spPr>
+          <a:xfrm>
+            <a:off x="8077199" y="2784671"/>
+            <a:ext cx="387927" cy="443345"/>
+          </a:xfrm>
+          <a:prstGeom prst="curvedLeftArrow">
+            <a:avLst/>
+          </a:prstGeom>
+        </p:spPr>
+        <p:style>
+          <a:lnRef idx="2">
+            <a:schemeClr val="accent1">
+              <a:shade val="50000"/>
+            </a:schemeClr>
+          </a:lnRef>
+          <a:fillRef idx="1">
+            <a:schemeClr val="accent1"/>
+          </a:fillRef>
+          <a:effectRef idx="0">
+            <a:schemeClr val="accent1"/>
+          </a:effectRef>
+          <a:fontRef idx="minor">
+            <a:schemeClr val="lt1"/>
+          </a:fontRef>
+        </p:style>
+        <p:txBody>
+          <a:bodyPr rtlCol="0" anchor="ctr"/>
+          <a:lstStyle/>
+          <a:p>
+            <a:pPr algn="ctr"/>
+            <a:endParaRPr kumimoji="1" lang="ko-Kore-KR" altLang="en-US">
+              <a:solidFill>
+                <a:schemeClr val="tx1"/>
+              </a:solidFill>
+            </a:endParaRPr>
+          </a:p>
+        </p:txBody>
+      </p:sp>
+      <p:sp>
+        <p:nvSpPr>
+          <p:cNvPr id="25" name="TextBox 24">
+            <a:extLst>
+              <a:ext uri="{FF2B5EF4-FFF2-40B4-BE49-F238E27FC236}">
+                <a16:creationId xmlns:a16="http://schemas.microsoft.com/office/drawing/2014/main" id="{3A68A2B5-C6AE-8546-F7D6-4ED80888F916}"/>
+              </a:ext>
+            </a:extLst>
+          </p:cNvPr>
+          <p:cNvSpPr txBox="1"/>
+          <p:nvPr/>
+        </p:nvSpPr>
+        <p:spPr>
+          <a:xfrm>
+            <a:off x="8077197" y="2327562"/>
+            <a:ext cx="2590793" cy="276999"/>
+          </a:xfrm>
+          <a:prstGeom prst="rect">
+            <a:avLst/>
+          </a:prstGeom>
+        </p:spPr>
+        <p:style>
+          <a:lnRef idx="2">
+            <a:schemeClr val="accent1"/>
+          </a:lnRef>
+          <a:fillRef idx="1">
+            <a:schemeClr val="lt1"/>
+          </a:fillRef>
+          <a:effectRef idx="0">
+            <a:schemeClr val="accent1"/>
+          </a:effectRef>
+          <a:fontRef idx="minor">
+            <a:schemeClr val="dk1"/>
+          </a:fontRef>
+        </p:style>
+        <p:txBody>
+          <a:bodyPr wrap="square" rtlCol="0">
+            <a:spAutoFit/>
+          </a:bodyPr>
+          <a:lstStyle/>
+          <a:p>
+            <a:pPr algn="ctr"/>
+            <a:r>
+              <a:rPr kumimoji="1" lang="en-US" altLang="ko-KR" sz="1200" dirty="0"/>
+              <a:t>5.</a:t>
+            </a:r>
+            <a:r>
+              <a:rPr kumimoji="1" lang="ko-KR" altLang="en-US" sz="1200" dirty="0"/>
+              <a:t> </a:t>
+            </a:r>
+            <a:r>
+              <a:rPr kumimoji="1" lang="en-US" altLang="ko-KR" sz="1200" dirty="0"/>
+              <a:t>RAM</a:t>
+            </a:r>
+            <a:r>
+              <a:rPr kumimoji="1" lang="ko-KR" altLang="en-US" sz="1200" dirty="0"/>
+              <a:t>에서 한 개씩 꺼내 출력</a:t>
+            </a:r>
+            <a:endParaRPr kumimoji="1" lang="ko-Kore-KR" altLang="en-US" sz="1200" dirty="0"/>
+          </a:p>
+        </p:txBody>
+      </p:sp>
     </p:spTree>
     <p:extLst>
       <p:ext uri="{BB962C8B-B14F-4D97-AF65-F5344CB8AC3E}">
-        <p14:creationId xmlns:p14="http://schemas.microsoft.com/office/powerpoint/2010/main" val="3703611326"/>
+        <p14:creationId xmlns:p14="http://schemas.microsoft.com/office/powerpoint/2010/main" val="2519886596"/>
       </p:ext>
     </p:extLst>
   </p:cSld>
@@ -3822,6 +4572,2776 @@
           <a:chExt cx="0" cy="0"/>
         </a:xfrm>
       </p:grpSpPr>
+      <p:sp>
+        <p:nvSpPr>
+          <p:cNvPr id="16" name="모서리가 둥근 직사각형 15">
+            <a:extLst>
+              <a:ext uri="{FF2B5EF4-FFF2-40B4-BE49-F238E27FC236}">
+                <a16:creationId xmlns:a16="http://schemas.microsoft.com/office/drawing/2014/main" id="{3C7C2800-6CE5-66BF-2822-EA2ED7B2A387}"/>
+              </a:ext>
+            </a:extLst>
+          </p:cNvPr>
+          <p:cNvSpPr/>
+          <p:nvPr/>
+        </p:nvSpPr>
+        <p:spPr>
+          <a:xfrm>
+            <a:off x="4297217" y="3958321"/>
+            <a:ext cx="2165927" cy="1098588"/>
+          </a:xfrm>
+          <a:prstGeom prst="roundRect">
+            <a:avLst/>
+          </a:prstGeom>
+          <a:solidFill>
+            <a:srgbClr val="FDA9F7"/>
+          </a:solidFill>
+          <a:ln>
+            <a:solidFill>
+              <a:srgbClr val="FDA9F7"/>
+            </a:solidFill>
+          </a:ln>
+        </p:spPr>
+        <p:style>
+          <a:lnRef idx="2">
+            <a:schemeClr val="accent1">
+              <a:shade val="50000"/>
+            </a:schemeClr>
+          </a:lnRef>
+          <a:fillRef idx="1">
+            <a:schemeClr val="accent1"/>
+          </a:fillRef>
+          <a:effectRef idx="0">
+            <a:schemeClr val="accent1"/>
+          </a:effectRef>
+          <a:fontRef idx="minor">
+            <a:schemeClr val="lt1"/>
+          </a:fontRef>
+        </p:style>
+        <p:txBody>
+          <a:bodyPr rtlCol="0" anchor="ctr"/>
+          <a:lstStyle/>
+          <a:p>
+            <a:pPr algn="ctr"/>
+            <a:endParaRPr kumimoji="1" lang="ko-Kore-KR" altLang="en-US"/>
+          </a:p>
+        </p:txBody>
+      </p:sp>
+      <p:sp>
+        <p:nvSpPr>
+          <p:cNvPr id="2" name="직사각형 1">
+            <a:extLst>
+              <a:ext uri="{FF2B5EF4-FFF2-40B4-BE49-F238E27FC236}">
+                <a16:creationId xmlns:a16="http://schemas.microsoft.com/office/drawing/2014/main" id="{A6D19BEE-8573-ED59-9F8B-AFED18159274}"/>
+              </a:ext>
+            </a:extLst>
+          </p:cNvPr>
+          <p:cNvSpPr/>
+          <p:nvPr/>
+        </p:nvSpPr>
+        <p:spPr>
+          <a:xfrm>
+            <a:off x="3112655" y="969817"/>
+            <a:ext cx="8128000" cy="568037"/>
+          </a:xfrm>
+          <a:prstGeom prst="rect">
+            <a:avLst/>
+          </a:prstGeom>
+        </p:spPr>
+        <p:style>
+          <a:lnRef idx="2">
+            <a:schemeClr val="accent1">
+              <a:shade val="50000"/>
+            </a:schemeClr>
+          </a:lnRef>
+          <a:fillRef idx="1">
+            <a:schemeClr val="accent1"/>
+          </a:fillRef>
+          <a:effectRef idx="0">
+            <a:schemeClr val="accent1"/>
+          </a:effectRef>
+          <a:fontRef idx="minor">
+            <a:schemeClr val="lt1"/>
+          </a:fontRef>
+        </p:style>
+        <p:txBody>
+          <a:bodyPr rtlCol="0" anchor="ctr"/>
+          <a:lstStyle/>
+          <a:p>
+            <a:pPr algn="ctr"/>
+            <a:r>
+              <a:rPr kumimoji="1" lang="en-US" altLang="ko-Kore-KR" dirty="0"/>
+              <a:t>data</a:t>
+            </a:r>
+            <a:endParaRPr kumimoji="1" lang="ko-Kore-KR" altLang="en-US" dirty="0"/>
+          </a:p>
+        </p:txBody>
+      </p:sp>
+      <p:sp>
+        <p:nvSpPr>
+          <p:cNvPr id="3" name="직사각형 2">
+            <a:extLst>
+              <a:ext uri="{FF2B5EF4-FFF2-40B4-BE49-F238E27FC236}">
+                <a16:creationId xmlns:a16="http://schemas.microsoft.com/office/drawing/2014/main" id="{55C9C06B-19DF-6939-BCAD-FB135FDEF8BC}"/>
+              </a:ext>
+            </a:extLst>
+          </p:cNvPr>
+          <p:cNvSpPr/>
+          <p:nvPr/>
+        </p:nvSpPr>
+        <p:spPr>
+          <a:xfrm>
+            <a:off x="720437" y="2633980"/>
+            <a:ext cx="1607127" cy="1219200"/>
+          </a:xfrm>
+          <a:prstGeom prst="rect">
+            <a:avLst/>
+          </a:prstGeom>
+        </p:spPr>
+        <p:style>
+          <a:lnRef idx="2">
+            <a:schemeClr val="accent1">
+              <a:shade val="50000"/>
+            </a:schemeClr>
+          </a:lnRef>
+          <a:fillRef idx="1">
+            <a:schemeClr val="accent1"/>
+          </a:fillRef>
+          <a:effectRef idx="0">
+            <a:schemeClr val="accent1"/>
+          </a:effectRef>
+          <a:fontRef idx="minor">
+            <a:schemeClr val="lt1"/>
+          </a:fontRef>
+        </p:style>
+        <p:txBody>
+          <a:bodyPr rtlCol="0" anchor="ctr"/>
+          <a:lstStyle/>
+          <a:p>
+            <a:pPr algn="ctr"/>
+            <a:r>
+              <a:rPr kumimoji="1" lang="en-US" altLang="ko-Kore-KR" dirty="0"/>
+              <a:t>TCP/IP</a:t>
+            </a:r>
+          </a:p>
+          <a:p>
+            <a:pPr algn="ctr"/>
+            <a:r>
+              <a:rPr kumimoji="1" lang="en-US" altLang="ko-Kore-KR" dirty="0"/>
+              <a:t>S/W</a:t>
+            </a:r>
+            <a:endParaRPr kumimoji="1" lang="ko-Kore-KR" altLang="en-US" dirty="0"/>
+          </a:p>
+        </p:txBody>
+      </p:sp>
+      <p:graphicFrame>
+        <p:nvGraphicFramePr>
+          <p:cNvPr id="4" name="표 4">
+            <a:extLst>
+              <a:ext uri="{FF2B5EF4-FFF2-40B4-BE49-F238E27FC236}">
+                <a16:creationId xmlns:a16="http://schemas.microsoft.com/office/drawing/2014/main" id="{1E42D1DC-B6E9-52BF-6A6E-1F5F34A0FEC1}"/>
+              </a:ext>
+            </a:extLst>
+          </p:cNvPr>
+          <p:cNvGraphicFramePr>
+            <a:graphicFrameLocks noGrp="1"/>
+          </p:cNvGraphicFramePr>
+          <p:nvPr>
+            <p:extLst>
+              <p:ext uri="{D42A27DB-BD31-4B8C-83A1-F6EECF244321}">
+                <p14:modId xmlns:p14="http://schemas.microsoft.com/office/powerpoint/2010/main" val="3214281746"/>
+              </p:ext>
+            </p:extLst>
+          </p:nvPr>
+        </p:nvGraphicFramePr>
+        <p:xfrm>
+          <a:off x="3112655" y="3058160"/>
+          <a:ext cx="8128000" cy="370840"/>
+        </p:xfrm>
+        <a:graphic>
+          <a:graphicData uri="http://schemas.openxmlformats.org/drawingml/2006/table">
+            <a:tbl>
+              <a:tblPr firstRow="1" bandRow="1">
+                <a:tableStyleId>{5C22544A-7EE6-4342-B048-85BDC9FD1C3A}</a:tableStyleId>
+              </a:tblPr>
+              <a:tblGrid>
+                <a:gridCol w="1016000">
+                  <a:extLst>
+                    <a:ext uri="{9D8B030D-6E8A-4147-A177-3AD203B41FA5}">
+                      <a16:colId xmlns:a16="http://schemas.microsoft.com/office/drawing/2014/main" val="3688484672"/>
+                    </a:ext>
+                  </a:extLst>
+                </a:gridCol>
+                <a:gridCol w="1016000">
+                  <a:extLst>
+                    <a:ext uri="{9D8B030D-6E8A-4147-A177-3AD203B41FA5}">
+                      <a16:colId xmlns:a16="http://schemas.microsoft.com/office/drawing/2014/main" val="3564294825"/>
+                    </a:ext>
+                  </a:extLst>
+                </a:gridCol>
+                <a:gridCol w="1016000">
+                  <a:extLst>
+                    <a:ext uri="{9D8B030D-6E8A-4147-A177-3AD203B41FA5}">
+                      <a16:colId xmlns:a16="http://schemas.microsoft.com/office/drawing/2014/main" val="2095931089"/>
+                    </a:ext>
+                  </a:extLst>
+                </a:gridCol>
+                <a:gridCol w="1016000">
+                  <a:extLst>
+                    <a:ext uri="{9D8B030D-6E8A-4147-A177-3AD203B41FA5}">
+                      <a16:colId xmlns:a16="http://schemas.microsoft.com/office/drawing/2014/main" val="3970153510"/>
+                    </a:ext>
+                  </a:extLst>
+                </a:gridCol>
+                <a:gridCol w="1016000">
+                  <a:extLst>
+                    <a:ext uri="{9D8B030D-6E8A-4147-A177-3AD203B41FA5}">
+                      <a16:colId xmlns:a16="http://schemas.microsoft.com/office/drawing/2014/main" val="26163350"/>
+                    </a:ext>
+                  </a:extLst>
+                </a:gridCol>
+                <a:gridCol w="1016000">
+                  <a:extLst>
+                    <a:ext uri="{9D8B030D-6E8A-4147-A177-3AD203B41FA5}">
+                      <a16:colId xmlns:a16="http://schemas.microsoft.com/office/drawing/2014/main" val="434591699"/>
+                    </a:ext>
+                  </a:extLst>
+                </a:gridCol>
+                <a:gridCol w="1016000">
+                  <a:extLst>
+                    <a:ext uri="{9D8B030D-6E8A-4147-A177-3AD203B41FA5}">
+                      <a16:colId xmlns:a16="http://schemas.microsoft.com/office/drawing/2014/main" val="3969899493"/>
+                    </a:ext>
+                  </a:extLst>
+                </a:gridCol>
+                <a:gridCol w="1016000">
+                  <a:extLst>
+                    <a:ext uri="{9D8B030D-6E8A-4147-A177-3AD203B41FA5}">
+                      <a16:colId xmlns:a16="http://schemas.microsoft.com/office/drawing/2014/main" val="3532479315"/>
+                    </a:ext>
+                  </a:extLst>
+                </a:gridCol>
+              </a:tblGrid>
+              <a:tr h="370840">
+                <a:tc>
+                  <a:txBody>
+                    <a:bodyPr/>
+                    <a:lstStyle/>
+                    <a:p>
+                      <a:endParaRPr lang="ko-Kore-KR" altLang="en-US"/>
+                    </a:p>
+                  </a:txBody>
+                  <a:tcPr/>
+                </a:tc>
+                <a:tc>
+                  <a:txBody>
+                    <a:bodyPr/>
+                    <a:lstStyle/>
+                    <a:p>
+                      <a:endParaRPr lang="ko-Kore-KR" altLang="en-US"/>
+                    </a:p>
+                  </a:txBody>
+                  <a:tcPr/>
+                </a:tc>
+                <a:tc>
+                  <a:txBody>
+                    <a:bodyPr/>
+                    <a:lstStyle/>
+                    <a:p>
+                      <a:endParaRPr lang="ko-Kore-KR" altLang="en-US"/>
+                    </a:p>
+                  </a:txBody>
+                  <a:tcPr/>
+                </a:tc>
+                <a:tc>
+                  <a:txBody>
+                    <a:bodyPr/>
+                    <a:lstStyle/>
+                    <a:p>
+                      <a:endParaRPr lang="ko-Kore-KR" altLang="en-US"/>
+                    </a:p>
+                  </a:txBody>
+                  <a:tcPr/>
+                </a:tc>
+                <a:tc>
+                  <a:txBody>
+                    <a:bodyPr/>
+                    <a:lstStyle/>
+                    <a:p>
+                      <a:endParaRPr lang="ko-Kore-KR" altLang="en-US"/>
+                    </a:p>
+                  </a:txBody>
+                  <a:tcPr/>
+                </a:tc>
+                <a:tc>
+                  <a:txBody>
+                    <a:bodyPr/>
+                    <a:lstStyle/>
+                    <a:p>
+                      <a:endParaRPr lang="ko-Kore-KR" altLang="en-US"/>
+                    </a:p>
+                  </a:txBody>
+                  <a:tcPr/>
+                </a:tc>
+                <a:tc>
+                  <a:txBody>
+                    <a:bodyPr/>
+                    <a:lstStyle/>
+                    <a:p>
+                      <a:endParaRPr lang="ko-Kore-KR" altLang="en-US"/>
+                    </a:p>
+                  </a:txBody>
+                  <a:tcPr/>
+                </a:tc>
+                <a:tc>
+                  <a:txBody>
+                    <a:bodyPr/>
+                    <a:lstStyle/>
+                    <a:p>
+                      <a:endParaRPr lang="ko-Kore-KR" altLang="en-US" dirty="0"/>
+                    </a:p>
+                  </a:txBody>
+                  <a:tcPr/>
+                </a:tc>
+                <a:extLst>
+                  <a:ext uri="{0D108BD9-81ED-4DB2-BD59-A6C34878D82A}">
+                    <a16:rowId xmlns:a16="http://schemas.microsoft.com/office/drawing/2014/main" val="2257879861"/>
+                  </a:ext>
+                </a:extLst>
+              </a:tr>
+            </a:tbl>
+          </a:graphicData>
+        </a:graphic>
+      </p:graphicFrame>
+      <p:cxnSp>
+        <p:nvCxnSpPr>
+          <p:cNvPr id="6" name="직선 화살표 연결선 5">
+            <a:extLst>
+              <a:ext uri="{FF2B5EF4-FFF2-40B4-BE49-F238E27FC236}">
+                <a16:creationId xmlns:a16="http://schemas.microsoft.com/office/drawing/2014/main" id="{808C1739-144C-C22B-8EF0-8323DFCE9E5D}"/>
+              </a:ext>
+            </a:extLst>
+          </p:cNvPr>
+          <p:cNvCxnSpPr>
+            <a:stCxn id="3" idx="3"/>
+            <a:endCxn id="4" idx="1"/>
+          </p:cNvCxnSpPr>
+          <p:nvPr/>
+        </p:nvCxnSpPr>
+        <p:spPr>
+          <a:xfrm>
+            <a:off x="2327564" y="3243580"/>
+            <a:ext cx="785091" cy="0"/>
+          </a:xfrm>
+          <a:prstGeom prst="straightConnector1">
+            <a:avLst/>
+          </a:prstGeom>
+          <a:ln>
+            <a:tailEnd type="triangle"/>
+          </a:ln>
+        </p:spPr>
+        <p:style>
+          <a:lnRef idx="3">
+            <a:schemeClr val="accent1"/>
+          </a:lnRef>
+          <a:fillRef idx="0">
+            <a:schemeClr val="accent1"/>
+          </a:fillRef>
+          <a:effectRef idx="2">
+            <a:schemeClr val="accent1"/>
+          </a:effectRef>
+          <a:fontRef idx="minor">
+            <a:schemeClr val="tx1"/>
+          </a:fontRef>
+        </p:style>
+      </p:cxnSp>
+      <p:cxnSp>
+        <p:nvCxnSpPr>
+          <p:cNvPr id="8" name="직선 화살표 연결선 7">
+            <a:extLst>
+              <a:ext uri="{FF2B5EF4-FFF2-40B4-BE49-F238E27FC236}">
+                <a16:creationId xmlns:a16="http://schemas.microsoft.com/office/drawing/2014/main" id="{266240D6-860B-389A-697A-A295B3169AEB}"/>
+              </a:ext>
+            </a:extLst>
+          </p:cNvPr>
+          <p:cNvCxnSpPr>
+            <a:cxnSpLocks/>
+            <a:stCxn id="2" idx="2"/>
+            <a:endCxn id="4" idx="0"/>
+          </p:cNvCxnSpPr>
+          <p:nvPr/>
+        </p:nvCxnSpPr>
+        <p:spPr>
+          <a:xfrm>
+            <a:off x="7176655" y="1537854"/>
+            <a:ext cx="0" cy="1520306"/>
+          </a:xfrm>
+          <a:prstGeom prst="straightConnector1">
+            <a:avLst/>
+          </a:prstGeom>
+          <a:ln>
+            <a:tailEnd type="triangle"/>
+          </a:ln>
+        </p:spPr>
+        <p:style>
+          <a:lnRef idx="3">
+            <a:schemeClr val="accent1"/>
+          </a:lnRef>
+          <a:fillRef idx="0">
+            <a:schemeClr val="accent1"/>
+          </a:fillRef>
+          <a:effectRef idx="2">
+            <a:schemeClr val="accent1"/>
+          </a:effectRef>
+          <a:fontRef idx="minor">
+            <a:schemeClr val="tx1"/>
+          </a:fontRef>
+        </p:style>
+      </p:cxnSp>
+      <p:sp>
+        <p:nvSpPr>
+          <p:cNvPr id="12" name="TextBox 11">
+            <a:extLst>
+              <a:ext uri="{FF2B5EF4-FFF2-40B4-BE49-F238E27FC236}">
+                <a16:creationId xmlns:a16="http://schemas.microsoft.com/office/drawing/2014/main" id="{63BF28A0-E012-D320-9D82-7A3EDB0D87F3}"/>
+              </a:ext>
+            </a:extLst>
+          </p:cNvPr>
+          <p:cNvSpPr txBox="1"/>
+          <p:nvPr/>
+        </p:nvSpPr>
+        <p:spPr>
+          <a:xfrm>
+            <a:off x="7439888" y="2067174"/>
+            <a:ext cx="2992584" cy="461665"/>
+          </a:xfrm>
+          <a:prstGeom prst="rect">
+            <a:avLst/>
+          </a:prstGeom>
+        </p:spPr>
+        <p:style>
+          <a:lnRef idx="2">
+            <a:schemeClr val="accent1"/>
+          </a:lnRef>
+          <a:fillRef idx="1">
+            <a:schemeClr val="lt1"/>
+          </a:fillRef>
+          <a:effectRef idx="0">
+            <a:schemeClr val="accent1"/>
+          </a:effectRef>
+          <a:fontRef idx="minor">
+            <a:schemeClr val="dk1"/>
+          </a:fontRef>
+        </p:style>
+        <p:txBody>
+          <a:bodyPr wrap="square" rtlCol="0">
+            <a:spAutoFit/>
+          </a:bodyPr>
+          <a:lstStyle/>
+          <a:p>
+            <a:pPr algn="ctr"/>
+            <a:r>
+              <a:rPr kumimoji="1" lang="ko-Kore-KR" altLang="en-US" sz="1200" dirty="0"/>
+              <a:t>데이터를</a:t>
+            </a:r>
+            <a:r>
+              <a:rPr kumimoji="1" lang="ko-KR" altLang="en-US" sz="1200" dirty="0"/>
+              <a:t> 전송하기 쉬운 크기로 잘라서 </a:t>
+            </a:r>
+            <a:r>
+              <a:rPr kumimoji="1" lang="ko-KR" altLang="en-US" sz="1200" b="1" dirty="0"/>
+              <a:t>패킷으로</a:t>
+            </a:r>
+            <a:r>
+              <a:rPr kumimoji="1" lang="ko-KR" altLang="en-US" sz="1200" dirty="0"/>
+              <a:t> 포장한다</a:t>
+            </a:r>
+            <a:r>
+              <a:rPr kumimoji="1" lang="en-US" altLang="ko-KR" sz="1200" dirty="0"/>
+              <a:t>.</a:t>
+            </a:r>
+            <a:endParaRPr kumimoji="1" lang="ko-Kore-KR" altLang="en-US" sz="1200" dirty="0"/>
+          </a:p>
+        </p:txBody>
+      </p:sp>
+      <p:graphicFrame>
+        <p:nvGraphicFramePr>
+          <p:cNvPr id="15" name="표 15">
+            <a:extLst>
+              <a:ext uri="{FF2B5EF4-FFF2-40B4-BE49-F238E27FC236}">
+                <a16:creationId xmlns:a16="http://schemas.microsoft.com/office/drawing/2014/main" id="{D2C7ADEB-F65D-74B7-E301-7E9A851121F5}"/>
+              </a:ext>
+            </a:extLst>
+          </p:cNvPr>
+          <p:cNvGraphicFramePr>
+            <a:graphicFrameLocks noGrp="1"/>
+          </p:cNvGraphicFramePr>
+          <p:nvPr>
+            <p:extLst>
+              <p:ext uri="{D42A27DB-BD31-4B8C-83A1-F6EECF244321}">
+                <p14:modId xmlns:p14="http://schemas.microsoft.com/office/powerpoint/2010/main" val="1019174163"/>
+              </p:ext>
+            </p:extLst>
+          </p:nvPr>
+        </p:nvGraphicFramePr>
+        <p:xfrm>
+          <a:off x="4560453" y="4331394"/>
+          <a:ext cx="1639454" cy="370840"/>
+        </p:xfrm>
+        <a:graphic>
+          <a:graphicData uri="http://schemas.openxmlformats.org/drawingml/2006/table">
+            <a:tbl>
+              <a:tblPr firstRow="1" bandRow="1">
+                <a:tableStyleId>{5C22544A-7EE6-4342-B048-85BDC9FD1C3A}</a:tableStyleId>
+              </a:tblPr>
+              <a:tblGrid>
+                <a:gridCol w="819727">
+                  <a:extLst>
+                    <a:ext uri="{9D8B030D-6E8A-4147-A177-3AD203B41FA5}">
+                      <a16:colId xmlns:a16="http://schemas.microsoft.com/office/drawing/2014/main" val="125428162"/>
+                    </a:ext>
+                  </a:extLst>
+                </a:gridCol>
+                <a:gridCol w="819727">
+                  <a:extLst>
+                    <a:ext uri="{9D8B030D-6E8A-4147-A177-3AD203B41FA5}">
+                      <a16:colId xmlns:a16="http://schemas.microsoft.com/office/drawing/2014/main" val="823186313"/>
+                    </a:ext>
+                  </a:extLst>
+                </a:gridCol>
+              </a:tblGrid>
+              <a:tr h="370840">
+                <a:tc>
+                  <a:txBody>
+                    <a:bodyPr/>
+                    <a:lstStyle/>
+                    <a:p>
+                      <a:endParaRPr lang="ko-Kore-KR" altLang="en-US"/>
+                    </a:p>
+                  </a:txBody>
+                  <a:tcPr/>
+                </a:tc>
+                <a:tc>
+                  <a:txBody>
+                    <a:bodyPr/>
+                    <a:lstStyle/>
+                    <a:p>
+                      <a:endParaRPr lang="ko-Kore-KR" altLang="en-US" dirty="0"/>
+                    </a:p>
+                  </a:txBody>
+                  <a:tcPr/>
+                </a:tc>
+                <a:extLst>
+                  <a:ext uri="{0D108BD9-81ED-4DB2-BD59-A6C34878D82A}">
+                    <a16:rowId xmlns:a16="http://schemas.microsoft.com/office/drawing/2014/main" val="161491898"/>
+                  </a:ext>
+                </a:extLst>
+              </a:tr>
+            </a:tbl>
+          </a:graphicData>
+        </a:graphic>
+      </p:graphicFrame>
+      <p:cxnSp>
+        <p:nvCxnSpPr>
+          <p:cNvPr id="17" name="직선 화살표 연결선 16">
+            <a:extLst>
+              <a:ext uri="{FF2B5EF4-FFF2-40B4-BE49-F238E27FC236}">
+                <a16:creationId xmlns:a16="http://schemas.microsoft.com/office/drawing/2014/main" id="{DDEA57A9-F39C-4873-60B0-C8457C16AF5E}"/>
+              </a:ext>
+            </a:extLst>
+          </p:cNvPr>
+          <p:cNvCxnSpPr>
+            <a:cxnSpLocks/>
+            <a:stCxn id="20" idx="0"/>
+            <a:endCxn id="15" idx="2"/>
+          </p:cNvCxnSpPr>
+          <p:nvPr/>
+        </p:nvCxnSpPr>
+        <p:spPr>
+          <a:xfrm flipH="1" flipV="1">
+            <a:off x="5380180" y="4702234"/>
+            <a:ext cx="715820" cy="723330"/>
+          </a:xfrm>
+          <a:prstGeom prst="straightConnector1">
+            <a:avLst/>
+          </a:prstGeom>
+          <a:ln>
+            <a:tailEnd type="triangle"/>
+          </a:ln>
+        </p:spPr>
+        <p:style>
+          <a:lnRef idx="3">
+            <a:schemeClr val="accent1"/>
+          </a:lnRef>
+          <a:fillRef idx="0">
+            <a:schemeClr val="accent1"/>
+          </a:fillRef>
+          <a:effectRef idx="2">
+            <a:schemeClr val="accent1"/>
+          </a:effectRef>
+          <a:fontRef idx="minor">
+            <a:schemeClr val="tx1"/>
+          </a:fontRef>
+        </p:style>
+      </p:cxnSp>
+      <p:sp>
+        <p:nvSpPr>
+          <p:cNvPr id="20" name="TextBox 19">
+            <a:extLst>
+              <a:ext uri="{FF2B5EF4-FFF2-40B4-BE49-F238E27FC236}">
+                <a16:creationId xmlns:a16="http://schemas.microsoft.com/office/drawing/2014/main" id="{EA61F6D7-BC4C-EEA9-701F-E648D5F2814B}"/>
+              </a:ext>
+            </a:extLst>
+          </p:cNvPr>
+          <p:cNvSpPr txBox="1"/>
+          <p:nvPr/>
+        </p:nvSpPr>
+        <p:spPr>
+          <a:xfrm>
+            <a:off x="5133107" y="5425564"/>
+            <a:ext cx="1925785" cy="1200329"/>
+          </a:xfrm>
+          <a:prstGeom prst="rect">
+            <a:avLst/>
+          </a:prstGeom>
+        </p:spPr>
+        <p:style>
+          <a:lnRef idx="2">
+            <a:schemeClr val="accent1"/>
+          </a:lnRef>
+          <a:fillRef idx="1">
+            <a:schemeClr val="lt1"/>
+          </a:fillRef>
+          <a:effectRef idx="0">
+            <a:schemeClr val="accent1"/>
+          </a:effectRef>
+          <a:fontRef idx="minor">
+            <a:schemeClr val="dk1"/>
+          </a:fontRef>
+        </p:style>
+        <p:txBody>
+          <a:bodyPr wrap="square" rtlCol="0">
+            <a:spAutoFit/>
+          </a:bodyPr>
+          <a:lstStyle/>
+          <a:p>
+            <a:pPr marL="171450" indent="-171450">
+              <a:buFont typeface="Arial" panose="020B0604020202020204" pitchFamily="34" charset="0"/>
+              <a:buChar char="•"/>
+            </a:pPr>
+            <a:r>
+              <a:rPr kumimoji="1" lang="ko-KR" altLang="en-US" sz="1200" dirty="0"/>
+              <a:t>보내는 이의 주소</a:t>
+            </a:r>
+            <a:endParaRPr kumimoji="1" lang="en-US" altLang="ko-KR" sz="1200" dirty="0"/>
+          </a:p>
+          <a:p>
+            <a:pPr marL="171450" indent="-171450">
+              <a:buFont typeface="Arial" panose="020B0604020202020204" pitchFamily="34" charset="0"/>
+              <a:buChar char="•"/>
+            </a:pPr>
+            <a:r>
+              <a:rPr kumimoji="1" lang="ko-KR" altLang="en-US" sz="1200" dirty="0"/>
+              <a:t>받는 이의 주소</a:t>
+            </a:r>
+            <a:endParaRPr kumimoji="1" lang="en-US" altLang="ko-KR" sz="1200" dirty="0"/>
+          </a:p>
+          <a:p>
+            <a:pPr marL="171450" indent="-171450">
+              <a:buFont typeface="Arial" panose="020B0604020202020204" pitchFamily="34" charset="0"/>
+              <a:buChar char="•"/>
+            </a:pPr>
+            <a:r>
+              <a:rPr kumimoji="1" lang="ko-KR" altLang="en-US" sz="1200" dirty="0"/>
+              <a:t>데이터 길이</a:t>
+            </a:r>
+            <a:endParaRPr kumimoji="1" lang="en-US" altLang="ko-KR" sz="1200" dirty="0"/>
+          </a:p>
+          <a:p>
+            <a:pPr marL="171450" indent="-171450">
+              <a:buFont typeface="Arial" panose="020B0604020202020204" pitchFamily="34" charset="0"/>
+              <a:buChar char="•"/>
+            </a:pPr>
+            <a:r>
+              <a:rPr kumimoji="1" lang="en-US" altLang="ko-KR" sz="1200" dirty="0"/>
+              <a:t>checksum</a:t>
+            </a:r>
+          </a:p>
+          <a:p>
+            <a:pPr marL="171450" indent="-171450">
+              <a:buFont typeface="Arial" panose="020B0604020202020204" pitchFamily="34" charset="0"/>
+              <a:buChar char="•"/>
+            </a:pPr>
+            <a:r>
+              <a:rPr kumimoji="1" lang="ko-KR" altLang="en-US" sz="1200" dirty="0"/>
+              <a:t>패킷 번호</a:t>
+            </a:r>
+            <a:endParaRPr kumimoji="1" lang="en-US" altLang="ko-KR" sz="1200" dirty="0"/>
+          </a:p>
+          <a:p>
+            <a:pPr marL="171450" indent="-171450">
+              <a:buFont typeface="Arial" panose="020B0604020202020204" pitchFamily="34" charset="0"/>
+              <a:buChar char="•"/>
+            </a:pPr>
+            <a:r>
+              <a:rPr kumimoji="1" lang="en-US" altLang="ko-Kore-KR" sz="1200" dirty="0"/>
+              <a:t>…</a:t>
+            </a:r>
+            <a:endParaRPr kumimoji="1" lang="ko-Kore-KR" altLang="en-US" sz="1200" dirty="0"/>
+          </a:p>
+        </p:txBody>
+      </p:sp>
+      <p:sp>
+        <p:nvSpPr>
+          <p:cNvPr id="26" name="TextBox 25">
+            <a:extLst>
+              <a:ext uri="{FF2B5EF4-FFF2-40B4-BE49-F238E27FC236}">
+                <a16:creationId xmlns:a16="http://schemas.microsoft.com/office/drawing/2014/main" id="{22C2F5CB-2E60-43FA-2579-8F8A9D6C8465}"/>
+              </a:ext>
+            </a:extLst>
+          </p:cNvPr>
+          <p:cNvSpPr txBox="1"/>
+          <p:nvPr/>
+        </p:nvSpPr>
+        <p:spPr>
+          <a:xfrm>
+            <a:off x="4001660" y="3732121"/>
+            <a:ext cx="1378520" cy="369332"/>
+          </a:xfrm>
+          <a:prstGeom prst="rect">
+            <a:avLst/>
+          </a:prstGeom>
+          <a:ln>
+            <a:solidFill>
+              <a:srgbClr val="FF00A8"/>
+            </a:solidFill>
+          </a:ln>
+        </p:spPr>
+        <p:style>
+          <a:lnRef idx="2">
+            <a:schemeClr val="accent2"/>
+          </a:lnRef>
+          <a:fillRef idx="1">
+            <a:schemeClr val="lt1"/>
+          </a:fillRef>
+          <a:effectRef idx="0">
+            <a:schemeClr val="accent2"/>
+          </a:effectRef>
+          <a:fontRef idx="minor">
+            <a:schemeClr val="dk1"/>
+          </a:fontRef>
+        </p:style>
+        <p:txBody>
+          <a:bodyPr wrap="square" rtlCol="0">
+            <a:spAutoFit/>
+          </a:bodyPr>
+          <a:lstStyle/>
+          <a:p>
+            <a:pPr algn="ctr"/>
+            <a:r>
+              <a:rPr kumimoji="1" lang="en-US" altLang="ko-Kore-KR" dirty="0"/>
+              <a:t>Packet</a:t>
+            </a:r>
+            <a:endParaRPr kumimoji="1" lang="ko-Kore-KR" altLang="en-US" dirty="0"/>
+          </a:p>
+        </p:txBody>
+      </p:sp>
+      <p:sp>
+        <p:nvSpPr>
+          <p:cNvPr id="27" name="오른쪽 화살표[R] 26">
+            <a:extLst>
+              <a:ext uri="{FF2B5EF4-FFF2-40B4-BE49-F238E27FC236}">
+                <a16:creationId xmlns:a16="http://schemas.microsoft.com/office/drawing/2014/main" id="{FD3E2416-A0CB-D636-754A-E244A989267E}"/>
+              </a:ext>
+            </a:extLst>
+          </p:cNvPr>
+          <p:cNvSpPr/>
+          <p:nvPr/>
+        </p:nvSpPr>
+        <p:spPr>
+          <a:xfrm>
+            <a:off x="6758701" y="4262621"/>
+            <a:ext cx="2784764" cy="489988"/>
+          </a:xfrm>
+          <a:prstGeom prst="rightArrow">
+            <a:avLst/>
+          </a:prstGeom>
+        </p:spPr>
+        <p:style>
+          <a:lnRef idx="3">
+            <a:schemeClr val="lt1"/>
+          </a:lnRef>
+          <a:fillRef idx="1">
+            <a:schemeClr val="accent6"/>
+          </a:fillRef>
+          <a:effectRef idx="1">
+            <a:schemeClr val="accent6"/>
+          </a:effectRef>
+          <a:fontRef idx="minor">
+            <a:schemeClr val="lt1"/>
+          </a:fontRef>
+        </p:style>
+        <p:txBody>
+          <a:bodyPr rtlCol="0" anchor="ctr"/>
+          <a:lstStyle/>
+          <a:p>
+            <a:pPr algn="ctr"/>
+            <a:endParaRPr kumimoji="1" lang="ko-Kore-KR" altLang="en-US"/>
+          </a:p>
+        </p:txBody>
+      </p:sp>
+      <p:sp>
+        <p:nvSpPr>
+          <p:cNvPr id="28" name="TextBox 27">
+            <a:extLst>
+              <a:ext uri="{FF2B5EF4-FFF2-40B4-BE49-F238E27FC236}">
+                <a16:creationId xmlns:a16="http://schemas.microsoft.com/office/drawing/2014/main" id="{12955918-3D20-27E7-F091-2185B484302D}"/>
+              </a:ext>
+            </a:extLst>
+          </p:cNvPr>
+          <p:cNvSpPr txBox="1"/>
+          <p:nvPr/>
+        </p:nvSpPr>
+        <p:spPr>
+          <a:xfrm>
+            <a:off x="7054276" y="3916787"/>
+            <a:ext cx="2161308" cy="307777"/>
+          </a:xfrm>
+          <a:prstGeom prst="rect">
+            <a:avLst/>
+          </a:prstGeom>
+        </p:spPr>
+        <p:style>
+          <a:lnRef idx="2">
+            <a:schemeClr val="accent6"/>
+          </a:lnRef>
+          <a:fillRef idx="1">
+            <a:schemeClr val="lt1"/>
+          </a:fillRef>
+          <a:effectRef idx="0">
+            <a:schemeClr val="accent6"/>
+          </a:effectRef>
+          <a:fontRef idx="minor">
+            <a:schemeClr val="dk1"/>
+          </a:fontRef>
+        </p:style>
+        <p:txBody>
+          <a:bodyPr wrap="square" rtlCol="0">
+            <a:spAutoFit/>
+          </a:bodyPr>
+          <a:lstStyle/>
+          <a:p>
+            <a:pPr algn="ctr"/>
+            <a:r>
+              <a:rPr kumimoji="1" lang="en-US" altLang="ko-Kore-KR" sz="1400" dirty="0"/>
+              <a:t>Packet </a:t>
+            </a:r>
+            <a:r>
+              <a:rPr kumimoji="1" lang="ko-Kore-KR" altLang="en-US" sz="1400" dirty="0"/>
+              <a:t>전송</a:t>
+            </a:r>
+          </a:p>
+        </p:txBody>
+      </p:sp>
+      <p:cxnSp>
+        <p:nvCxnSpPr>
+          <p:cNvPr id="30" name="구부러진 연결선[U] 29">
+            <a:extLst>
+              <a:ext uri="{FF2B5EF4-FFF2-40B4-BE49-F238E27FC236}">
+                <a16:creationId xmlns:a16="http://schemas.microsoft.com/office/drawing/2014/main" id="{6CC8754E-2C00-1753-B83D-B76FA0C4A44A}"/>
+              </a:ext>
+            </a:extLst>
+          </p:cNvPr>
+          <p:cNvCxnSpPr>
+            <a:cxnSpLocks/>
+            <a:endCxn id="15" idx="1"/>
+          </p:cNvCxnSpPr>
+          <p:nvPr/>
+        </p:nvCxnSpPr>
+        <p:spPr>
+          <a:xfrm rot="16200000" flipH="1">
+            <a:off x="3372933" y="3329293"/>
+            <a:ext cx="1241277" cy="1133764"/>
+          </a:xfrm>
+          <a:prstGeom prst="curvedConnector2">
+            <a:avLst/>
+          </a:prstGeom>
+          <a:ln>
+            <a:tailEnd type="triangle"/>
+          </a:ln>
+        </p:spPr>
+        <p:style>
+          <a:lnRef idx="1">
+            <a:schemeClr val="accent1"/>
+          </a:lnRef>
+          <a:fillRef idx="0">
+            <a:schemeClr val="accent1"/>
+          </a:fillRef>
+          <a:effectRef idx="0">
+            <a:schemeClr val="accent1"/>
+          </a:effectRef>
+          <a:fontRef idx="minor">
+            <a:schemeClr val="tx1"/>
+          </a:fontRef>
+        </p:style>
+      </p:cxnSp>
+    </p:spTree>
+    <p:extLst>
+      <p:ext uri="{BB962C8B-B14F-4D97-AF65-F5344CB8AC3E}">
+        <p14:creationId xmlns:p14="http://schemas.microsoft.com/office/powerpoint/2010/main" val="3703611326"/>
+      </p:ext>
+    </p:extLst>
+  </p:cSld>
+  <p:clrMapOvr>
+    <a:masterClrMapping/>
+  </p:clrMapOvr>
+</p:sld>
+</file>
+
+<file path=ppt/slides/slide12.xml><?xml version="1.0" encoding="utf-8"?>
+<p:sld xmlns:a="http://schemas.openxmlformats.org/drawingml/2006/main" xmlns:r="http://schemas.openxmlformats.org/officeDocument/2006/relationships" xmlns:p="http://schemas.openxmlformats.org/presentationml/2006/main">
+  <p:cSld>
+    <p:spTree>
+      <p:nvGrpSpPr>
+        <p:cNvPr id="1" name=""/>
+        <p:cNvGrpSpPr/>
+        <p:nvPr/>
+      </p:nvGrpSpPr>
+      <p:grpSpPr>
+        <a:xfrm>
+          <a:off x="0" y="0"/>
+          <a:ext cx="0" cy="0"/>
+          <a:chOff x="0" y="0"/>
+          <a:chExt cx="0" cy="0"/>
+        </a:xfrm>
+      </p:grpSpPr>
+      <p:cxnSp>
+        <p:nvCxnSpPr>
+          <p:cNvPr id="3" name="직선 연결선[R] 2">
+            <a:extLst>
+              <a:ext uri="{FF2B5EF4-FFF2-40B4-BE49-F238E27FC236}">
+                <a16:creationId xmlns:a16="http://schemas.microsoft.com/office/drawing/2014/main" id="{750AF84B-D03D-17C5-95F6-1612AB772ADB}"/>
+              </a:ext>
+            </a:extLst>
+          </p:cNvPr>
+          <p:cNvCxnSpPr>
+            <a:cxnSpLocks/>
+            <a:stCxn id="5" idx="2"/>
+          </p:cNvCxnSpPr>
+          <p:nvPr/>
+        </p:nvCxnSpPr>
+        <p:spPr>
+          <a:xfrm flipH="1">
+            <a:off x="1551249" y="1518284"/>
+            <a:ext cx="14314" cy="5339716"/>
+          </a:xfrm>
+          <a:prstGeom prst="line">
+            <a:avLst/>
+          </a:prstGeom>
+        </p:spPr>
+        <p:style>
+          <a:lnRef idx="3">
+            <a:schemeClr val="accent5"/>
+          </a:lnRef>
+          <a:fillRef idx="0">
+            <a:schemeClr val="accent5"/>
+          </a:fillRef>
+          <a:effectRef idx="2">
+            <a:schemeClr val="accent5"/>
+          </a:effectRef>
+          <a:fontRef idx="minor">
+            <a:schemeClr val="tx1"/>
+          </a:fontRef>
+        </p:style>
+      </p:cxnSp>
+      <p:cxnSp>
+        <p:nvCxnSpPr>
+          <p:cNvPr id="4" name="직선 연결선[R] 3">
+            <a:extLst>
+              <a:ext uri="{FF2B5EF4-FFF2-40B4-BE49-F238E27FC236}">
+                <a16:creationId xmlns:a16="http://schemas.microsoft.com/office/drawing/2014/main" id="{451CFBF8-C1CA-C8B7-7392-8692D9091AAD}"/>
+              </a:ext>
+            </a:extLst>
+          </p:cNvPr>
+          <p:cNvCxnSpPr>
+            <a:cxnSpLocks/>
+            <a:stCxn id="6" idx="2"/>
+          </p:cNvCxnSpPr>
+          <p:nvPr/>
+        </p:nvCxnSpPr>
+        <p:spPr>
+          <a:xfrm>
+            <a:off x="4059863" y="1521524"/>
+            <a:ext cx="0" cy="5336476"/>
+          </a:xfrm>
+          <a:prstGeom prst="line">
+            <a:avLst/>
+          </a:prstGeom>
+        </p:spPr>
+        <p:style>
+          <a:lnRef idx="3">
+            <a:schemeClr val="accent5"/>
+          </a:lnRef>
+          <a:fillRef idx="0">
+            <a:schemeClr val="accent5"/>
+          </a:fillRef>
+          <a:effectRef idx="2">
+            <a:schemeClr val="accent5"/>
+          </a:effectRef>
+          <a:fontRef idx="minor">
+            <a:schemeClr val="tx1"/>
+          </a:fontRef>
+        </p:style>
+      </p:cxnSp>
+      <p:sp>
+        <p:nvSpPr>
+          <p:cNvPr id="5" name="TextBox 4">
+            <a:extLst>
+              <a:ext uri="{FF2B5EF4-FFF2-40B4-BE49-F238E27FC236}">
+                <a16:creationId xmlns:a16="http://schemas.microsoft.com/office/drawing/2014/main" id="{F845963B-5B95-12E5-7840-A9A0BC79C27A}"/>
+              </a:ext>
+            </a:extLst>
+          </p:cNvPr>
+          <p:cNvSpPr txBox="1"/>
+          <p:nvPr/>
+        </p:nvSpPr>
+        <p:spPr>
+          <a:xfrm>
+            <a:off x="484909" y="1210507"/>
+            <a:ext cx="2161308" cy="307777"/>
+          </a:xfrm>
+          <a:prstGeom prst="rect">
+            <a:avLst/>
+          </a:prstGeom>
+        </p:spPr>
+        <p:style>
+          <a:lnRef idx="2">
+            <a:schemeClr val="accent5"/>
+          </a:lnRef>
+          <a:fillRef idx="1">
+            <a:schemeClr val="lt1"/>
+          </a:fillRef>
+          <a:effectRef idx="0">
+            <a:schemeClr val="accent5"/>
+          </a:effectRef>
+          <a:fontRef idx="minor">
+            <a:schemeClr val="dk1"/>
+          </a:fontRef>
+        </p:style>
+        <p:txBody>
+          <a:bodyPr wrap="square" rtlCol="0">
+            <a:spAutoFit/>
+          </a:bodyPr>
+          <a:lstStyle/>
+          <a:p>
+            <a:pPr algn="ctr"/>
+            <a:r>
+              <a:rPr kumimoji="1" lang="en-US" altLang="ko-Kore-KR" sz="1400" dirty="0" err="1"/>
+              <a:t>CalcClient</a:t>
+            </a:r>
+            <a:endParaRPr kumimoji="1" lang="ko-Kore-KR" altLang="en-US" sz="1400" dirty="0"/>
+          </a:p>
+        </p:txBody>
+      </p:sp>
+      <p:sp>
+        <p:nvSpPr>
+          <p:cNvPr id="6" name="TextBox 5">
+            <a:extLst>
+              <a:ext uri="{FF2B5EF4-FFF2-40B4-BE49-F238E27FC236}">
+                <a16:creationId xmlns:a16="http://schemas.microsoft.com/office/drawing/2014/main" id="{2E36805F-B1DC-50DD-32F4-B4CD9E3742FF}"/>
+              </a:ext>
+            </a:extLst>
+          </p:cNvPr>
+          <p:cNvSpPr txBox="1"/>
+          <p:nvPr/>
+        </p:nvSpPr>
+        <p:spPr>
+          <a:xfrm>
+            <a:off x="3080931" y="1213747"/>
+            <a:ext cx="1957864" cy="307777"/>
+          </a:xfrm>
+          <a:prstGeom prst="rect">
+            <a:avLst/>
+          </a:prstGeom>
+        </p:spPr>
+        <p:style>
+          <a:lnRef idx="2">
+            <a:schemeClr val="accent5"/>
+          </a:lnRef>
+          <a:fillRef idx="1">
+            <a:schemeClr val="lt1"/>
+          </a:fillRef>
+          <a:effectRef idx="0">
+            <a:schemeClr val="accent5"/>
+          </a:effectRef>
+          <a:fontRef idx="minor">
+            <a:schemeClr val="dk1"/>
+          </a:fontRef>
+        </p:style>
+        <p:txBody>
+          <a:bodyPr wrap="square" rtlCol="0">
+            <a:spAutoFit/>
+          </a:bodyPr>
+          <a:lstStyle/>
+          <a:p>
+            <a:pPr algn="ctr"/>
+            <a:r>
+              <a:rPr kumimoji="1" lang="en-US" altLang="ko-Kore-KR" sz="1400" dirty="0" err="1"/>
+              <a:t>CalcServer</a:t>
+            </a:r>
+            <a:endParaRPr kumimoji="1" lang="ko-Kore-KR" altLang="en-US" sz="1400" dirty="0"/>
+          </a:p>
+        </p:txBody>
+      </p:sp>
+      <p:cxnSp>
+        <p:nvCxnSpPr>
+          <p:cNvPr id="7" name="직선 화살표 연결선 6">
+            <a:extLst>
+              <a:ext uri="{FF2B5EF4-FFF2-40B4-BE49-F238E27FC236}">
+                <a16:creationId xmlns:a16="http://schemas.microsoft.com/office/drawing/2014/main" id="{EA3AC166-E3D9-DCDE-0A60-C87823122F85}"/>
+              </a:ext>
+            </a:extLst>
+          </p:cNvPr>
+          <p:cNvCxnSpPr/>
+          <p:nvPr/>
+        </p:nvCxnSpPr>
+        <p:spPr>
+          <a:xfrm>
+            <a:off x="1572956" y="2093898"/>
+            <a:ext cx="2527739" cy="0"/>
+          </a:xfrm>
+          <a:prstGeom prst="straightConnector1">
+            <a:avLst/>
+          </a:prstGeom>
+          <a:ln>
+            <a:tailEnd type="triangle"/>
+          </a:ln>
+        </p:spPr>
+        <p:style>
+          <a:lnRef idx="3">
+            <a:schemeClr val="accent6"/>
+          </a:lnRef>
+          <a:fillRef idx="0">
+            <a:schemeClr val="accent6"/>
+          </a:fillRef>
+          <a:effectRef idx="2">
+            <a:schemeClr val="accent6"/>
+          </a:effectRef>
+          <a:fontRef idx="minor">
+            <a:schemeClr val="tx1"/>
+          </a:fontRef>
+        </p:style>
+      </p:cxnSp>
+      <p:cxnSp>
+        <p:nvCxnSpPr>
+          <p:cNvPr id="8" name="직선 화살표 연결선 7">
+            <a:extLst>
+              <a:ext uri="{FF2B5EF4-FFF2-40B4-BE49-F238E27FC236}">
+                <a16:creationId xmlns:a16="http://schemas.microsoft.com/office/drawing/2014/main" id="{F0A47A5D-38FA-749D-64DF-5CD64818CD00}"/>
+              </a:ext>
+            </a:extLst>
+          </p:cNvPr>
+          <p:cNvCxnSpPr/>
+          <p:nvPr/>
+        </p:nvCxnSpPr>
+        <p:spPr>
+          <a:xfrm flipH="1">
+            <a:off x="1586367" y="3458721"/>
+            <a:ext cx="2527739" cy="0"/>
+          </a:xfrm>
+          <a:prstGeom prst="straightConnector1">
+            <a:avLst/>
+          </a:prstGeom>
+          <a:ln>
+            <a:tailEnd type="triangle"/>
+          </a:ln>
+        </p:spPr>
+        <p:style>
+          <a:lnRef idx="3">
+            <a:schemeClr val="accent2"/>
+          </a:lnRef>
+          <a:fillRef idx="0">
+            <a:schemeClr val="accent2"/>
+          </a:fillRef>
+          <a:effectRef idx="2">
+            <a:schemeClr val="accent2"/>
+          </a:effectRef>
+          <a:fontRef idx="minor">
+            <a:schemeClr val="tx1"/>
+          </a:fontRef>
+        </p:style>
+      </p:cxnSp>
+      <p:cxnSp>
+        <p:nvCxnSpPr>
+          <p:cNvPr id="10" name="직선 화살표 연결선 9">
+            <a:extLst>
+              <a:ext uri="{FF2B5EF4-FFF2-40B4-BE49-F238E27FC236}">
+                <a16:creationId xmlns:a16="http://schemas.microsoft.com/office/drawing/2014/main" id="{65E0DD4F-B632-E25D-CBDB-48A112F1C39B}"/>
+              </a:ext>
+            </a:extLst>
+          </p:cNvPr>
+          <p:cNvCxnSpPr/>
+          <p:nvPr/>
+        </p:nvCxnSpPr>
+        <p:spPr>
+          <a:xfrm>
+            <a:off x="1557104" y="2526687"/>
+            <a:ext cx="2527739" cy="0"/>
+          </a:xfrm>
+          <a:prstGeom prst="straightConnector1">
+            <a:avLst/>
+          </a:prstGeom>
+          <a:ln>
+            <a:tailEnd type="triangle"/>
+          </a:ln>
+        </p:spPr>
+        <p:style>
+          <a:lnRef idx="3">
+            <a:schemeClr val="accent6"/>
+          </a:lnRef>
+          <a:fillRef idx="0">
+            <a:schemeClr val="accent6"/>
+          </a:fillRef>
+          <a:effectRef idx="2">
+            <a:schemeClr val="accent6"/>
+          </a:effectRef>
+          <a:fontRef idx="minor">
+            <a:schemeClr val="tx1"/>
+          </a:fontRef>
+        </p:style>
+      </p:cxnSp>
+      <p:sp>
+        <p:nvSpPr>
+          <p:cNvPr id="11" name="TextBox 10">
+            <a:extLst>
+              <a:ext uri="{FF2B5EF4-FFF2-40B4-BE49-F238E27FC236}">
+                <a16:creationId xmlns:a16="http://schemas.microsoft.com/office/drawing/2014/main" id="{6E98749C-48E6-4FD8-C5BC-6E33C8366CED}"/>
+              </a:ext>
+            </a:extLst>
+          </p:cNvPr>
+          <p:cNvSpPr txBox="1"/>
+          <p:nvPr/>
+        </p:nvSpPr>
+        <p:spPr>
+          <a:xfrm>
+            <a:off x="2435617" y="1901363"/>
+            <a:ext cx="751487" cy="276999"/>
+          </a:xfrm>
+          <a:prstGeom prst="rect">
+            <a:avLst/>
+          </a:prstGeom>
+        </p:spPr>
+        <p:style>
+          <a:lnRef idx="2">
+            <a:schemeClr val="accent6"/>
+          </a:lnRef>
+          <a:fillRef idx="1">
+            <a:schemeClr val="lt1"/>
+          </a:fillRef>
+          <a:effectRef idx="0">
+            <a:schemeClr val="accent6"/>
+          </a:effectRef>
+          <a:fontRef idx="minor">
+            <a:schemeClr val="dk1"/>
+          </a:fontRef>
+        </p:style>
+        <p:txBody>
+          <a:bodyPr wrap="square" rtlCol="0">
+            <a:spAutoFit/>
+          </a:bodyPr>
+          <a:lstStyle/>
+          <a:p>
+            <a:pPr algn="ctr"/>
+            <a:r>
+              <a:rPr kumimoji="1" lang="en-US" altLang="ko-KR" sz="1200" dirty="0"/>
+              <a:t>1.</a:t>
+            </a:r>
+            <a:r>
+              <a:rPr kumimoji="1" lang="ko-KR" altLang="en-US" sz="1200" dirty="0"/>
+              <a:t> 연결</a:t>
+            </a:r>
+            <a:endParaRPr kumimoji="1" lang="ko-Kore-KR" altLang="en-US" sz="1200" dirty="0"/>
+          </a:p>
+        </p:txBody>
+      </p:sp>
+      <p:sp>
+        <p:nvSpPr>
+          <p:cNvPr id="12" name="TextBox 11">
+            <a:extLst>
+              <a:ext uri="{FF2B5EF4-FFF2-40B4-BE49-F238E27FC236}">
+                <a16:creationId xmlns:a16="http://schemas.microsoft.com/office/drawing/2014/main" id="{51244F26-BD32-A073-CD44-0DB23D9ACFD1}"/>
+              </a:ext>
+            </a:extLst>
+          </p:cNvPr>
+          <p:cNvSpPr txBox="1"/>
+          <p:nvPr/>
+        </p:nvSpPr>
+        <p:spPr>
+          <a:xfrm>
+            <a:off x="2216279" y="3319395"/>
+            <a:ext cx="1209387" cy="276999"/>
+          </a:xfrm>
+          <a:prstGeom prst="rect">
+            <a:avLst/>
+          </a:prstGeom>
+        </p:spPr>
+        <p:style>
+          <a:lnRef idx="2">
+            <a:schemeClr val="accent2"/>
+          </a:lnRef>
+          <a:fillRef idx="1">
+            <a:schemeClr val="lt1"/>
+          </a:fillRef>
+          <a:effectRef idx="0">
+            <a:schemeClr val="accent2"/>
+          </a:effectRef>
+          <a:fontRef idx="minor">
+            <a:schemeClr val="dk1"/>
+          </a:fontRef>
+        </p:style>
+        <p:txBody>
+          <a:bodyPr wrap="square" rtlCol="0">
+            <a:spAutoFit/>
+          </a:bodyPr>
+          <a:lstStyle/>
+          <a:p>
+            <a:pPr algn="ctr"/>
+            <a:r>
+              <a:rPr kumimoji="1" lang="en-US" altLang="ko-KR" sz="1200" dirty="0"/>
+              <a:t>5.</a:t>
+            </a:r>
+            <a:r>
+              <a:rPr kumimoji="1" lang="ko-KR" altLang="en-US" sz="1200" dirty="0"/>
+              <a:t> 결과</a:t>
+            </a:r>
+            <a:r>
+              <a:rPr kumimoji="1" lang="en-US" altLang="ko-KR" sz="1200" dirty="0"/>
+              <a:t>(with ID)</a:t>
+            </a:r>
+          </a:p>
+        </p:txBody>
+      </p:sp>
+      <p:sp>
+        <p:nvSpPr>
+          <p:cNvPr id="13" name="TextBox 12">
+            <a:extLst>
+              <a:ext uri="{FF2B5EF4-FFF2-40B4-BE49-F238E27FC236}">
+                <a16:creationId xmlns:a16="http://schemas.microsoft.com/office/drawing/2014/main" id="{DEB41109-BECF-C6B5-6544-6A4098C4DCBC}"/>
+              </a:ext>
+            </a:extLst>
+          </p:cNvPr>
+          <p:cNvSpPr txBox="1"/>
+          <p:nvPr/>
+        </p:nvSpPr>
+        <p:spPr>
+          <a:xfrm>
+            <a:off x="1998712" y="2418999"/>
+            <a:ext cx="1664166" cy="276999"/>
+          </a:xfrm>
+          <a:prstGeom prst="rect">
+            <a:avLst/>
+          </a:prstGeom>
+        </p:spPr>
+        <p:style>
+          <a:lnRef idx="2">
+            <a:schemeClr val="accent6"/>
+          </a:lnRef>
+          <a:fillRef idx="1">
+            <a:schemeClr val="lt1"/>
+          </a:fillRef>
+          <a:effectRef idx="0">
+            <a:schemeClr val="accent6"/>
+          </a:effectRef>
+          <a:fontRef idx="minor">
+            <a:schemeClr val="dk1"/>
+          </a:fontRef>
+        </p:style>
+        <p:txBody>
+          <a:bodyPr wrap="square" rtlCol="0">
+            <a:spAutoFit/>
+          </a:bodyPr>
+          <a:lstStyle/>
+          <a:p>
+            <a:pPr algn="ctr"/>
+            <a:r>
+              <a:rPr kumimoji="1" lang="en-US" altLang="ko-KR" sz="1200" dirty="0"/>
+              <a:t>2.</a:t>
+            </a:r>
+            <a:r>
+              <a:rPr kumimoji="1" lang="ko-KR" altLang="en-US" sz="1200" dirty="0"/>
+              <a:t> 요청</a:t>
+            </a:r>
+            <a:r>
+              <a:rPr kumimoji="1" lang="en-US" altLang="ko-KR" sz="1200" dirty="0"/>
+              <a:t>(without ID)</a:t>
+            </a:r>
+            <a:endParaRPr kumimoji="1" lang="ko-Kore-KR" altLang="en-US" sz="1200" dirty="0"/>
+          </a:p>
+        </p:txBody>
+      </p:sp>
+      <p:cxnSp>
+        <p:nvCxnSpPr>
+          <p:cNvPr id="17" name="직선 화살표 연결선 16">
+            <a:extLst>
+              <a:ext uri="{FF2B5EF4-FFF2-40B4-BE49-F238E27FC236}">
+                <a16:creationId xmlns:a16="http://schemas.microsoft.com/office/drawing/2014/main" id="{C869D88E-DC9E-71CF-6B52-057D076C7507}"/>
+              </a:ext>
+            </a:extLst>
+          </p:cNvPr>
+          <p:cNvCxnSpPr>
+            <a:cxnSpLocks/>
+            <a:endCxn id="19" idx="1"/>
+          </p:cNvCxnSpPr>
+          <p:nvPr/>
+        </p:nvCxnSpPr>
+        <p:spPr>
+          <a:xfrm>
+            <a:off x="4059863" y="2672817"/>
+            <a:ext cx="978932" cy="0"/>
+          </a:xfrm>
+          <a:prstGeom prst="straightConnector1">
+            <a:avLst/>
+          </a:prstGeom>
+          <a:ln>
+            <a:tailEnd type="triangle"/>
+          </a:ln>
+        </p:spPr>
+        <p:style>
+          <a:lnRef idx="3">
+            <a:schemeClr val="accent6"/>
+          </a:lnRef>
+          <a:fillRef idx="0">
+            <a:schemeClr val="accent6"/>
+          </a:fillRef>
+          <a:effectRef idx="2">
+            <a:schemeClr val="accent6"/>
+          </a:effectRef>
+          <a:fontRef idx="minor">
+            <a:schemeClr val="tx1"/>
+          </a:fontRef>
+        </p:style>
+      </p:cxnSp>
+      <p:sp>
+        <p:nvSpPr>
+          <p:cNvPr id="19" name="TextBox 18">
+            <a:extLst>
+              <a:ext uri="{FF2B5EF4-FFF2-40B4-BE49-F238E27FC236}">
+                <a16:creationId xmlns:a16="http://schemas.microsoft.com/office/drawing/2014/main" id="{38B12729-FF63-6EE2-08DD-2EA074E0711D}"/>
+              </a:ext>
+            </a:extLst>
+          </p:cNvPr>
+          <p:cNvSpPr txBox="1"/>
+          <p:nvPr/>
+        </p:nvSpPr>
+        <p:spPr>
+          <a:xfrm>
+            <a:off x="5038795" y="2534317"/>
+            <a:ext cx="1288551" cy="276999"/>
+          </a:xfrm>
+          <a:prstGeom prst="rect">
+            <a:avLst/>
+          </a:prstGeom>
+        </p:spPr>
+        <p:style>
+          <a:lnRef idx="2">
+            <a:schemeClr val="accent6"/>
+          </a:lnRef>
+          <a:fillRef idx="1">
+            <a:schemeClr val="lt1"/>
+          </a:fillRef>
+          <a:effectRef idx="0">
+            <a:schemeClr val="accent6"/>
+          </a:effectRef>
+          <a:fontRef idx="minor">
+            <a:schemeClr val="dk1"/>
+          </a:fontRef>
+        </p:style>
+        <p:txBody>
+          <a:bodyPr wrap="square" rtlCol="0">
+            <a:spAutoFit/>
+          </a:bodyPr>
+          <a:lstStyle/>
+          <a:p>
+            <a:pPr algn="ctr"/>
+            <a:r>
+              <a:rPr kumimoji="1" lang="en-US" altLang="ko-KR" sz="1200" dirty="0"/>
+              <a:t>3. client ID </a:t>
+            </a:r>
+            <a:r>
+              <a:rPr kumimoji="1" lang="ko-KR" altLang="en-US" sz="1200" dirty="0"/>
+              <a:t>생성</a:t>
+            </a:r>
+            <a:endParaRPr kumimoji="1" lang="ko-Kore-KR" altLang="en-US" sz="1200" dirty="0"/>
+          </a:p>
+        </p:txBody>
+      </p:sp>
+      <p:sp>
+        <p:nvSpPr>
+          <p:cNvPr id="23" name="TextBox 22">
+            <a:extLst>
+              <a:ext uri="{FF2B5EF4-FFF2-40B4-BE49-F238E27FC236}">
+                <a16:creationId xmlns:a16="http://schemas.microsoft.com/office/drawing/2014/main" id="{8B91A12B-C885-85B4-2CD1-CFE3156F6D69}"/>
+              </a:ext>
+            </a:extLst>
+          </p:cNvPr>
+          <p:cNvSpPr txBox="1"/>
+          <p:nvPr/>
+        </p:nvSpPr>
+        <p:spPr>
+          <a:xfrm>
+            <a:off x="6582759" y="2534317"/>
+            <a:ext cx="1540362" cy="276999"/>
+          </a:xfrm>
+          <a:prstGeom prst="rect">
+            <a:avLst/>
+          </a:prstGeom>
+        </p:spPr>
+        <p:style>
+          <a:lnRef idx="2">
+            <a:schemeClr val="accent3"/>
+          </a:lnRef>
+          <a:fillRef idx="1">
+            <a:schemeClr val="lt1"/>
+          </a:fillRef>
+          <a:effectRef idx="0">
+            <a:schemeClr val="accent3"/>
+          </a:effectRef>
+          <a:fontRef idx="minor">
+            <a:schemeClr val="dk1"/>
+          </a:fontRef>
+        </p:style>
+        <p:txBody>
+          <a:bodyPr wrap="square" rtlCol="0">
+            <a:spAutoFit/>
+          </a:bodyPr>
+          <a:lstStyle/>
+          <a:p>
+            <a:pPr algn="ctr"/>
+            <a:r>
+              <a:rPr kumimoji="1" lang="ko-KR" altLang="en-US" sz="1200" dirty="0"/>
+              <a:t>예</a:t>
+            </a:r>
+            <a:r>
+              <a:rPr kumimoji="1" lang="en-US" altLang="ko-KR" sz="1200"/>
+              <a:t>; ID:100</a:t>
+            </a:r>
+            <a:endParaRPr kumimoji="1" lang="ko-Kore-KR" altLang="en-US" sz="1200" dirty="0"/>
+          </a:p>
+        </p:txBody>
+      </p:sp>
+      <p:cxnSp>
+        <p:nvCxnSpPr>
+          <p:cNvPr id="24" name="직선 화살표 연결선 23">
+            <a:extLst>
+              <a:ext uri="{FF2B5EF4-FFF2-40B4-BE49-F238E27FC236}">
+                <a16:creationId xmlns:a16="http://schemas.microsoft.com/office/drawing/2014/main" id="{4F69E963-8E10-F501-F6FD-F4A91D5D2489}"/>
+              </a:ext>
+            </a:extLst>
+          </p:cNvPr>
+          <p:cNvCxnSpPr>
+            <a:cxnSpLocks/>
+            <a:stCxn id="19" idx="3"/>
+            <a:endCxn id="23" idx="1"/>
+          </p:cNvCxnSpPr>
+          <p:nvPr/>
+        </p:nvCxnSpPr>
+        <p:spPr>
+          <a:xfrm>
+            <a:off x="6327346" y="2672817"/>
+            <a:ext cx="255413" cy="0"/>
+          </a:xfrm>
+          <a:prstGeom prst="straightConnector1">
+            <a:avLst/>
+          </a:prstGeom>
+          <a:ln>
+            <a:tailEnd type="triangle"/>
+          </a:ln>
+        </p:spPr>
+        <p:style>
+          <a:lnRef idx="2">
+            <a:schemeClr val="accent3"/>
+          </a:lnRef>
+          <a:fillRef idx="1">
+            <a:schemeClr val="lt1"/>
+          </a:fillRef>
+          <a:effectRef idx="0">
+            <a:schemeClr val="accent3"/>
+          </a:effectRef>
+          <a:fontRef idx="minor">
+            <a:schemeClr val="dk1"/>
+          </a:fontRef>
+        </p:style>
+      </p:cxnSp>
+      <p:graphicFrame>
+        <p:nvGraphicFramePr>
+          <p:cNvPr id="27" name="표 27">
+            <a:extLst>
+              <a:ext uri="{FF2B5EF4-FFF2-40B4-BE49-F238E27FC236}">
+                <a16:creationId xmlns:a16="http://schemas.microsoft.com/office/drawing/2014/main" id="{0BF1C181-9D8B-6587-3CC2-71B44A2AE7E1}"/>
+              </a:ext>
+            </a:extLst>
+          </p:cNvPr>
+          <p:cNvGraphicFramePr>
+            <a:graphicFrameLocks noGrp="1"/>
+          </p:cNvGraphicFramePr>
+          <p:nvPr>
+            <p:extLst>
+              <p:ext uri="{D42A27DB-BD31-4B8C-83A1-F6EECF244321}">
+                <p14:modId xmlns:p14="http://schemas.microsoft.com/office/powerpoint/2010/main" val="3264791175"/>
+              </p:ext>
+            </p:extLst>
+          </p:nvPr>
+        </p:nvGraphicFramePr>
+        <p:xfrm>
+          <a:off x="8788042" y="1768897"/>
+          <a:ext cx="3006794" cy="3019375"/>
+        </p:xfrm>
+        <a:graphic>
+          <a:graphicData uri="http://schemas.openxmlformats.org/drawingml/2006/table">
+            <a:tbl>
+              <a:tblPr firstRow="1" bandRow="1">
+                <a:tableStyleId>{69C7853C-536D-4A76-A0AE-DD22124D55A5}</a:tableStyleId>
+              </a:tblPr>
+              <a:tblGrid>
+                <a:gridCol w="1503397">
+                  <a:extLst>
+                    <a:ext uri="{9D8B030D-6E8A-4147-A177-3AD203B41FA5}">
+                      <a16:colId xmlns:a16="http://schemas.microsoft.com/office/drawing/2014/main" val="1450789497"/>
+                    </a:ext>
+                  </a:extLst>
+                </a:gridCol>
+                <a:gridCol w="1503397">
+                  <a:extLst>
+                    <a:ext uri="{9D8B030D-6E8A-4147-A177-3AD203B41FA5}">
+                      <a16:colId xmlns:a16="http://schemas.microsoft.com/office/drawing/2014/main" val="3446034737"/>
+                    </a:ext>
+                  </a:extLst>
+                </a:gridCol>
+              </a:tblGrid>
+              <a:tr h="603875">
+                <a:tc>
+                  <a:txBody>
+                    <a:bodyPr/>
+                    <a:lstStyle/>
+                    <a:p>
+                      <a:pPr algn="ctr"/>
+                      <a:r>
+                        <a:rPr lang="en-US" altLang="ko-Kore-KR" dirty="0"/>
+                        <a:t>Key</a:t>
+                      </a:r>
+                      <a:endParaRPr lang="ko-Kore-KR" altLang="en-US" dirty="0"/>
+                    </a:p>
+                  </a:txBody>
+                  <a:tcPr/>
+                </a:tc>
+                <a:tc>
+                  <a:txBody>
+                    <a:bodyPr/>
+                    <a:lstStyle/>
+                    <a:p>
+                      <a:pPr algn="ctr"/>
+                      <a:r>
+                        <a:rPr lang="en-US" altLang="ko-Kore-KR" dirty="0"/>
+                        <a:t>Value</a:t>
+                      </a:r>
+                      <a:endParaRPr lang="ko-Kore-KR" altLang="en-US" dirty="0"/>
+                    </a:p>
+                  </a:txBody>
+                  <a:tcPr/>
+                </a:tc>
+                <a:extLst>
+                  <a:ext uri="{0D108BD9-81ED-4DB2-BD59-A6C34878D82A}">
+                    <a16:rowId xmlns:a16="http://schemas.microsoft.com/office/drawing/2014/main" val="59883789"/>
+                  </a:ext>
+                </a:extLst>
+              </a:tr>
+              <a:tr h="603875">
+                <a:tc>
+                  <a:txBody>
+                    <a:bodyPr/>
+                    <a:lstStyle/>
+                    <a:p>
+                      <a:pPr algn="ctr"/>
+                      <a:r>
+                        <a:rPr lang="en-US" altLang="ko-Kore-KR" dirty="0"/>
+                        <a:t>client ID</a:t>
+                      </a:r>
+                      <a:endParaRPr lang="ko-Kore-KR" altLang="en-US" dirty="0"/>
+                    </a:p>
+                  </a:txBody>
+                  <a:tcPr/>
+                </a:tc>
+                <a:tc>
+                  <a:txBody>
+                    <a:bodyPr/>
+                    <a:lstStyle/>
+                    <a:p>
+                      <a:pPr algn="ctr"/>
+                      <a:r>
+                        <a:rPr lang="ko-Kore-KR" altLang="en-US" dirty="0"/>
+                        <a:t>계산</a:t>
+                      </a:r>
+                      <a:r>
+                        <a:rPr lang="ko-KR" altLang="en-US" dirty="0"/>
+                        <a:t> 결과</a:t>
+                      </a:r>
+                      <a:endParaRPr lang="ko-Kore-KR" altLang="en-US" dirty="0"/>
+                    </a:p>
+                  </a:txBody>
+                  <a:tcPr/>
+                </a:tc>
+                <a:extLst>
+                  <a:ext uri="{0D108BD9-81ED-4DB2-BD59-A6C34878D82A}">
+                    <a16:rowId xmlns:a16="http://schemas.microsoft.com/office/drawing/2014/main" val="1780731487"/>
+                  </a:ext>
+                </a:extLst>
+              </a:tr>
+              <a:tr h="603875">
+                <a:tc>
+                  <a:txBody>
+                    <a:bodyPr/>
+                    <a:lstStyle/>
+                    <a:p>
+                      <a:pPr algn="ctr"/>
+                      <a:r>
+                        <a:rPr lang="en-US" altLang="ko-Kore-KR" dirty="0"/>
+                        <a:t>1</a:t>
+                      </a:r>
+                      <a:r>
+                        <a:rPr lang="en-US" altLang="ko-KR" dirty="0"/>
+                        <a:t>00</a:t>
+                      </a:r>
+                      <a:endParaRPr lang="ko-Kore-KR" altLang="en-US" dirty="0"/>
+                    </a:p>
+                  </a:txBody>
+                  <a:tcPr/>
+                </a:tc>
+                <a:tc>
+                  <a:txBody>
+                    <a:bodyPr/>
+                    <a:lstStyle/>
+                    <a:p>
+                      <a:pPr algn="ctr"/>
+                      <a:r>
+                        <a:rPr lang="en-US" altLang="ko-Kore-KR" dirty="0"/>
+                        <a:t>#</a:t>
+                      </a:r>
+                      <a:r>
+                        <a:rPr lang="en-US" altLang="ko-KR" dirty="0"/>
+                        <a:t>##</a:t>
+                      </a:r>
+                      <a:endParaRPr lang="ko-Kore-KR" altLang="en-US" dirty="0"/>
+                    </a:p>
+                  </a:txBody>
+                  <a:tcPr/>
+                </a:tc>
+                <a:extLst>
+                  <a:ext uri="{0D108BD9-81ED-4DB2-BD59-A6C34878D82A}">
+                    <a16:rowId xmlns:a16="http://schemas.microsoft.com/office/drawing/2014/main" val="2449100062"/>
+                  </a:ext>
+                </a:extLst>
+              </a:tr>
+              <a:tr h="603875">
+                <a:tc>
+                  <a:txBody>
+                    <a:bodyPr/>
+                    <a:lstStyle/>
+                    <a:p>
+                      <a:pPr algn="ctr"/>
+                      <a:endParaRPr lang="ko-Kore-KR" altLang="en-US"/>
+                    </a:p>
+                  </a:txBody>
+                  <a:tcPr/>
+                </a:tc>
+                <a:tc>
+                  <a:txBody>
+                    <a:bodyPr/>
+                    <a:lstStyle/>
+                    <a:p>
+                      <a:pPr algn="ctr"/>
+                      <a:endParaRPr lang="ko-Kore-KR" altLang="en-US" dirty="0"/>
+                    </a:p>
+                  </a:txBody>
+                  <a:tcPr/>
+                </a:tc>
+                <a:extLst>
+                  <a:ext uri="{0D108BD9-81ED-4DB2-BD59-A6C34878D82A}">
+                    <a16:rowId xmlns:a16="http://schemas.microsoft.com/office/drawing/2014/main" val="4198893955"/>
+                  </a:ext>
+                </a:extLst>
+              </a:tr>
+              <a:tr h="603875">
+                <a:tc>
+                  <a:txBody>
+                    <a:bodyPr/>
+                    <a:lstStyle/>
+                    <a:p>
+                      <a:pPr algn="ctr"/>
+                      <a:endParaRPr lang="ko-Kore-KR" altLang="en-US"/>
+                    </a:p>
+                  </a:txBody>
+                  <a:tcPr/>
+                </a:tc>
+                <a:tc>
+                  <a:txBody>
+                    <a:bodyPr/>
+                    <a:lstStyle/>
+                    <a:p>
+                      <a:pPr algn="ctr"/>
+                      <a:endParaRPr lang="ko-Kore-KR" altLang="en-US" dirty="0"/>
+                    </a:p>
+                  </a:txBody>
+                  <a:tcPr/>
+                </a:tc>
+                <a:extLst>
+                  <a:ext uri="{0D108BD9-81ED-4DB2-BD59-A6C34878D82A}">
+                    <a16:rowId xmlns:a16="http://schemas.microsoft.com/office/drawing/2014/main" val="797080479"/>
+                  </a:ext>
+                </a:extLst>
+              </a:tr>
+            </a:tbl>
+          </a:graphicData>
+        </a:graphic>
+      </p:graphicFrame>
+      <p:cxnSp>
+        <p:nvCxnSpPr>
+          <p:cNvPr id="30" name="구부러진 연결선[U] 29">
+            <a:extLst>
+              <a:ext uri="{FF2B5EF4-FFF2-40B4-BE49-F238E27FC236}">
+                <a16:creationId xmlns:a16="http://schemas.microsoft.com/office/drawing/2014/main" id="{69ADAC9C-4B9C-E0E5-FCFB-9B5482FF8210}"/>
+              </a:ext>
+            </a:extLst>
+          </p:cNvPr>
+          <p:cNvCxnSpPr>
+            <a:stCxn id="23" idx="0"/>
+            <a:endCxn id="27" idx="1"/>
+          </p:cNvCxnSpPr>
+          <p:nvPr/>
+        </p:nvCxnSpPr>
+        <p:spPr>
+          <a:xfrm rot="16200000" flipH="1">
+            <a:off x="7698357" y="2188899"/>
+            <a:ext cx="744267" cy="1435102"/>
+          </a:xfrm>
+          <a:prstGeom prst="curvedConnector4">
+            <a:avLst>
+              <a:gd name="adj1" fmla="val -30715"/>
+              <a:gd name="adj2" fmla="val 76834"/>
+            </a:avLst>
+          </a:prstGeom>
+          <a:ln>
+            <a:tailEnd type="triangle"/>
+          </a:ln>
+        </p:spPr>
+        <p:style>
+          <a:lnRef idx="3">
+            <a:schemeClr val="accent3"/>
+          </a:lnRef>
+          <a:fillRef idx="0">
+            <a:schemeClr val="accent3"/>
+          </a:fillRef>
+          <a:effectRef idx="2">
+            <a:schemeClr val="accent3"/>
+          </a:effectRef>
+          <a:fontRef idx="minor">
+            <a:schemeClr val="tx1"/>
+          </a:fontRef>
+        </p:style>
+      </p:cxnSp>
+      <p:sp>
+        <p:nvSpPr>
+          <p:cNvPr id="31" name="왼쪽으로 구부러진 화살표[C] 30">
+            <a:extLst>
+              <a:ext uri="{FF2B5EF4-FFF2-40B4-BE49-F238E27FC236}">
+                <a16:creationId xmlns:a16="http://schemas.microsoft.com/office/drawing/2014/main" id="{7D8FF17A-C6B9-1670-A3AB-A8F5B10A708D}"/>
+              </a:ext>
+            </a:extLst>
+          </p:cNvPr>
+          <p:cNvSpPr/>
+          <p:nvPr/>
+        </p:nvSpPr>
+        <p:spPr>
+          <a:xfrm>
+            <a:off x="4184666" y="2832135"/>
+            <a:ext cx="429491" cy="467268"/>
+          </a:xfrm>
+          <a:prstGeom prst="curvedLeftArrow">
+            <a:avLst>
+              <a:gd name="adj1" fmla="val 11889"/>
+              <a:gd name="adj2" fmla="val 54398"/>
+              <a:gd name="adj3" fmla="val 25000"/>
+            </a:avLst>
+          </a:prstGeom>
+        </p:spPr>
+        <p:style>
+          <a:lnRef idx="2">
+            <a:schemeClr val="accent1">
+              <a:shade val="50000"/>
+            </a:schemeClr>
+          </a:lnRef>
+          <a:fillRef idx="1">
+            <a:schemeClr val="accent1"/>
+          </a:fillRef>
+          <a:effectRef idx="0">
+            <a:schemeClr val="accent1"/>
+          </a:effectRef>
+          <a:fontRef idx="minor">
+            <a:schemeClr val="lt1"/>
+          </a:fontRef>
+        </p:style>
+        <p:txBody>
+          <a:bodyPr rtlCol="0" anchor="ctr"/>
+          <a:lstStyle/>
+          <a:p>
+            <a:pPr algn="ctr"/>
+            <a:endParaRPr kumimoji="1" lang="ko-Kore-KR" altLang="en-US">
+              <a:solidFill>
+                <a:schemeClr val="tx1"/>
+              </a:solidFill>
+            </a:endParaRPr>
+          </a:p>
+        </p:txBody>
+      </p:sp>
+      <p:sp>
+        <p:nvSpPr>
+          <p:cNvPr id="32" name="TextBox 31">
+            <a:extLst>
+              <a:ext uri="{FF2B5EF4-FFF2-40B4-BE49-F238E27FC236}">
+                <a16:creationId xmlns:a16="http://schemas.microsoft.com/office/drawing/2014/main" id="{3F2A2B20-D98E-7ADB-2AE8-323F442C4926}"/>
+              </a:ext>
+            </a:extLst>
+          </p:cNvPr>
+          <p:cNvSpPr txBox="1"/>
+          <p:nvPr/>
+        </p:nvSpPr>
+        <p:spPr>
+          <a:xfrm>
+            <a:off x="4689108" y="3009086"/>
+            <a:ext cx="1540362" cy="276999"/>
+          </a:xfrm>
+          <a:prstGeom prst="rect">
+            <a:avLst/>
+          </a:prstGeom>
+        </p:spPr>
+        <p:style>
+          <a:lnRef idx="2">
+            <a:schemeClr val="accent1"/>
+          </a:lnRef>
+          <a:fillRef idx="1">
+            <a:schemeClr val="lt1"/>
+          </a:fillRef>
+          <a:effectRef idx="0">
+            <a:schemeClr val="accent1"/>
+          </a:effectRef>
+          <a:fontRef idx="minor">
+            <a:schemeClr val="dk1"/>
+          </a:fontRef>
+        </p:style>
+        <p:txBody>
+          <a:bodyPr wrap="square" rtlCol="0">
+            <a:spAutoFit/>
+          </a:bodyPr>
+          <a:lstStyle/>
+          <a:p>
+            <a:pPr algn="ctr"/>
+            <a:r>
+              <a:rPr kumimoji="1" lang="en-US" altLang="ko-KR" sz="1200" dirty="0"/>
+              <a:t>4.</a:t>
+            </a:r>
+            <a:r>
+              <a:rPr kumimoji="1" lang="ko-KR" altLang="en-US" sz="1200" dirty="0"/>
+              <a:t> 계산 수행</a:t>
+            </a:r>
+            <a:endParaRPr kumimoji="1" lang="ko-Kore-KR" altLang="en-US" sz="1200" dirty="0"/>
+          </a:p>
+        </p:txBody>
+      </p:sp>
+      <p:sp>
+        <p:nvSpPr>
+          <p:cNvPr id="34" name="TextBox 33">
+            <a:extLst>
+              <a:ext uri="{FF2B5EF4-FFF2-40B4-BE49-F238E27FC236}">
+                <a16:creationId xmlns:a16="http://schemas.microsoft.com/office/drawing/2014/main" id="{8D498181-858E-91F5-49E1-23B2D6C0EEEE}"/>
+              </a:ext>
+            </a:extLst>
+          </p:cNvPr>
+          <p:cNvSpPr txBox="1"/>
+          <p:nvPr/>
+        </p:nvSpPr>
+        <p:spPr>
+          <a:xfrm>
+            <a:off x="3151049" y="3093450"/>
+            <a:ext cx="652330" cy="276998"/>
+          </a:xfrm>
+          <a:prstGeom prst="rect">
+            <a:avLst/>
+          </a:prstGeom>
+        </p:spPr>
+        <p:style>
+          <a:lnRef idx="2">
+            <a:schemeClr val="accent3"/>
+          </a:lnRef>
+          <a:fillRef idx="1">
+            <a:schemeClr val="lt1"/>
+          </a:fillRef>
+          <a:effectRef idx="0">
+            <a:schemeClr val="accent3"/>
+          </a:effectRef>
+          <a:fontRef idx="minor">
+            <a:schemeClr val="dk1"/>
+          </a:fontRef>
+        </p:style>
+        <p:txBody>
+          <a:bodyPr wrap="square" rtlCol="0">
+            <a:spAutoFit/>
+          </a:bodyPr>
+          <a:lstStyle/>
+          <a:p>
+            <a:pPr algn="ctr"/>
+            <a:r>
+              <a:rPr kumimoji="1" lang="en-US" altLang="ko-KR" sz="1200" dirty="0"/>
+              <a:t>100</a:t>
+            </a:r>
+            <a:endParaRPr kumimoji="1" lang="ko-Kore-KR" altLang="en-US" sz="1200" dirty="0"/>
+          </a:p>
+        </p:txBody>
+      </p:sp>
+      <p:cxnSp>
+        <p:nvCxnSpPr>
+          <p:cNvPr id="35" name="직선 화살표 연결선 34">
+            <a:extLst>
+              <a:ext uri="{FF2B5EF4-FFF2-40B4-BE49-F238E27FC236}">
+                <a16:creationId xmlns:a16="http://schemas.microsoft.com/office/drawing/2014/main" id="{0AF40E16-A3A3-9DBB-2864-022FFF119C8F}"/>
+              </a:ext>
+            </a:extLst>
+          </p:cNvPr>
+          <p:cNvCxnSpPr/>
+          <p:nvPr/>
+        </p:nvCxnSpPr>
+        <p:spPr>
+          <a:xfrm>
+            <a:off x="1551249" y="4407162"/>
+            <a:ext cx="2527739" cy="0"/>
+          </a:xfrm>
+          <a:prstGeom prst="straightConnector1">
+            <a:avLst/>
+          </a:prstGeom>
+          <a:ln>
+            <a:tailEnd type="triangle"/>
+          </a:ln>
+        </p:spPr>
+        <p:style>
+          <a:lnRef idx="3">
+            <a:schemeClr val="accent6"/>
+          </a:lnRef>
+          <a:fillRef idx="0">
+            <a:schemeClr val="accent6"/>
+          </a:fillRef>
+          <a:effectRef idx="2">
+            <a:schemeClr val="accent6"/>
+          </a:effectRef>
+          <a:fontRef idx="minor">
+            <a:schemeClr val="tx1"/>
+          </a:fontRef>
+        </p:style>
+      </p:cxnSp>
+      <p:cxnSp>
+        <p:nvCxnSpPr>
+          <p:cNvPr id="36" name="직선 화살표 연결선 35">
+            <a:extLst>
+              <a:ext uri="{FF2B5EF4-FFF2-40B4-BE49-F238E27FC236}">
+                <a16:creationId xmlns:a16="http://schemas.microsoft.com/office/drawing/2014/main" id="{C1817BFF-971C-61C1-1EAF-A86F3C3A77C6}"/>
+              </a:ext>
+            </a:extLst>
+          </p:cNvPr>
+          <p:cNvCxnSpPr/>
+          <p:nvPr/>
+        </p:nvCxnSpPr>
+        <p:spPr>
+          <a:xfrm flipH="1">
+            <a:off x="1564660" y="5771985"/>
+            <a:ext cx="2527739" cy="0"/>
+          </a:xfrm>
+          <a:prstGeom prst="straightConnector1">
+            <a:avLst/>
+          </a:prstGeom>
+          <a:ln>
+            <a:tailEnd type="triangle"/>
+          </a:ln>
+        </p:spPr>
+        <p:style>
+          <a:lnRef idx="3">
+            <a:schemeClr val="accent2"/>
+          </a:lnRef>
+          <a:fillRef idx="0">
+            <a:schemeClr val="accent2"/>
+          </a:fillRef>
+          <a:effectRef idx="2">
+            <a:schemeClr val="accent2"/>
+          </a:effectRef>
+          <a:fontRef idx="minor">
+            <a:schemeClr val="tx1"/>
+          </a:fontRef>
+        </p:style>
+      </p:cxnSp>
+      <p:cxnSp>
+        <p:nvCxnSpPr>
+          <p:cNvPr id="37" name="직선 화살표 연결선 36">
+            <a:extLst>
+              <a:ext uri="{FF2B5EF4-FFF2-40B4-BE49-F238E27FC236}">
+                <a16:creationId xmlns:a16="http://schemas.microsoft.com/office/drawing/2014/main" id="{D01B74A6-AA76-D27B-9ABE-870EFDCECC1C}"/>
+              </a:ext>
+            </a:extLst>
+          </p:cNvPr>
+          <p:cNvCxnSpPr/>
+          <p:nvPr/>
+        </p:nvCxnSpPr>
+        <p:spPr>
+          <a:xfrm>
+            <a:off x="1535397" y="4839951"/>
+            <a:ext cx="2527739" cy="0"/>
+          </a:xfrm>
+          <a:prstGeom prst="straightConnector1">
+            <a:avLst/>
+          </a:prstGeom>
+          <a:ln>
+            <a:tailEnd type="triangle"/>
+          </a:ln>
+        </p:spPr>
+        <p:style>
+          <a:lnRef idx="3">
+            <a:schemeClr val="accent6"/>
+          </a:lnRef>
+          <a:fillRef idx="0">
+            <a:schemeClr val="accent6"/>
+          </a:fillRef>
+          <a:effectRef idx="2">
+            <a:schemeClr val="accent6"/>
+          </a:effectRef>
+          <a:fontRef idx="minor">
+            <a:schemeClr val="tx1"/>
+          </a:fontRef>
+        </p:style>
+      </p:cxnSp>
+      <p:sp>
+        <p:nvSpPr>
+          <p:cNvPr id="38" name="TextBox 37">
+            <a:extLst>
+              <a:ext uri="{FF2B5EF4-FFF2-40B4-BE49-F238E27FC236}">
+                <a16:creationId xmlns:a16="http://schemas.microsoft.com/office/drawing/2014/main" id="{93E1BBF4-CDEA-B8D7-4FE9-F492F8966260}"/>
+              </a:ext>
+            </a:extLst>
+          </p:cNvPr>
+          <p:cNvSpPr txBox="1"/>
+          <p:nvPr/>
+        </p:nvSpPr>
+        <p:spPr>
+          <a:xfrm>
+            <a:off x="2413910" y="4214627"/>
+            <a:ext cx="751487" cy="276999"/>
+          </a:xfrm>
+          <a:prstGeom prst="rect">
+            <a:avLst/>
+          </a:prstGeom>
+        </p:spPr>
+        <p:style>
+          <a:lnRef idx="2">
+            <a:schemeClr val="accent6"/>
+          </a:lnRef>
+          <a:fillRef idx="1">
+            <a:schemeClr val="lt1"/>
+          </a:fillRef>
+          <a:effectRef idx="0">
+            <a:schemeClr val="accent6"/>
+          </a:effectRef>
+          <a:fontRef idx="minor">
+            <a:schemeClr val="dk1"/>
+          </a:fontRef>
+        </p:style>
+        <p:txBody>
+          <a:bodyPr wrap="square" rtlCol="0">
+            <a:spAutoFit/>
+          </a:bodyPr>
+          <a:lstStyle/>
+          <a:p>
+            <a:pPr algn="ctr"/>
+            <a:r>
+              <a:rPr kumimoji="1" lang="en-US" altLang="ko-KR" sz="1200" dirty="0"/>
+              <a:t>1.</a:t>
+            </a:r>
+            <a:r>
+              <a:rPr kumimoji="1" lang="ko-KR" altLang="en-US" sz="1200" dirty="0"/>
+              <a:t> 연결</a:t>
+            </a:r>
+            <a:endParaRPr kumimoji="1" lang="ko-Kore-KR" altLang="en-US" sz="1200" dirty="0"/>
+          </a:p>
+        </p:txBody>
+      </p:sp>
+      <p:sp>
+        <p:nvSpPr>
+          <p:cNvPr id="39" name="TextBox 38">
+            <a:extLst>
+              <a:ext uri="{FF2B5EF4-FFF2-40B4-BE49-F238E27FC236}">
+                <a16:creationId xmlns:a16="http://schemas.microsoft.com/office/drawing/2014/main" id="{04AFD6ED-B6CC-7FC8-4074-C84A548B9654}"/>
+              </a:ext>
+            </a:extLst>
+          </p:cNvPr>
+          <p:cNvSpPr txBox="1"/>
+          <p:nvPr/>
+        </p:nvSpPr>
+        <p:spPr>
+          <a:xfrm>
+            <a:off x="2194572" y="5632659"/>
+            <a:ext cx="1209387" cy="276999"/>
+          </a:xfrm>
+          <a:prstGeom prst="rect">
+            <a:avLst/>
+          </a:prstGeom>
+        </p:spPr>
+        <p:style>
+          <a:lnRef idx="2">
+            <a:schemeClr val="accent2"/>
+          </a:lnRef>
+          <a:fillRef idx="1">
+            <a:schemeClr val="lt1"/>
+          </a:fillRef>
+          <a:effectRef idx="0">
+            <a:schemeClr val="accent2"/>
+          </a:effectRef>
+          <a:fontRef idx="minor">
+            <a:schemeClr val="dk1"/>
+          </a:fontRef>
+        </p:style>
+        <p:txBody>
+          <a:bodyPr wrap="square" rtlCol="0">
+            <a:spAutoFit/>
+          </a:bodyPr>
+          <a:lstStyle/>
+          <a:p>
+            <a:pPr algn="ctr"/>
+            <a:r>
+              <a:rPr kumimoji="1" lang="en-US" altLang="ko-KR" sz="1200" dirty="0"/>
+              <a:t>5.</a:t>
+            </a:r>
+            <a:r>
+              <a:rPr kumimoji="1" lang="ko-KR" altLang="en-US" sz="1200" dirty="0"/>
+              <a:t> 결과</a:t>
+            </a:r>
+            <a:r>
+              <a:rPr kumimoji="1" lang="en-US" altLang="ko-KR" sz="1200" dirty="0"/>
+              <a:t>(with ID)</a:t>
+            </a:r>
+          </a:p>
+        </p:txBody>
+      </p:sp>
+      <p:sp>
+        <p:nvSpPr>
+          <p:cNvPr id="40" name="TextBox 39">
+            <a:extLst>
+              <a:ext uri="{FF2B5EF4-FFF2-40B4-BE49-F238E27FC236}">
+                <a16:creationId xmlns:a16="http://schemas.microsoft.com/office/drawing/2014/main" id="{4586EB17-1BDE-B0B7-C770-7EE0E53E079D}"/>
+              </a:ext>
+            </a:extLst>
+          </p:cNvPr>
+          <p:cNvSpPr txBox="1"/>
+          <p:nvPr/>
+        </p:nvSpPr>
+        <p:spPr>
+          <a:xfrm>
+            <a:off x="1977005" y="4732263"/>
+            <a:ext cx="1664166" cy="276999"/>
+          </a:xfrm>
+          <a:prstGeom prst="rect">
+            <a:avLst/>
+          </a:prstGeom>
+        </p:spPr>
+        <p:style>
+          <a:lnRef idx="2">
+            <a:schemeClr val="accent6"/>
+          </a:lnRef>
+          <a:fillRef idx="1">
+            <a:schemeClr val="lt1"/>
+          </a:fillRef>
+          <a:effectRef idx="0">
+            <a:schemeClr val="accent6"/>
+          </a:effectRef>
+          <a:fontRef idx="minor">
+            <a:schemeClr val="dk1"/>
+          </a:fontRef>
+        </p:style>
+        <p:txBody>
+          <a:bodyPr wrap="square" rtlCol="0">
+            <a:spAutoFit/>
+          </a:bodyPr>
+          <a:lstStyle/>
+          <a:p>
+            <a:pPr algn="ctr"/>
+            <a:r>
+              <a:rPr kumimoji="1" lang="en-US" altLang="ko-KR" sz="1200" dirty="0"/>
+              <a:t>2.</a:t>
+            </a:r>
+            <a:r>
+              <a:rPr kumimoji="1" lang="ko-KR" altLang="en-US" sz="1200" dirty="0"/>
+              <a:t> 요청</a:t>
+            </a:r>
+            <a:r>
+              <a:rPr kumimoji="1" lang="en-US" altLang="ko-KR" sz="1200" dirty="0"/>
+              <a:t>(with ID)</a:t>
+            </a:r>
+            <a:endParaRPr kumimoji="1" lang="ko-Kore-KR" altLang="en-US" sz="1200" dirty="0"/>
+          </a:p>
+        </p:txBody>
+      </p:sp>
+      <p:cxnSp>
+        <p:nvCxnSpPr>
+          <p:cNvPr id="41" name="직선 화살표 연결선 40">
+            <a:extLst>
+              <a:ext uri="{FF2B5EF4-FFF2-40B4-BE49-F238E27FC236}">
+                <a16:creationId xmlns:a16="http://schemas.microsoft.com/office/drawing/2014/main" id="{973BE502-9B47-88E4-D230-AF7B08C6458F}"/>
+              </a:ext>
+            </a:extLst>
+          </p:cNvPr>
+          <p:cNvCxnSpPr>
+            <a:cxnSpLocks/>
+            <a:endCxn id="42" idx="1"/>
+          </p:cNvCxnSpPr>
+          <p:nvPr/>
+        </p:nvCxnSpPr>
+        <p:spPr>
+          <a:xfrm>
+            <a:off x="4038156" y="4986081"/>
+            <a:ext cx="978932" cy="1"/>
+          </a:xfrm>
+          <a:prstGeom prst="straightConnector1">
+            <a:avLst/>
+          </a:prstGeom>
+          <a:ln>
+            <a:tailEnd type="triangle"/>
+          </a:ln>
+        </p:spPr>
+        <p:style>
+          <a:lnRef idx="3">
+            <a:schemeClr val="accent6"/>
+          </a:lnRef>
+          <a:fillRef idx="0">
+            <a:schemeClr val="accent6"/>
+          </a:fillRef>
+          <a:effectRef idx="2">
+            <a:schemeClr val="accent6"/>
+          </a:effectRef>
+          <a:fontRef idx="minor">
+            <a:schemeClr val="tx1"/>
+          </a:fontRef>
+        </p:style>
+      </p:cxnSp>
+      <p:sp>
+        <p:nvSpPr>
+          <p:cNvPr id="42" name="TextBox 41">
+            <a:extLst>
+              <a:ext uri="{FF2B5EF4-FFF2-40B4-BE49-F238E27FC236}">
+                <a16:creationId xmlns:a16="http://schemas.microsoft.com/office/drawing/2014/main" id="{C26FE131-910C-3BDD-42CF-87AE2628E490}"/>
+              </a:ext>
+            </a:extLst>
+          </p:cNvPr>
+          <p:cNvSpPr txBox="1"/>
+          <p:nvPr/>
+        </p:nvSpPr>
+        <p:spPr>
+          <a:xfrm>
+            <a:off x="5017088" y="4847582"/>
+            <a:ext cx="2783018" cy="276999"/>
+          </a:xfrm>
+          <a:prstGeom prst="rect">
+            <a:avLst/>
+          </a:prstGeom>
+        </p:spPr>
+        <p:style>
+          <a:lnRef idx="2">
+            <a:schemeClr val="accent6"/>
+          </a:lnRef>
+          <a:fillRef idx="1">
+            <a:schemeClr val="lt1"/>
+          </a:fillRef>
+          <a:effectRef idx="0">
+            <a:schemeClr val="accent6"/>
+          </a:effectRef>
+          <a:fontRef idx="minor">
+            <a:schemeClr val="dk1"/>
+          </a:fontRef>
+        </p:style>
+        <p:txBody>
+          <a:bodyPr wrap="square" rtlCol="0">
+            <a:spAutoFit/>
+          </a:bodyPr>
+          <a:lstStyle/>
+          <a:p>
+            <a:pPr algn="ctr"/>
+            <a:r>
+              <a:rPr kumimoji="1" lang="en-US" altLang="ko-KR" sz="1200" dirty="0"/>
+              <a:t>3. 100</a:t>
+            </a:r>
+            <a:r>
+              <a:rPr kumimoji="1" lang="ko-KR" altLang="en-US" sz="1200" dirty="0"/>
+              <a:t>번</a:t>
+            </a:r>
+            <a:r>
+              <a:rPr kumimoji="1" lang="en-US" altLang="ko-KR" sz="1200" dirty="0"/>
+              <a:t> </a:t>
+            </a:r>
+            <a:r>
+              <a:rPr kumimoji="1" lang="en-US" altLang="ko-KR" sz="1200" dirty="0" err="1"/>
+              <a:t>clien</a:t>
+            </a:r>
+            <a:r>
+              <a:rPr kumimoji="1" lang="ko-KR" altLang="en-US" sz="1200" dirty="0"/>
+              <a:t>의 계산 결과를 꺼냄</a:t>
+            </a:r>
+            <a:endParaRPr kumimoji="1" lang="ko-Kore-KR" altLang="en-US" sz="1200" dirty="0"/>
+          </a:p>
+        </p:txBody>
+      </p:sp>
+      <p:cxnSp>
+        <p:nvCxnSpPr>
+          <p:cNvPr id="43" name="직선 화살표 연결선 42">
+            <a:extLst>
+              <a:ext uri="{FF2B5EF4-FFF2-40B4-BE49-F238E27FC236}">
+                <a16:creationId xmlns:a16="http://schemas.microsoft.com/office/drawing/2014/main" id="{C81D51E1-8E27-80A3-59A2-126BCA0810CA}"/>
+              </a:ext>
+            </a:extLst>
+          </p:cNvPr>
+          <p:cNvCxnSpPr>
+            <a:cxnSpLocks/>
+            <a:stCxn id="45" idx="3"/>
+            <a:endCxn id="60" idx="1"/>
+          </p:cNvCxnSpPr>
+          <p:nvPr/>
+        </p:nvCxnSpPr>
+        <p:spPr>
+          <a:xfrm>
+            <a:off x="6207763" y="5460850"/>
+            <a:ext cx="413993" cy="0"/>
+          </a:xfrm>
+          <a:prstGeom prst="straightConnector1">
+            <a:avLst/>
+          </a:prstGeom>
+          <a:ln>
+            <a:tailEnd type="triangle"/>
+          </a:ln>
+        </p:spPr>
+        <p:style>
+          <a:lnRef idx="2">
+            <a:schemeClr val="accent3"/>
+          </a:lnRef>
+          <a:fillRef idx="1">
+            <a:schemeClr val="lt1"/>
+          </a:fillRef>
+          <a:effectRef idx="0">
+            <a:schemeClr val="accent3"/>
+          </a:effectRef>
+          <a:fontRef idx="minor">
+            <a:schemeClr val="dk1"/>
+          </a:fontRef>
+        </p:style>
+      </p:cxnSp>
+      <p:sp>
+        <p:nvSpPr>
+          <p:cNvPr id="44" name="왼쪽으로 구부러진 화살표[C] 43">
+            <a:extLst>
+              <a:ext uri="{FF2B5EF4-FFF2-40B4-BE49-F238E27FC236}">
+                <a16:creationId xmlns:a16="http://schemas.microsoft.com/office/drawing/2014/main" id="{5F74678C-C305-1AC3-ED66-239A0ED98F52}"/>
+              </a:ext>
+            </a:extLst>
+          </p:cNvPr>
+          <p:cNvSpPr/>
+          <p:nvPr/>
+        </p:nvSpPr>
+        <p:spPr>
+          <a:xfrm>
+            <a:off x="4162959" y="5145399"/>
+            <a:ext cx="429491" cy="467268"/>
+          </a:xfrm>
+          <a:prstGeom prst="curvedLeftArrow">
+            <a:avLst>
+              <a:gd name="adj1" fmla="val 11889"/>
+              <a:gd name="adj2" fmla="val 54398"/>
+              <a:gd name="adj3" fmla="val 25000"/>
+            </a:avLst>
+          </a:prstGeom>
+        </p:spPr>
+        <p:style>
+          <a:lnRef idx="2">
+            <a:schemeClr val="accent1">
+              <a:shade val="50000"/>
+            </a:schemeClr>
+          </a:lnRef>
+          <a:fillRef idx="1">
+            <a:schemeClr val="accent1"/>
+          </a:fillRef>
+          <a:effectRef idx="0">
+            <a:schemeClr val="accent1"/>
+          </a:effectRef>
+          <a:fontRef idx="minor">
+            <a:schemeClr val="lt1"/>
+          </a:fontRef>
+        </p:style>
+        <p:txBody>
+          <a:bodyPr rtlCol="0" anchor="ctr"/>
+          <a:lstStyle/>
+          <a:p>
+            <a:pPr algn="ctr"/>
+            <a:endParaRPr kumimoji="1" lang="ko-Kore-KR" altLang="en-US">
+              <a:solidFill>
+                <a:schemeClr val="tx1"/>
+              </a:solidFill>
+            </a:endParaRPr>
+          </a:p>
+        </p:txBody>
+      </p:sp>
+      <p:sp>
+        <p:nvSpPr>
+          <p:cNvPr id="45" name="TextBox 44">
+            <a:extLst>
+              <a:ext uri="{FF2B5EF4-FFF2-40B4-BE49-F238E27FC236}">
+                <a16:creationId xmlns:a16="http://schemas.microsoft.com/office/drawing/2014/main" id="{B17AA524-22CC-0033-F3FA-D8D3BA7956A7}"/>
+              </a:ext>
+            </a:extLst>
+          </p:cNvPr>
+          <p:cNvSpPr txBox="1"/>
+          <p:nvPr/>
+        </p:nvSpPr>
+        <p:spPr>
+          <a:xfrm>
+            <a:off x="4667401" y="5322350"/>
+            <a:ext cx="1540362" cy="276999"/>
+          </a:xfrm>
+          <a:prstGeom prst="rect">
+            <a:avLst/>
+          </a:prstGeom>
+        </p:spPr>
+        <p:style>
+          <a:lnRef idx="2">
+            <a:schemeClr val="accent1"/>
+          </a:lnRef>
+          <a:fillRef idx="1">
+            <a:schemeClr val="lt1"/>
+          </a:fillRef>
+          <a:effectRef idx="0">
+            <a:schemeClr val="accent1"/>
+          </a:effectRef>
+          <a:fontRef idx="minor">
+            <a:schemeClr val="dk1"/>
+          </a:fontRef>
+        </p:style>
+        <p:txBody>
+          <a:bodyPr wrap="square" rtlCol="0">
+            <a:spAutoFit/>
+          </a:bodyPr>
+          <a:lstStyle/>
+          <a:p>
+            <a:pPr algn="ctr"/>
+            <a:r>
+              <a:rPr kumimoji="1" lang="en-US" altLang="ko-KR" sz="1200" dirty="0"/>
+              <a:t>4.</a:t>
+            </a:r>
+            <a:r>
+              <a:rPr kumimoji="1" lang="ko-KR" altLang="en-US" sz="1200" dirty="0"/>
+              <a:t> 계산 수행</a:t>
+            </a:r>
+            <a:endParaRPr kumimoji="1" lang="ko-Kore-KR" altLang="en-US" sz="1200" dirty="0"/>
+          </a:p>
+        </p:txBody>
+      </p:sp>
+      <p:sp>
+        <p:nvSpPr>
+          <p:cNvPr id="46" name="TextBox 45">
+            <a:extLst>
+              <a:ext uri="{FF2B5EF4-FFF2-40B4-BE49-F238E27FC236}">
+                <a16:creationId xmlns:a16="http://schemas.microsoft.com/office/drawing/2014/main" id="{E1AB2B08-B733-6813-D6A9-29DF5DE1F1B5}"/>
+              </a:ext>
+            </a:extLst>
+          </p:cNvPr>
+          <p:cNvSpPr txBox="1"/>
+          <p:nvPr/>
+        </p:nvSpPr>
+        <p:spPr>
+          <a:xfrm>
+            <a:off x="3059653" y="5406714"/>
+            <a:ext cx="652330" cy="276998"/>
+          </a:xfrm>
+          <a:prstGeom prst="rect">
+            <a:avLst/>
+          </a:prstGeom>
+        </p:spPr>
+        <p:style>
+          <a:lnRef idx="2">
+            <a:schemeClr val="accent3"/>
+          </a:lnRef>
+          <a:fillRef idx="1">
+            <a:schemeClr val="lt1"/>
+          </a:fillRef>
+          <a:effectRef idx="0">
+            <a:schemeClr val="accent3"/>
+          </a:effectRef>
+          <a:fontRef idx="minor">
+            <a:schemeClr val="dk1"/>
+          </a:fontRef>
+        </p:style>
+        <p:txBody>
+          <a:bodyPr wrap="square" rtlCol="0">
+            <a:spAutoFit/>
+          </a:bodyPr>
+          <a:lstStyle/>
+          <a:p>
+            <a:pPr algn="ctr"/>
+            <a:r>
+              <a:rPr kumimoji="1" lang="en-US" altLang="ko-KR" sz="1200" dirty="0"/>
+              <a:t>100</a:t>
+            </a:r>
+            <a:endParaRPr kumimoji="1" lang="ko-Kore-KR" altLang="en-US" sz="1200" dirty="0"/>
+          </a:p>
+        </p:txBody>
+      </p:sp>
+      <p:sp>
+        <p:nvSpPr>
+          <p:cNvPr id="53" name="TextBox 52">
+            <a:extLst>
+              <a:ext uri="{FF2B5EF4-FFF2-40B4-BE49-F238E27FC236}">
+                <a16:creationId xmlns:a16="http://schemas.microsoft.com/office/drawing/2014/main" id="{9C5A8146-7D83-0F83-3000-BEC85932FE09}"/>
+              </a:ext>
+            </a:extLst>
+          </p:cNvPr>
+          <p:cNvSpPr txBox="1"/>
+          <p:nvPr/>
+        </p:nvSpPr>
+        <p:spPr>
+          <a:xfrm>
+            <a:off x="3297319" y="4518817"/>
+            <a:ext cx="652330" cy="276998"/>
+          </a:xfrm>
+          <a:prstGeom prst="rect">
+            <a:avLst/>
+          </a:prstGeom>
+        </p:spPr>
+        <p:style>
+          <a:lnRef idx="2">
+            <a:schemeClr val="accent3"/>
+          </a:lnRef>
+          <a:fillRef idx="1">
+            <a:schemeClr val="lt1"/>
+          </a:fillRef>
+          <a:effectRef idx="0">
+            <a:schemeClr val="accent3"/>
+          </a:effectRef>
+          <a:fontRef idx="minor">
+            <a:schemeClr val="dk1"/>
+          </a:fontRef>
+        </p:style>
+        <p:txBody>
+          <a:bodyPr wrap="square" rtlCol="0">
+            <a:spAutoFit/>
+          </a:bodyPr>
+          <a:lstStyle/>
+          <a:p>
+            <a:pPr algn="ctr"/>
+            <a:r>
+              <a:rPr kumimoji="1" lang="en-US" altLang="ko-KR" sz="1200" dirty="0"/>
+              <a:t>100</a:t>
+            </a:r>
+            <a:endParaRPr kumimoji="1" lang="ko-Kore-KR" altLang="en-US" sz="1200" dirty="0"/>
+          </a:p>
+        </p:txBody>
+      </p:sp>
+      <p:sp>
+        <p:nvSpPr>
+          <p:cNvPr id="60" name="TextBox 59">
+            <a:extLst>
+              <a:ext uri="{FF2B5EF4-FFF2-40B4-BE49-F238E27FC236}">
+                <a16:creationId xmlns:a16="http://schemas.microsoft.com/office/drawing/2014/main" id="{5A7D4D9C-60D7-91B1-31A9-BAA082FE3EC7}"/>
+              </a:ext>
+            </a:extLst>
+          </p:cNvPr>
+          <p:cNvSpPr txBox="1"/>
+          <p:nvPr/>
+        </p:nvSpPr>
+        <p:spPr>
+          <a:xfrm>
+            <a:off x="6621756" y="5322350"/>
+            <a:ext cx="2356699" cy="276999"/>
+          </a:xfrm>
+          <a:prstGeom prst="rect">
+            <a:avLst/>
+          </a:prstGeom>
+        </p:spPr>
+        <p:style>
+          <a:lnRef idx="2">
+            <a:schemeClr val="accent3"/>
+          </a:lnRef>
+          <a:fillRef idx="1">
+            <a:schemeClr val="lt1"/>
+          </a:fillRef>
+          <a:effectRef idx="0">
+            <a:schemeClr val="accent3"/>
+          </a:effectRef>
+          <a:fontRef idx="minor">
+            <a:schemeClr val="dk1"/>
+          </a:fontRef>
+        </p:style>
+        <p:txBody>
+          <a:bodyPr wrap="square" rtlCol="0">
+            <a:spAutoFit/>
+          </a:bodyPr>
+          <a:lstStyle/>
+          <a:p>
+            <a:pPr algn="ctr"/>
+            <a:r>
+              <a:rPr kumimoji="1" lang="ko-Kore-KR" altLang="en-US" sz="1200" dirty="0"/>
+              <a:t>새로 계산된 결과 저장</a:t>
+            </a:r>
+          </a:p>
+        </p:txBody>
+      </p:sp>
+      <p:cxnSp>
+        <p:nvCxnSpPr>
+          <p:cNvPr id="64" name="직선 화살표 연결선 63">
+            <a:extLst>
+              <a:ext uri="{FF2B5EF4-FFF2-40B4-BE49-F238E27FC236}">
+                <a16:creationId xmlns:a16="http://schemas.microsoft.com/office/drawing/2014/main" id="{8EB2641A-1B47-CD67-73CB-FAFA6F5EEC96}"/>
+              </a:ext>
+            </a:extLst>
+          </p:cNvPr>
+          <p:cNvCxnSpPr>
+            <a:cxnSpLocks/>
+            <a:stCxn id="60" idx="3"/>
+            <a:endCxn id="27" idx="2"/>
+          </p:cNvCxnSpPr>
+          <p:nvPr/>
+        </p:nvCxnSpPr>
+        <p:spPr>
+          <a:xfrm flipV="1">
+            <a:off x="8978455" y="4788272"/>
+            <a:ext cx="1312984" cy="672578"/>
+          </a:xfrm>
+          <a:prstGeom prst="straightConnector1">
+            <a:avLst/>
+          </a:prstGeom>
+          <a:ln>
+            <a:tailEnd type="triangle"/>
+          </a:ln>
+        </p:spPr>
+        <p:style>
+          <a:lnRef idx="2">
+            <a:schemeClr val="accent3"/>
+          </a:lnRef>
+          <a:fillRef idx="1">
+            <a:schemeClr val="lt1"/>
+          </a:fillRef>
+          <a:effectRef idx="0">
+            <a:schemeClr val="accent3"/>
+          </a:effectRef>
+          <a:fontRef idx="minor">
+            <a:schemeClr val="dk1"/>
+          </a:fontRef>
+        </p:style>
+      </p:cxnSp>
     </p:spTree>
     <p:extLst>
       <p:ext uri="{BB962C8B-B14F-4D97-AF65-F5344CB8AC3E}">
@@ -3835,7 +7355,7 @@
 </p:sld>
 </file>
 
-<file path=ppt/slides/slide12.xml><?xml version="1.0" encoding="utf-8"?>
+<file path=ppt/slides/slide13.xml><?xml version="1.0" encoding="utf-8"?>
 <p:sld xmlns:a="http://schemas.openxmlformats.org/drawingml/2006/main" xmlns:r="http://schemas.openxmlformats.org/officeDocument/2006/relationships" xmlns:p="http://schemas.openxmlformats.org/presentationml/2006/main">
   <p:cSld>
     <p:spTree>
@@ -3865,7 +7385,7 @@
 </p:sld>
 </file>
 
-<file path=ppt/slides/slide13.xml><?xml version="1.0" encoding="utf-8"?>
+<file path=ppt/slides/slide14.xml><?xml version="1.0" encoding="utf-8"?>
 <p:sld xmlns:a="http://schemas.openxmlformats.org/drawingml/2006/main" xmlns:r="http://schemas.openxmlformats.org/officeDocument/2006/relationships" xmlns:p="http://schemas.openxmlformats.org/presentationml/2006/main">
   <p:cSld>
     <p:spTree>
@@ -3895,7 +7415,7 @@
 </p:sld>
 </file>
 
-<file path=ppt/slides/slide14.xml><?xml version="1.0" encoding="utf-8"?>
+<file path=ppt/slides/slide15.xml><?xml version="1.0" encoding="utf-8"?>
 <p:sld xmlns:a="http://schemas.openxmlformats.org/drawingml/2006/main" xmlns:r="http://schemas.openxmlformats.org/officeDocument/2006/relationships" xmlns:p="http://schemas.openxmlformats.org/presentationml/2006/main">
   <p:cSld>
     <p:spTree>
@@ -3925,7 +7445,7 @@
 </p:sld>
 </file>
 
-<file path=ppt/slides/slide15.xml><?xml version="1.0" encoding="utf-8"?>
+<file path=ppt/slides/slide16.xml><?xml version="1.0" encoding="utf-8"?>
 <p:sld xmlns:a="http://schemas.openxmlformats.org/drawingml/2006/main" xmlns:r="http://schemas.openxmlformats.org/officeDocument/2006/relationships" xmlns:p="http://schemas.openxmlformats.org/presentationml/2006/main">
   <p:cSld>
     <p:spTree>
@@ -3955,7 +7475,7 @@
 </p:sld>
 </file>
 
-<file path=ppt/slides/slide16.xml><?xml version="1.0" encoding="utf-8"?>
+<file path=ppt/slides/slide17.xml><?xml version="1.0" encoding="utf-8"?>
 <p:sld xmlns:a="http://schemas.openxmlformats.org/drawingml/2006/main" xmlns:r="http://schemas.openxmlformats.org/officeDocument/2006/relationships" xmlns:p="http://schemas.openxmlformats.org/presentationml/2006/main">
   <p:cSld>
     <p:spTree>
@@ -3985,7 +7505,7 @@
 </p:sld>
 </file>
 
-<file path=ppt/slides/slide17.xml><?xml version="1.0" encoding="utf-8"?>
+<file path=ppt/slides/slide18.xml><?xml version="1.0" encoding="utf-8"?>
 <p:sld xmlns:a="http://schemas.openxmlformats.org/drawingml/2006/main" xmlns:r="http://schemas.openxmlformats.org/officeDocument/2006/relationships" xmlns:p="http://schemas.openxmlformats.org/presentationml/2006/main">
   <p:cSld>
     <p:spTree>
@@ -4015,7 +7535,7 @@
 </p:sld>
 </file>
 
-<file path=ppt/slides/slide18.xml><?xml version="1.0" encoding="utf-8"?>
+<file path=ppt/slides/slide19.xml><?xml version="1.0" encoding="utf-8"?>
 <p:sld xmlns:a="http://schemas.openxmlformats.org/drawingml/2006/main" xmlns:r="http://schemas.openxmlformats.org/officeDocument/2006/relationships" xmlns:p="http://schemas.openxmlformats.org/presentationml/2006/main">
   <p:cSld>
     <p:spTree>
@@ -4036,36 +7556,6 @@
     <p:extLst>
       <p:ext uri="{BB962C8B-B14F-4D97-AF65-F5344CB8AC3E}">
         <p14:creationId xmlns:p14="http://schemas.microsoft.com/office/powerpoint/2010/main" val="1389082153"/>
-      </p:ext>
-    </p:extLst>
-  </p:cSld>
-  <p:clrMapOvr>
-    <a:masterClrMapping/>
-  </p:clrMapOvr>
-</p:sld>
-</file>
-
-<file path=ppt/slides/slide19.xml><?xml version="1.0" encoding="utf-8"?>
-<p:sld xmlns:a="http://schemas.openxmlformats.org/drawingml/2006/main" xmlns:r="http://schemas.openxmlformats.org/officeDocument/2006/relationships" xmlns:p="http://schemas.openxmlformats.org/presentationml/2006/main">
-  <p:cSld>
-    <p:spTree>
-      <p:nvGrpSpPr>
-        <p:cNvPr id="1" name=""/>
-        <p:cNvGrpSpPr/>
-        <p:nvPr/>
-      </p:nvGrpSpPr>
-      <p:grpSpPr>
-        <a:xfrm>
-          <a:off x="0" y="0"/>
-          <a:ext cx="0" cy="0"/>
-          <a:chOff x="0" y="0"/>
-          <a:chExt cx="0" cy="0"/>
-        </a:xfrm>
-      </p:grpSpPr>
-    </p:spTree>
-    <p:extLst>
-      <p:ext uri="{BB962C8B-B14F-4D97-AF65-F5344CB8AC3E}">
-        <p14:creationId xmlns:p14="http://schemas.microsoft.com/office/powerpoint/2010/main" val="3834010313"/>
       </p:ext>
     </p:extLst>
   </p:cSld>
@@ -4929,7 +8419,7 @@
     </p:spTree>
     <p:extLst>
       <p:ext uri="{BB962C8B-B14F-4D97-AF65-F5344CB8AC3E}">
-        <p14:creationId xmlns:p14="http://schemas.microsoft.com/office/powerpoint/2010/main" val="378784542"/>
+        <p14:creationId xmlns:p14="http://schemas.microsoft.com/office/powerpoint/2010/main" val="3834010313"/>
       </p:ext>
     </p:extLst>
   </p:cSld>
@@ -4959,7 +8449,7 @@
     </p:spTree>
     <p:extLst>
       <p:ext uri="{BB962C8B-B14F-4D97-AF65-F5344CB8AC3E}">
-        <p14:creationId xmlns:p14="http://schemas.microsoft.com/office/powerpoint/2010/main" val="3856663146"/>
+        <p14:creationId xmlns:p14="http://schemas.microsoft.com/office/powerpoint/2010/main" val="378784542"/>
       </p:ext>
     </p:extLst>
   </p:cSld>
@@ -4989,7 +8479,7 @@
     </p:spTree>
     <p:extLst>
       <p:ext uri="{BB962C8B-B14F-4D97-AF65-F5344CB8AC3E}">
-        <p14:creationId xmlns:p14="http://schemas.microsoft.com/office/powerpoint/2010/main" val="1048403868"/>
+        <p14:creationId xmlns:p14="http://schemas.microsoft.com/office/powerpoint/2010/main" val="3856663146"/>
       </p:ext>
     </p:extLst>
   </p:cSld>
@@ -5019,7 +8509,7 @@
     </p:spTree>
     <p:extLst>
       <p:ext uri="{BB962C8B-B14F-4D97-AF65-F5344CB8AC3E}">
-        <p14:creationId xmlns:p14="http://schemas.microsoft.com/office/powerpoint/2010/main" val="2484240353"/>
+        <p14:creationId xmlns:p14="http://schemas.microsoft.com/office/powerpoint/2010/main" val="1048403868"/>
       </p:ext>
     </p:extLst>
   </p:cSld>
@@ -5049,6 +8539,36 @@
     </p:spTree>
     <p:extLst>
       <p:ext uri="{BB962C8B-B14F-4D97-AF65-F5344CB8AC3E}">
+        <p14:creationId xmlns:p14="http://schemas.microsoft.com/office/powerpoint/2010/main" val="2484240353"/>
+      </p:ext>
+    </p:extLst>
+  </p:cSld>
+  <p:clrMapOvr>
+    <a:masterClrMapping/>
+  </p:clrMapOvr>
+</p:sld>
+</file>
+
+<file path=ppt/slides/slide25.xml><?xml version="1.0" encoding="utf-8"?>
+<p:sld xmlns:a="http://schemas.openxmlformats.org/drawingml/2006/main" xmlns:r="http://schemas.openxmlformats.org/officeDocument/2006/relationships" xmlns:p="http://schemas.openxmlformats.org/presentationml/2006/main">
+  <p:cSld>
+    <p:spTree>
+      <p:nvGrpSpPr>
+        <p:cNvPr id="1" name=""/>
+        <p:cNvGrpSpPr/>
+        <p:nvPr/>
+      </p:nvGrpSpPr>
+      <p:grpSpPr>
+        <a:xfrm>
+          <a:off x="0" y="0"/>
+          <a:ext cx="0" cy="0"/>
+          <a:chOff x="0" y="0"/>
+          <a:chExt cx="0" cy="0"/>
+        </a:xfrm>
+      </p:grpSpPr>
+    </p:spTree>
+    <p:extLst>
+      <p:ext uri="{BB962C8B-B14F-4D97-AF65-F5344CB8AC3E}">
         <p14:creationId xmlns:p14="http://schemas.microsoft.com/office/powerpoint/2010/main" val="2839666685"/>
       </p:ext>
     </p:extLst>
@@ -5059,7 +8579,7 @@
 </p:sld>
 </file>
 
-<file path=ppt/slides/slide25.xml><?xml version="1.0" encoding="utf-8"?>
+<file path=ppt/slides/slide26.xml><?xml version="1.0" encoding="utf-8"?>
 <p:sld xmlns:a="http://schemas.openxmlformats.org/drawingml/2006/main" xmlns:r="http://schemas.openxmlformats.org/officeDocument/2006/relationships" xmlns:p="http://schemas.openxmlformats.org/presentationml/2006/main">
   <p:cSld>
     <p:spTree>
@@ -5687,11 +9207,11 @@
             <a:pPr algn="ctr"/>
             <a:r>
               <a:rPr kumimoji="1" lang="en-US" altLang="ko-KR" sz="1200" dirty="0"/>
-              <a:t>1.</a:t>
+              <a:t>4.</a:t>
             </a:r>
             <a:r>
               <a:rPr kumimoji="1" lang="ko-KR" altLang="en-US" sz="1200" dirty="0"/>
-              <a:t> 출력</a:t>
+              <a:t> 전송</a:t>
             </a:r>
             <a:endParaRPr kumimoji="1" lang="ko-Kore-KR" altLang="en-US" sz="1200" dirty="0"/>
           </a:p>
@@ -5741,11 +9261,11 @@
             <a:pPr algn="ctr"/>
             <a:r>
               <a:rPr kumimoji="1" lang="en-US" altLang="ko-KR" sz="1200" dirty="0"/>
-              <a:t>1.</a:t>
+              <a:t>3.</a:t>
             </a:r>
             <a:r>
               <a:rPr kumimoji="1" lang="ko-KR" altLang="en-US" sz="1200" dirty="0"/>
-              <a:t> 출력</a:t>
+              <a:t> 보관</a:t>
             </a:r>
             <a:endParaRPr kumimoji="1" lang="ko-Kore-KR" altLang="en-US" sz="1200" dirty="0"/>
           </a:p>
@@ -5940,48 +9460,6 @@
       </p:sp>
       <p:cxnSp>
         <p:nvCxnSpPr>
-          <p:cNvPr id="5" name="직선 화살표 연결선 4">
-            <a:extLst>
-              <a:ext uri="{FF2B5EF4-FFF2-40B4-BE49-F238E27FC236}">
-                <a16:creationId xmlns:a16="http://schemas.microsoft.com/office/drawing/2014/main" id="{D46511E5-F6D8-44D0-5393-8BE1597C6B4A}"/>
-              </a:ext>
-            </a:extLst>
-          </p:cNvPr>
-          <p:cNvCxnSpPr>
-            <a:stCxn id="2" idx="2"/>
-            <a:endCxn id="3" idx="0"/>
-          </p:cNvCxnSpPr>
-          <p:nvPr/>
-        </p:nvCxnSpPr>
-        <p:spPr>
-          <a:xfrm>
-            <a:off x="2078182" y="2050473"/>
-            <a:ext cx="0" cy="775854"/>
-          </a:xfrm>
-          <a:prstGeom prst="straightConnector1">
-            <a:avLst/>
-          </a:prstGeom>
-          <a:ln>
-            <a:tailEnd type="triangle"/>
-          </a:ln>
-        </p:spPr>
-        <p:style>
-          <a:lnRef idx="3">
-            <a:schemeClr val="accent1"/>
-          </a:lnRef>
-          <a:fillRef idx="0">
-            <a:schemeClr val="accent1"/>
-          </a:fillRef>
-          <a:effectRef idx="2">
-            <a:schemeClr val="accent1"/>
-          </a:effectRef>
-          <a:fontRef idx="minor">
-            <a:schemeClr val="tx1"/>
-          </a:fontRef>
-        </p:style>
-      </p:cxnSp>
-      <p:cxnSp>
-        <p:nvCxnSpPr>
           <p:cNvPr id="6" name="직선 화살표 연결선 5">
             <a:extLst>
               <a:ext uri="{FF2B5EF4-FFF2-40B4-BE49-F238E27FC236}">
@@ -6075,60 +9553,6 @@
             <a:r>
               <a:rPr kumimoji="1" lang="ko-KR" altLang="en-US" sz="1200" dirty="0"/>
               <a:t>연결</a:t>
-            </a:r>
-            <a:endParaRPr kumimoji="1" lang="ko-Kore-KR" altLang="en-US" sz="1200" dirty="0"/>
-          </a:p>
-        </p:txBody>
-      </p:sp>
-      <p:sp>
-        <p:nvSpPr>
-          <p:cNvPr id="10" name="TextBox 9">
-            <a:extLst>
-              <a:ext uri="{FF2B5EF4-FFF2-40B4-BE49-F238E27FC236}">
-                <a16:creationId xmlns:a16="http://schemas.microsoft.com/office/drawing/2014/main" id="{147D4F69-3957-68B9-EAEF-ED98E8BF443A}"/>
-              </a:ext>
-            </a:extLst>
-          </p:cNvPr>
-          <p:cNvSpPr txBox="1"/>
-          <p:nvPr/>
-        </p:nvSpPr>
-        <p:spPr>
-          <a:xfrm>
-            <a:off x="1439201" y="5403318"/>
-            <a:ext cx="751487" cy="276999"/>
-          </a:xfrm>
-          <a:prstGeom prst="rect">
-            <a:avLst/>
-          </a:prstGeom>
-        </p:spPr>
-        <p:style>
-          <a:lnRef idx="2">
-            <a:schemeClr val="accent1"/>
-          </a:lnRef>
-          <a:fillRef idx="1">
-            <a:schemeClr val="lt1"/>
-          </a:fillRef>
-          <a:effectRef idx="0">
-            <a:schemeClr val="accent1"/>
-          </a:effectRef>
-          <a:fontRef idx="minor">
-            <a:schemeClr val="dk1"/>
-          </a:fontRef>
-        </p:style>
-        <p:txBody>
-          <a:bodyPr wrap="square" rtlCol="0">
-            <a:spAutoFit/>
-          </a:bodyPr>
-          <a:lstStyle/>
-          <a:p>
-            <a:pPr algn="ctr"/>
-            <a:r>
-              <a:rPr kumimoji="1" lang="en-US" altLang="ko-KR" sz="1200" dirty="0"/>
-              <a:t>1.</a:t>
-            </a:r>
-            <a:r>
-              <a:rPr kumimoji="1" lang="ko-KR" altLang="en-US" sz="1200" dirty="0"/>
-              <a:t> 출력</a:t>
             </a:r>
             <a:endParaRPr kumimoji="1" lang="ko-Kore-KR" altLang="en-US" sz="1200" dirty="0"/>
           </a:p>
@@ -6626,6 +10050,50 @@
             <a:avLst/>
           </a:prstGeom>
           <a:ln>
+            <a:tailEnd type="triangle"/>
+          </a:ln>
+        </p:spPr>
+        <p:style>
+          <a:lnRef idx="3">
+            <a:schemeClr val="accent1"/>
+          </a:lnRef>
+          <a:fillRef idx="0">
+            <a:schemeClr val="accent1"/>
+          </a:fillRef>
+          <a:effectRef idx="2">
+            <a:schemeClr val="accent1"/>
+          </a:effectRef>
+          <a:fontRef idx="minor">
+            <a:schemeClr val="tx1"/>
+          </a:fontRef>
+        </p:style>
+      </p:cxnSp>
+      <p:cxnSp>
+        <p:nvCxnSpPr>
+          <p:cNvPr id="34" name="직선 화살표 연결선 33">
+            <a:extLst>
+              <a:ext uri="{FF2B5EF4-FFF2-40B4-BE49-F238E27FC236}">
+                <a16:creationId xmlns:a16="http://schemas.microsoft.com/office/drawing/2014/main" id="{7314013A-A559-16D2-1536-A962A2044FCF}"/>
+              </a:ext>
+            </a:extLst>
+          </p:cNvPr>
+          <p:cNvCxnSpPr>
+            <a:cxnSpLocks/>
+            <a:stCxn id="3" idx="0"/>
+            <a:endCxn id="2" idx="2"/>
+          </p:cNvCxnSpPr>
+          <p:nvPr/>
+        </p:nvCxnSpPr>
+        <p:spPr>
+          <a:xfrm flipV="1">
+            <a:off x="2078182" y="2050473"/>
+            <a:ext cx="0" cy="775854"/>
+          </a:xfrm>
+          <a:prstGeom prst="straightConnector1">
+            <a:avLst/>
+          </a:prstGeom>
+          <a:ln>
+            <a:headEnd type="triangle"/>
             <a:tailEnd type="triangle"/>
           </a:ln>
         </p:spPr>
@@ -7124,8 +10592,8 @@
         </p:nvSpPr>
         <p:spPr>
           <a:xfrm>
-            <a:off x="3767392" y="4035911"/>
-            <a:ext cx="1540362" cy="1015663"/>
+            <a:off x="3804641" y="2456790"/>
+            <a:ext cx="2864009" cy="646331"/>
           </a:xfrm>
           <a:prstGeom prst="rect">
             <a:avLst/>
@@ -7225,7 +10693,7 @@
         </p:nvSpPr>
         <p:spPr>
           <a:xfrm>
-            <a:off x="552093" y="4881623"/>
+            <a:off x="1153393" y="4729501"/>
             <a:ext cx="1540362" cy="276999"/>
           </a:xfrm>
           <a:prstGeom prst="rect">
@@ -7279,8 +10747,8 @@
         </p:nvSpPr>
         <p:spPr>
           <a:xfrm>
-            <a:off x="3276809" y="3255864"/>
-            <a:ext cx="2521528" cy="609600"/>
+            <a:off x="3804641" y="3255864"/>
+            <a:ext cx="1510145" cy="609600"/>
           </a:xfrm>
           <a:prstGeom prst="rect">
             <a:avLst/>
@@ -7334,7 +10802,7 @@
         <p:spPr>
           <a:xfrm>
             <a:off x="2659448" y="3560664"/>
-            <a:ext cx="617361" cy="0"/>
+            <a:ext cx="1145193" cy="0"/>
           </a:xfrm>
           <a:prstGeom prst="straightConnector1">
             <a:avLst/>
@@ -7372,8 +10840,8 @@
         </p:nvSpPr>
         <p:spPr>
           <a:xfrm>
-            <a:off x="5865832" y="5628084"/>
-            <a:ext cx="2521528" cy="609600"/>
+            <a:off x="6685656" y="5628084"/>
+            <a:ext cx="1510145" cy="609600"/>
           </a:xfrm>
           <a:prstGeom prst="rect">
             <a:avLst/>
@@ -7426,8 +10894,8 @@
         </p:nvCxnSpPr>
         <p:spPr>
           <a:xfrm>
-            <a:off x="5798337" y="3560664"/>
-            <a:ext cx="1328259" cy="2067420"/>
+            <a:off x="5314786" y="3560664"/>
+            <a:ext cx="2125943" cy="2067420"/>
           </a:xfrm>
           <a:prstGeom prst="straightConnector1">
             <a:avLst/>
@@ -7465,7 +10933,7 @@
         </p:nvSpPr>
         <p:spPr>
           <a:xfrm>
-            <a:off x="8795554" y="2137154"/>
+            <a:off x="9300157" y="2840984"/>
             <a:ext cx="2521528" cy="609600"/>
           </a:xfrm>
           <a:prstGeom prst="rect">
@@ -7513,14 +10981,14 @@
           <p:cNvCxnSpPr>
             <a:cxnSpLocks/>
             <a:stCxn id="25" idx="0"/>
-            <a:endCxn id="28" idx="2"/>
+            <a:endCxn id="28" idx="1"/>
           </p:cNvCxnSpPr>
           <p:nvPr/>
         </p:nvCxnSpPr>
         <p:spPr>
           <a:xfrm flipV="1">
-            <a:off x="7126596" y="2746754"/>
-            <a:ext cx="2929722" cy="2881330"/>
+            <a:off x="7440729" y="3145784"/>
+            <a:ext cx="1859428" cy="2482300"/>
           </a:xfrm>
           <a:prstGeom prst="straightConnector1">
             <a:avLst/>
@@ -7558,7 +11026,7 @@
         </p:nvSpPr>
         <p:spPr>
           <a:xfrm>
-            <a:off x="7919441" y="3795040"/>
+            <a:off x="7658016" y="4455875"/>
             <a:ext cx="1540362" cy="276999"/>
           </a:xfrm>
           <a:prstGeom prst="rect">
@@ -7612,8 +11080,8 @@
         </p:nvSpPr>
         <p:spPr>
           <a:xfrm>
-            <a:off x="8795554" y="244834"/>
-            <a:ext cx="2521528" cy="609600"/>
+            <a:off x="9828469" y="295502"/>
+            <a:ext cx="1510145" cy="609600"/>
           </a:xfrm>
           <a:prstGeom prst="rect">
             <a:avLst/>
@@ -7662,8 +11130,8 @@
         </p:nvSpPr>
         <p:spPr>
           <a:xfrm>
-            <a:off x="3414729" y="244834"/>
-            <a:ext cx="2521528" cy="609600"/>
+            <a:off x="5121256" y="272295"/>
+            <a:ext cx="1510145" cy="609600"/>
           </a:xfrm>
           <a:prstGeom prst="rect">
             <a:avLst/>
@@ -7715,9 +11183,9 @@
           <p:nvPr/>
         </p:nvCxnSpPr>
         <p:spPr>
-          <a:xfrm flipH="1">
-            <a:off x="5936257" y="549634"/>
-            <a:ext cx="2859297" cy="0"/>
+          <a:xfrm flipH="1" flipV="1">
+            <a:off x="6631401" y="577095"/>
+            <a:ext cx="3197068" cy="23207"/>
           </a:xfrm>
           <a:prstGeom prst="straightConnector1">
             <a:avLst/>
@@ -7759,8 +11227,8 @@
         </p:nvCxnSpPr>
         <p:spPr>
           <a:xfrm flipV="1">
-            <a:off x="10056318" y="854434"/>
-            <a:ext cx="0" cy="1282720"/>
+            <a:off x="10560921" y="905102"/>
+            <a:ext cx="22621" cy="1935882"/>
           </a:xfrm>
           <a:prstGeom prst="straightConnector1">
             <a:avLst/>
@@ -7798,7 +11266,7 @@
         </p:nvSpPr>
         <p:spPr>
           <a:xfrm>
-            <a:off x="9286137" y="1190709"/>
+            <a:off x="9790740" y="1734543"/>
             <a:ext cx="1540362" cy="276999"/>
           </a:xfrm>
           <a:prstGeom prst="rect">
@@ -7848,7 +11316,7 @@
         </p:nvSpPr>
         <p:spPr>
           <a:xfrm>
-            <a:off x="6764609" y="411134"/>
+            <a:off x="7459754" y="438595"/>
             <a:ext cx="1540362" cy="276999"/>
           </a:xfrm>
           <a:prstGeom prst="rect">
@@ -7953,15 +11421,15 @@
           </p:cNvPr>
           <p:cNvCxnSpPr>
             <a:cxnSpLocks/>
-            <a:stCxn id="28" idx="3"/>
+            <a:stCxn id="28" idx="2"/>
             <a:endCxn id="47" idx="1"/>
           </p:cNvCxnSpPr>
           <p:nvPr/>
         </p:nvCxnSpPr>
         <p:spPr>
-          <a:xfrm flipH="1">
-            <a:off x="10756068" y="2441954"/>
-            <a:ext cx="561014" cy="3031581"/>
+          <a:xfrm>
+            <a:off x="10560921" y="3450584"/>
+            <a:ext cx="195147" cy="2022951"/>
           </a:xfrm>
           <a:prstGeom prst="straightConnector1">
             <a:avLst/>
@@ -7999,7 +11467,7 @@
         </p:nvSpPr>
         <p:spPr>
           <a:xfrm>
-            <a:off x="10228579" y="3957744"/>
+            <a:off x="10287625" y="4455875"/>
             <a:ext cx="1540362" cy="276999"/>
           </a:xfrm>
           <a:prstGeom prst="rect">
@@ -8053,7 +11521,7 @@
         </p:nvSpPr>
         <p:spPr>
           <a:xfrm>
-            <a:off x="5762133" y="4455875"/>
+            <a:off x="5394776" y="4455875"/>
             <a:ext cx="1540362" cy="276999"/>
           </a:xfrm>
           <a:prstGeom prst="rect">
@@ -8123,6 +11591,651 @@
           <a:chExt cx="0" cy="0"/>
         </a:xfrm>
       </p:grpSpPr>
+      <p:cxnSp>
+        <p:nvCxnSpPr>
+          <p:cNvPr id="4" name="직선 연결선[R] 3">
+            <a:extLst>
+              <a:ext uri="{FF2B5EF4-FFF2-40B4-BE49-F238E27FC236}">
+                <a16:creationId xmlns:a16="http://schemas.microsoft.com/office/drawing/2014/main" id="{D1692799-8645-DA57-8302-3F2A0FAA9B67}"/>
+              </a:ext>
+            </a:extLst>
+          </p:cNvPr>
+          <p:cNvCxnSpPr>
+            <a:cxnSpLocks/>
+            <a:stCxn id="6" idx="2"/>
+          </p:cNvCxnSpPr>
+          <p:nvPr/>
+        </p:nvCxnSpPr>
+        <p:spPr>
+          <a:xfrm flipH="1">
+            <a:off x="4176081" y="2072466"/>
+            <a:ext cx="7992" cy="3736395"/>
+          </a:xfrm>
+          <a:prstGeom prst="line">
+            <a:avLst/>
+          </a:prstGeom>
+        </p:spPr>
+        <p:style>
+          <a:lnRef idx="3">
+            <a:schemeClr val="accent5"/>
+          </a:lnRef>
+          <a:fillRef idx="0">
+            <a:schemeClr val="accent5"/>
+          </a:fillRef>
+          <a:effectRef idx="2">
+            <a:schemeClr val="accent5"/>
+          </a:effectRef>
+          <a:fontRef idx="minor">
+            <a:schemeClr val="tx1"/>
+          </a:fontRef>
+        </p:style>
+      </p:cxnSp>
+      <p:cxnSp>
+        <p:nvCxnSpPr>
+          <p:cNvPr id="5" name="직선 연결선[R] 4">
+            <a:extLst>
+              <a:ext uri="{FF2B5EF4-FFF2-40B4-BE49-F238E27FC236}">
+                <a16:creationId xmlns:a16="http://schemas.microsoft.com/office/drawing/2014/main" id="{E2DD4202-2453-AA50-ABD7-00B77DF64866}"/>
+              </a:ext>
+            </a:extLst>
+          </p:cNvPr>
+          <p:cNvCxnSpPr>
+            <a:cxnSpLocks/>
+            <a:stCxn id="7" idx="2"/>
+          </p:cNvCxnSpPr>
+          <p:nvPr/>
+        </p:nvCxnSpPr>
+        <p:spPr>
+          <a:xfrm>
+            <a:off x="6678373" y="2075706"/>
+            <a:ext cx="9018" cy="3733155"/>
+          </a:xfrm>
+          <a:prstGeom prst="line">
+            <a:avLst/>
+          </a:prstGeom>
+        </p:spPr>
+        <p:style>
+          <a:lnRef idx="3">
+            <a:schemeClr val="accent5"/>
+          </a:lnRef>
+          <a:fillRef idx="0">
+            <a:schemeClr val="accent5"/>
+          </a:fillRef>
+          <a:effectRef idx="2">
+            <a:schemeClr val="accent5"/>
+          </a:effectRef>
+          <a:fontRef idx="minor">
+            <a:schemeClr val="tx1"/>
+          </a:fontRef>
+        </p:style>
+      </p:cxnSp>
+      <p:sp>
+        <p:nvSpPr>
+          <p:cNvPr id="6" name="TextBox 5">
+            <a:extLst>
+              <a:ext uri="{FF2B5EF4-FFF2-40B4-BE49-F238E27FC236}">
+                <a16:creationId xmlns:a16="http://schemas.microsoft.com/office/drawing/2014/main" id="{C203E9D7-FE51-4E15-33F5-F5BA221926ED}"/>
+              </a:ext>
+            </a:extLst>
+          </p:cNvPr>
+          <p:cNvSpPr txBox="1"/>
+          <p:nvPr/>
+        </p:nvSpPr>
+        <p:spPr>
+          <a:xfrm>
+            <a:off x="3103419" y="1764689"/>
+            <a:ext cx="2161308" cy="307777"/>
+          </a:xfrm>
+          <a:prstGeom prst="rect">
+            <a:avLst/>
+          </a:prstGeom>
+        </p:spPr>
+        <p:style>
+          <a:lnRef idx="2">
+            <a:schemeClr val="accent5"/>
+          </a:lnRef>
+          <a:fillRef idx="1">
+            <a:schemeClr val="lt1"/>
+          </a:fillRef>
+          <a:effectRef idx="0">
+            <a:schemeClr val="accent5"/>
+          </a:effectRef>
+          <a:fontRef idx="minor">
+            <a:schemeClr val="dk1"/>
+          </a:fontRef>
+        </p:style>
+        <p:txBody>
+          <a:bodyPr wrap="square" rtlCol="0">
+            <a:spAutoFit/>
+          </a:bodyPr>
+          <a:lstStyle/>
+          <a:p>
+            <a:pPr algn="ctr"/>
+            <a:r>
+              <a:rPr kumimoji="1" lang="en-US" altLang="ko-Kore-KR" sz="1400" dirty="0" err="1"/>
+              <a:t>CalcClient</a:t>
+            </a:r>
+            <a:endParaRPr kumimoji="1" lang="ko-Kore-KR" altLang="en-US" sz="1400" dirty="0"/>
+          </a:p>
+        </p:txBody>
+      </p:sp>
+      <p:sp>
+        <p:nvSpPr>
+          <p:cNvPr id="7" name="TextBox 6">
+            <a:extLst>
+              <a:ext uri="{FF2B5EF4-FFF2-40B4-BE49-F238E27FC236}">
+                <a16:creationId xmlns:a16="http://schemas.microsoft.com/office/drawing/2014/main" id="{E944141F-6CB3-E6FE-1E9C-C3C3144838C8}"/>
+              </a:ext>
+            </a:extLst>
+          </p:cNvPr>
+          <p:cNvSpPr txBox="1"/>
+          <p:nvPr/>
+        </p:nvSpPr>
+        <p:spPr>
+          <a:xfrm>
+            <a:off x="5699441" y="1767929"/>
+            <a:ext cx="1957864" cy="307777"/>
+          </a:xfrm>
+          <a:prstGeom prst="rect">
+            <a:avLst/>
+          </a:prstGeom>
+        </p:spPr>
+        <p:style>
+          <a:lnRef idx="2">
+            <a:schemeClr val="accent5"/>
+          </a:lnRef>
+          <a:fillRef idx="1">
+            <a:schemeClr val="lt1"/>
+          </a:fillRef>
+          <a:effectRef idx="0">
+            <a:schemeClr val="accent5"/>
+          </a:effectRef>
+          <a:fontRef idx="minor">
+            <a:schemeClr val="dk1"/>
+          </a:fontRef>
+        </p:style>
+        <p:txBody>
+          <a:bodyPr wrap="square" rtlCol="0">
+            <a:spAutoFit/>
+          </a:bodyPr>
+          <a:lstStyle/>
+          <a:p>
+            <a:pPr algn="ctr"/>
+            <a:r>
+              <a:rPr kumimoji="1" lang="en-US" altLang="ko-Kore-KR" sz="1400" dirty="0" err="1"/>
+              <a:t>CalcServer</a:t>
+            </a:r>
+            <a:endParaRPr kumimoji="1" lang="ko-Kore-KR" altLang="en-US" sz="1400" dirty="0"/>
+          </a:p>
+        </p:txBody>
+      </p:sp>
+      <p:cxnSp>
+        <p:nvCxnSpPr>
+          <p:cNvPr id="8" name="직선 화살표 연결선 7">
+            <a:extLst>
+              <a:ext uri="{FF2B5EF4-FFF2-40B4-BE49-F238E27FC236}">
+                <a16:creationId xmlns:a16="http://schemas.microsoft.com/office/drawing/2014/main" id="{3D83CE2F-5917-6145-C418-695FFDD635F8}"/>
+              </a:ext>
+            </a:extLst>
+          </p:cNvPr>
+          <p:cNvCxnSpPr/>
+          <p:nvPr/>
+        </p:nvCxnSpPr>
+        <p:spPr>
+          <a:xfrm>
+            <a:off x="4191466" y="2648080"/>
+            <a:ext cx="2527739" cy="0"/>
+          </a:xfrm>
+          <a:prstGeom prst="straightConnector1">
+            <a:avLst/>
+          </a:prstGeom>
+          <a:ln>
+            <a:tailEnd type="triangle"/>
+          </a:ln>
+        </p:spPr>
+        <p:style>
+          <a:lnRef idx="3">
+            <a:schemeClr val="accent6"/>
+          </a:lnRef>
+          <a:fillRef idx="0">
+            <a:schemeClr val="accent6"/>
+          </a:fillRef>
+          <a:effectRef idx="2">
+            <a:schemeClr val="accent6"/>
+          </a:effectRef>
+          <a:fontRef idx="minor">
+            <a:schemeClr val="tx1"/>
+          </a:fontRef>
+        </p:style>
+      </p:cxnSp>
+      <p:cxnSp>
+        <p:nvCxnSpPr>
+          <p:cNvPr id="9" name="직선 화살표 연결선 8">
+            <a:extLst>
+              <a:ext uri="{FF2B5EF4-FFF2-40B4-BE49-F238E27FC236}">
+                <a16:creationId xmlns:a16="http://schemas.microsoft.com/office/drawing/2014/main" id="{770B7487-92F0-9744-FE27-43B65533437E}"/>
+              </a:ext>
+            </a:extLst>
+          </p:cNvPr>
+          <p:cNvCxnSpPr/>
+          <p:nvPr/>
+        </p:nvCxnSpPr>
+        <p:spPr>
+          <a:xfrm flipH="1">
+            <a:off x="4184075" y="3140067"/>
+            <a:ext cx="2527739" cy="0"/>
+          </a:xfrm>
+          <a:prstGeom prst="straightConnector1">
+            <a:avLst/>
+          </a:prstGeom>
+          <a:ln>
+            <a:tailEnd type="triangle"/>
+          </a:ln>
+        </p:spPr>
+        <p:style>
+          <a:lnRef idx="3">
+            <a:schemeClr val="accent2"/>
+          </a:lnRef>
+          <a:fillRef idx="0">
+            <a:schemeClr val="accent2"/>
+          </a:fillRef>
+          <a:effectRef idx="2">
+            <a:schemeClr val="accent2"/>
+          </a:effectRef>
+          <a:fontRef idx="minor">
+            <a:schemeClr val="tx1"/>
+          </a:fontRef>
+        </p:style>
+      </p:cxnSp>
+      <p:cxnSp>
+        <p:nvCxnSpPr>
+          <p:cNvPr id="10" name="직선 화살표 연결선 9">
+            <a:extLst>
+              <a:ext uri="{FF2B5EF4-FFF2-40B4-BE49-F238E27FC236}">
+                <a16:creationId xmlns:a16="http://schemas.microsoft.com/office/drawing/2014/main" id="{34022F8C-0908-FD01-D1C8-70BC0759802B}"/>
+              </a:ext>
+            </a:extLst>
+          </p:cNvPr>
+          <p:cNvCxnSpPr/>
+          <p:nvPr/>
+        </p:nvCxnSpPr>
+        <p:spPr>
+          <a:xfrm flipH="1">
+            <a:off x="4184074" y="4469626"/>
+            <a:ext cx="2527739" cy="0"/>
+          </a:xfrm>
+          <a:prstGeom prst="straightConnector1">
+            <a:avLst/>
+          </a:prstGeom>
+          <a:ln>
+            <a:tailEnd type="triangle"/>
+          </a:ln>
+        </p:spPr>
+        <p:style>
+          <a:lnRef idx="3">
+            <a:schemeClr val="accent2"/>
+          </a:lnRef>
+          <a:fillRef idx="0">
+            <a:schemeClr val="accent2"/>
+          </a:fillRef>
+          <a:effectRef idx="2">
+            <a:schemeClr val="accent2"/>
+          </a:effectRef>
+          <a:fontRef idx="minor">
+            <a:schemeClr val="tx1"/>
+          </a:fontRef>
+        </p:style>
+      </p:cxnSp>
+      <p:cxnSp>
+        <p:nvCxnSpPr>
+          <p:cNvPr id="11" name="직선 화살표 연결선 10">
+            <a:extLst>
+              <a:ext uri="{FF2B5EF4-FFF2-40B4-BE49-F238E27FC236}">
+                <a16:creationId xmlns:a16="http://schemas.microsoft.com/office/drawing/2014/main" id="{C284F236-DC44-1D93-01A0-572B7B2DDE38}"/>
+              </a:ext>
+            </a:extLst>
+          </p:cNvPr>
+          <p:cNvCxnSpPr/>
+          <p:nvPr/>
+        </p:nvCxnSpPr>
+        <p:spPr>
+          <a:xfrm>
+            <a:off x="4184073" y="3815357"/>
+            <a:ext cx="2527739" cy="0"/>
+          </a:xfrm>
+          <a:prstGeom prst="straightConnector1">
+            <a:avLst/>
+          </a:prstGeom>
+          <a:ln>
+            <a:tailEnd type="triangle"/>
+          </a:ln>
+        </p:spPr>
+        <p:style>
+          <a:lnRef idx="3">
+            <a:schemeClr val="accent6"/>
+          </a:lnRef>
+          <a:fillRef idx="0">
+            <a:schemeClr val="accent6"/>
+          </a:fillRef>
+          <a:effectRef idx="2">
+            <a:schemeClr val="accent6"/>
+          </a:effectRef>
+          <a:fontRef idx="minor">
+            <a:schemeClr val="tx1"/>
+          </a:fontRef>
+        </p:style>
+      </p:cxnSp>
+      <p:sp>
+        <p:nvSpPr>
+          <p:cNvPr id="12" name="TextBox 11">
+            <a:extLst>
+              <a:ext uri="{FF2B5EF4-FFF2-40B4-BE49-F238E27FC236}">
+                <a16:creationId xmlns:a16="http://schemas.microsoft.com/office/drawing/2014/main" id="{9C7A8C3C-D6D0-24C5-FEA5-F49F384BC555}"/>
+              </a:ext>
+            </a:extLst>
+          </p:cNvPr>
+          <p:cNvSpPr txBox="1"/>
+          <p:nvPr/>
+        </p:nvSpPr>
+        <p:spPr>
+          <a:xfrm>
+            <a:off x="5054127" y="2455545"/>
+            <a:ext cx="751487" cy="276999"/>
+          </a:xfrm>
+          <a:prstGeom prst="rect">
+            <a:avLst/>
+          </a:prstGeom>
+        </p:spPr>
+        <p:style>
+          <a:lnRef idx="2">
+            <a:schemeClr val="accent6"/>
+          </a:lnRef>
+          <a:fillRef idx="1">
+            <a:schemeClr val="lt1"/>
+          </a:fillRef>
+          <a:effectRef idx="0">
+            <a:schemeClr val="accent6"/>
+          </a:effectRef>
+          <a:fontRef idx="minor">
+            <a:schemeClr val="dk1"/>
+          </a:fontRef>
+        </p:style>
+        <p:txBody>
+          <a:bodyPr wrap="square" rtlCol="0">
+            <a:spAutoFit/>
+          </a:bodyPr>
+          <a:lstStyle/>
+          <a:p>
+            <a:pPr algn="ctr"/>
+            <a:r>
+              <a:rPr kumimoji="1" lang="ko-KR" altLang="en-US" sz="1200" dirty="0"/>
+              <a:t>연결</a:t>
+            </a:r>
+            <a:endParaRPr kumimoji="1" lang="ko-Kore-KR" altLang="en-US" sz="1200" dirty="0"/>
+          </a:p>
+        </p:txBody>
+      </p:sp>
+      <p:sp>
+        <p:nvSpPr>
+          <p:cNvPr id="13" name="TextBox 12">
+            <a:extLst>
+              <a:ext uri="{FF2B5EF4-FFF2-40B4-BE49-F238E27FC236}">
+                <a16:creationId xmlns:a16="http://schemas.microsoft.com/office/drawing/2014/main" id="{56A22CB8-D779-D380-C737-275843CCE616}"/>
+              </a:ext>
+            </a:extLst>
+          </p:cNvPr>
+          <p:cNvSpPr txBox="1"/>
+          <p:nvPr/>
+        </p:nvSpPr>
+        <p:spPr>
+          <a:xfrm>
+            <a:off x="5046732" y="2967431"/>
+            <a:ext cx="751487" cy="276999"/>
+          </a:xfrm>
+          <a:prstGeom prst="rect">
+            <a:avLst/>
+          </a:prstGeom>
+        </p:spPr>
+        <p:style>
+          <a:lnRef idx="2">
+            <a:schemeClr val="accent2"/>
+          </a:lnRef>
+          <a:fillRef idx="1">
+            <a:schemeClr val="lt1"/>
+          </a:fillRef>
+          <a:effectRef idx="0">
+            <a:schemeClr val="accent2"/>
+          </a:effectRef>
+          <a:fontRef idx="minor">
+            <a:schemeClr val="dk1"/>
+          </a:fontRef>
+        </p:style>
+        <p:txBody>
+          <a:bodyPr wrap="square" rtlCol="0">
+            <a:spAutoFit/>
+          </a:bodyPr>
+          <a:lstStyle/>
+          <a:p>
+            <a:pPr algn="ctr"/>
+            <a:r>
+              <a:rPr kumimoji="1" lang="en-US" altLang="ko-KR" sz="1200" dirty="0"/>
+              <a:t>WSDL</a:t>
+            </a:r>
+          </a:p>
+        </p:txBody>
+      </p:sp>
+      <p:sp>
+        <p:nvSpPr>
+          <p:cNvPr id="14" name="TextBox 13">
+            <a:extLst>
+              <a:ext uri="{FF2B5EF4-FFF2-40B4-BE49-F238E27FC236}">
+                <a16:creationId xmlns:a16="http://schemas.microsoft.com/office/drawing/2014/main" id="{6AAFD523-BCBA-945C-7B54-49A685D9C54A}"/>
+              </a:ext>
+            </a:extLst>
+          </p:cNvPr>
+          <p:cNvSpPr txBox="1"/>
+          <p:nvPr/>
+        </p:nvSpPr>
+        <p:spPr>
+          <a:xfrm>
+            <a:off x="4625681" y="3707669"/>
+            <a:ext cx="1664166" cy="276999"/>
+          </a:xfrm>
+          <a:prstGeom prst="rect">
+            <a:avLst/>
+          </a:prstGeom>
+        </p:spPr>
+        <p:style>
+          <a:lnRef idx="2">
+            <a:schemeClr val="accent6"/>
+          </a:lnRef>
+          <a:fillRef idx="1">
+            <a:schemeClr val="lt1"/>
+          </a:fillRef>
+          <a:effectRef idx="0">
+            <a:schemeClr val="accent6"/>
+          </a:effectRef>
+          <a:fontRef idx="minor">
+            <a:schemeClr val="dk1"/>
+          </a:fontRef>
+        </p:style>
+        <p:txBody>
+          <a:bodyPr wrap="square" rtlCol="0">
+            <a:spAutoFit/>
+          </a:bodyPr>
+          <a:lstStyle/>
+          <a:p>
+            <a:pPr algn="ctr"/>
+            <a:r>
+              <a:rPr kumimoji="1" lang="ko-KR" altLang="en-US" sz="1200" dirty="0"/>
+              <a:t>사용할 </a:t>
+            </a:r>
+            <a:r>
+              <a:rPr kumimoji="1" lang="en-US" altLang="ko-KR" sz="1200" dirty="0"/>
+              <a:t>Stub </a:t>
+            </a:r>
+            <a:r>
+              <a:rPr kumimoji="1" lang="ko-KR" altLang="en-US" sz="1200" dirty="0"/>
+              <a:t>요청</a:t>
+            </a:r>
+            <a:endParaRPr kumimoji="1" lang="ko-Kore-KR" altLang="en-US" sz="1200" dirty="0"/>
+          </a:p>
+        </p:txBody>
+      </p:sp>
+      <p:sp>
+        <p:nvSpPr>
+          <p:cNvPr id="15" name="TextBox 14">
+            <a:extLst>
+              <a:ext uri="{FF2B5EF4-FFF2-40B4-BE49-F238E27FC236}">
+                <a16:creationId xmlns:a16="http://schemas.microsoft.com/office/drawing/2014/main" id="{BB81268E-DB0F-85A4-EB76-91E0D8060059}"/>
+              </a:ext>
+            </a:extLst>
+          </p:cNvPr>
+          <p:cNvSpPr txBox="1"/>
+          <p:nvPr/>
+        </p:nvSpPr>
+        <p:spPr>
+          <a:xfrm>
+            <a:off x="4800919" y="4330261"/>
+            <a:ext cx="1243112" cy="461665"/>
+          </a:xfrm>
+          <a:prstGeom prst="rect">
+            <a:avLst/>
+          </a:prstGeom>
+        </p:spPr>
+        <p:style>
+          <a:lnRef idx="2">
+            <a:schemeClr val="accent2"/>
+          </a:lnRef>
+          <a:fillRef idx="1">
+            <a:schemeClr val="lt1"/>
+          </a:fillRef>
+          <a:effectRef idx="0">
+            <a:schemeClr val="accent2"/>
+          </a:effectRef>
+          <a:fontRef idx="minor">
+            <a:schemeClr val="dk1"/>
+          </a:fontRef>
+        </p:style>
+        <p:txBody>
+          <a:bodyPr wrap="square" rtlCol="0">
+            <a:spAutoFit/>
+          </a:bodyPr>
+          <a:lstStyle/>
+          <a:p>
+            <a:pPr algn="ctr"/>
+            <a:r>
+              <a:rPr kumimoji="1" lang="en-US" altLang="ko-Kore-KR" sz="1200" dirty="0"/>
+              <a:t>Stub</a:t>
+            </a:r>
+          </a:p>
+          <a:p>
+            <a:pPr algn="ctr"/>
+            <a:r>
+              <a:rPr kumimoji="1" lang="ko-KR" altLang="en-US" sz="1200" dirty="0"/>
+              <a:t>다운로드</a:t>
+            </a:r>
+            <a:endParaRPr kumimoji="1" lang="ko-Kore-KR" altLang="en-US" sz="1200" dirty="0"/>
+          </a:p>
+        </p:txBody>
+      </p:sp>
+      <p:sp>
+        <p:nvSpPr>
+          <p:cNvPr id="16" name="타원 15">
+            <a:extLst>
+              <a:ext uri="{FF2B5EF4-FFF2-40B4-BE49-F238E27FC236}">
+                <a16:creationId xmlns:a16="http://schemas.microsoft.com/office/drawing/2014/main" id="{EE94C1A1-5C76-538C-5F87-58F0A33261C8}"/>
+              </a:ext>
+            </a:extLst>
+          </p:cNvPr>
+          <p:cNvSpPr/>
+          <p:nvPr/>
+        </p:nvSpPr>
+        <p:spPr>
+          <a:xfrm>
+            <a:off x="4559821" y="4111516"/>
+            <a:ext cx="1696298" cy="931240"/>
+          </a:xfrm>
+          <a:prstGeom prst="ellipse">
+            <a:avLst/>
+          </a:prstGeom>
+          <a:noFill/>
+          <a:ln>
+            <a:solidFill>
+              <a:srgbClr val="FF00A8"/>
+            </a:solidFill>
+          </a:ln>
+        </p:spPr>
+        <p:style>
+          <a:lnRef idx="2">
+            <a:schemeClr val="accent1">
+              <a:shade val="50000"/>
+            </a:schemeClr>
+          </a:lnRef>
+          <a:fillRef idx="1">
+            <a:schemeClr val="accent1"/>
+          </a:fillRef>
+          <a:effectRef idx="0">
+            <a:schemeClr val="accent1"/>
+          </a:effectRef>
+          <a:fontRef idx="minor">
+            <a:schemeClr val="lt1"/>
+          </a:fontRef>
+        </p:style>
+        <p:txBody>
+          <a:bodyPr rtlCol="0" anchor="ctr"/>
+          <a:lstStyle/>
+          <a:p>
+            <a:pPr algn="ctr"/>
+            <a:endParaRPr kumimoji="1" lang="ko-Kore-KR" altLang="en-US"/>
+          </a:p>
+        </p:txBody>
+      </p:sp>
+      <p:cxnSp>
+        <p:nvCxnSpPr>
+          <p:cNvPr id="17" name="직선 화살표 연결선 16">
+            <a:extLst>
+              <a:ext uri="{FF2B5EF4-FFF2-40B4-BE49-F238E27FC236}">
+                <a16:creationId xmlns:a16="http://schemas.microsoft.com/office/drawing/2014/main" id="{DE64F6F2-3ED2-3B55-1910-297DEAAC01CA}"/>
+              </a:ext>
+            </a:extLst>
+          </p:cNvPr>
+          <p:cNvCxnSpPr>
+            <a:cxnSpLocks/>
+            <a:endCxn id="16" idx="4"/>
+          </p:cNvCxnSpPr>
+          <p:nvPr/>
+        </p:nvCxnSpPr>
+        <p:spPr>
+          <a:xfrm flipH="1" flipV="1">
+            <a:off x="5407970" y="5042756"/>
+            <a:ext cx="283478" cy="403438"/>
+          </a:xfrm>
+          <a:prstGeom prst="straightConnector1">
+            <a:avLst/>
+          </a:prstGeom>
+          <a:ln>
+            <a:solidFill>
+              <a:srgbClr val="FDA9F7"/>
+            </a:solidFill>
+            <a:tailEnd type="triangle"/>
+          </a:ln>
+        </p:spPr>
+        <p:style>
+          <a:lnRef idx="3">
+            <a:schemeClr val="accent2"/>
+          </a:lnRef>
+          <a:fillRef idx="0">
+            <a:schemeClr val="accent2"/>
+          </a:fillRef>
+          <a:effectRef idx="2">
+            <a:schemeClr val="accent2"/>
+          </a:effectRef>
+          <a:fontRef idx="minor">
+            <a:schemeClr val="tx1"/>
+          </a:fontRef>
+        </p:style>
+      </p:cxnSp>
     </p:spTree>
     <p:extLst>
       <p:ext uri="{BB962C8B-B14F-4D97-AF65-F5344CB8AC3E}">
@@ -8153,6 +12266,1324 @@
           <a:chExt cx="0" cy="0"/>
         </a:xfrm>
       </p:grpSpPr>
+      <p:sp>
+        <p:nvSpPr>
+          <p:cNvPr id="2" name="TextBox 1">
+            <a:extLst>
+              <a:ext uri="{FF2B5EF4-FFF2-40B4-BE49-F238E27FC236}">
+                <a16:creationId xmlns:a16="http://schemas.microsoft.com/office/drawing/2014/main" id="{6A45602B-055E-1EC6-A4E0-C814D7961953}"/>
+              </a:ext>
+            </a:extLst>
+          </p:cNvPr>
+          <p:cNvSpPr txBox="1"/>
+          <p:nvPr/>
+        </p:nvSpPr>
+        <p:spPr>
+          <a:xfrm>
+            <a:off x="1011383" y="1759236"/>
+            <a:ext cx="2161308" cy="307777"/>
+          </a:xfrm>
+          <a:prstGeom prst="rect">
+            <a:avLst/>
+          </a:prstGeom>
+        </p:spPr>
+        <p:style>
+          <a:lnRef idx="3">
+            <a:schemeClr val="lt1"/>
+          </a:lnRef>
+          <a:fillRef idx="1">
+            <a:schemeClr val="accent1"/>
+          </a:fillRef>
+          <a:effectRef idx="1">
+            <a:schemeClr val="accent1"/>
+          </a:effectRef>
+          <a:fontRef idx="minor">
+            <a:schemeClr val="lt1"/>
+          </a:fontRef>
+        </p:style>
+        <p:txBody>
+          <a:bodyPr wrap="square" rtlCol="0">
+            <a:spAutoFit/>
+          </a:bodyPr>
+          <a:lstStyle/>
+          <a:p>
+            <a:pPr algn="ctr"/>
+            <a:r>
+              <a:rPr kumimoji="1" lang="en-US" altLang="ko-Kore-KR" sz="1400" dirty="0" err="1"/>
+              <a:t>CalcClient</a:t>
+            </a:r>
+            <a:endParaRPr kumimoji="1" lang="ko-Kore-KR" altLang="en-US" sz="1400" dirty="0"/>
+          </a:p>
+        </p:txBody>
+      </p:sp>
+      <p:sp>
+        <p:nvSpPr>
+          <p:cNvPr id="3" name="TextBox 2">
+            <a:extLst>
+              <a:ext uri="{FF2B5EF4-FFF2-40B4-BE49-F238E27FC236}">
+                <a16:creationId xmlns:a16="http://schemas.microsoft.com/office/drawing/2014/main" id="{9BB7B6F9-9EC3-4A7A-4849-BE90B2463015}"/>
+              </a:ext>
+            </a:extLst>
+          </p:cNvPr>
+          <p:cNvSpPr txBox="1"/>
+          <p:nvPr/>
+        </p:nvSpPr>
+        <p:spPr>
+          <a:xfrm>
+            <a:off x="5218790" y="1752885"/>
+            <a:ext cx="1957864" cy="307777"/>
+          </a:xfrm>
+          <a:prstGeom prst="rect">
+            <a:avLst/>
+          </a:prstGeom>
+        </p:spPr>
+        <p:style>
+          <a:lnRef idx="3">
+            <a:schemeClr val="lt1"/>
+          </a:lnRef>
+          <a:fillRef idx="1">
+            <a:schemeClr val="accent3"/>
+          </a:fillRef>
+          <a:effectRef idx="1">
+            <a:schemeClr val="accent3"/>
+          </a:effectRef>
+          <a:fontRef idx="minor">
+            <a:schemeClr val="lt1"/>
+          </a:fontRef>
+        </p:style>
+        <p:txBody>
+          <a:bodyPr wrap="square" rtlCol="0">
+            <a:spAutoFit/>
+          </a:bodyPr>
+          <a:lstStyle/>
+          <a:p>
+            <a:pPr algn="ctr"/>
+            <a:r>
+              <a:rPr kumimoji="1" lang="en-US" altLang="ko-Kore-KR" sz="1400" dirty="0" err="1"/>
+              <a:t>CalcServer</a:t>
+            </a:r>
+            <a:endParaRPr kumimoji="1" lang="ko-Kore-KR" altLang="en-US" sz="1400" dirty="0"/>
+          </a:p>
+        </p:txBody>
+      </p:sp>
+      <p:cxnSp>
+        <p:nvCxnSpPr>
+          <p:cNvPr id="5" name="구부러진 연결선[U] 4">
+            <a:extLst>
+              <a:ext uri="{FF2B5EF4-FFF2-40B4-BE49-F238E27FC236}">
+                <a16:creationId xmlns:a16="http://schemas.microsoft.com/office/drawing/2014/main" id="{B20A3CE7-C669-F1B4-5B33-B47FAD74AAC5}"/>
+              </a:ext>
+            </a:extLst>
+          </p:cNvPr>
+          <p:cNvCxnSpPr>
+            <a:stCxn id="2" idx="0"/>
+            <a:endCxn id="3" idx="0"/>
+          </p:cNvCxnSpPr>
+          <p:nvPr/>
+        </p:nvCxnSpPr>
+        <p:spPr>
+          <a:xfrm rot="5400000" flipH="1" flipV="1">
+            <a:off x="4141704" y="-296781"/>
+            <a:ext cx="6351" cy="4105685"/>
+          </a:xfrm>
+          <a:prstGeom prst="curvedConnector3">
+            <a:avLst>
+              <a:gd name="adj1" fmla="val 3699433"/>
+            </a:avLst>
+          </a:prstGeom>
+          <a:ln>
+            <a:tailEnd type="triangle"/>
+          </a:ln>
+        </p:spPr>
+        <p:style>
+          <a:lnRef idx="3">
+            <a:schemeClr val="accent6"/>
+          </a:lnRef>
+          <a:fillRef idx="0">
+            <a:schemeClr val="accent6"/>
+          </a:fillRef>
+          <a:effectRef idx="2">
+            <a:schemeClr val="accent6"/>
+          </a:effectRef>
+          <a:fontRef idx="minor">
+            <a:schemeClr val="tx1"/>
+          </a:fontRef>
+        </p:style>
+      </p:cxnSp>
+      <p:sp>
+        <p:nvSpPr>
+          <p:cNvPr id="12" name="TextBox 11">
+            <a:extLst>
+              <a:ext uri="{FF2B5EF4-FFF2-40B4-BE49-F238E27FC236}">
+                <a16:creationId xmlns:a16="http://schemas.microsoft.com/office/drawing/2014/main" id="{9D8AE6AD-FE12-1E6A-2E4D-491F1E0780A7}"/>
+              </a:ext>
+            </a:extLst>
+          </p:cNvPr>
+          <p:cNvSpPr txBox="1"/>
+          <p:nvPr/>
+        </p:nvSpPr>
+        <p:spPr>
+          <a:xfrm>
+            <a:off x="9222753" y="1759235"/>
+            <a:ext cx="1957864" cy="307777"/>
+          </a:xfrm>
+          <a:prstGeom prst="rect">
+            <a:avLst/>
+          </a:prstGeom>
+        </p:spPr>
+        <p:style>
+          <a:lnRef idx="3">
+            <a:schemeClr val="lt1"/>
+          </a:lnRef>
+          <a:fillRef idx="1">
+            <a:schemeClr val="accent1"/>
+          </a:fillRef>
+          <a:effectRef idx="1">
+            <a:schemeClr val="accent1"/>
+          </a:effectRef>
+          <a:fontRef idx="minor">
+            <a:schemeClr val="lt1"/>
+          </a:fontRef>
+        </p:style>
+        <p:txBody>
+          <a:bodyPr wrap="square" rtlCol="0">
+            <a:spAutoFit/>
+          </a:bodyPr>
+          <a:lstStyle/>
+          <a:p>
+            <a:pPr algn="ctr"/>
+            <a:r>
+              <a:rPr kumimoji="1" lang="en-US" altLang="ko-Kore-KR" sz="1400" dirty="0" err="1"/>
+              <a:t>CalcClient</a:t>
+            </a:r>
+            <a:endParaRPr kumimoji="1" lang="ko-Kore-KR" altLang="en-US" sz="1400" dirty="0"/>
+          </a:p>
+        </p:txBody>
+      </p:sp>
+      <p:cxnSp>
+        <p:nvCxnSpPr>
+          <p:cNvPr id="13" name="구부러진 연결선[U] 12">
+            <a:extLst>
+              <a:ext uri="{FF2B5EF4-FFF2-40B4-BE49-F238E27FC236}">
+                <a16:creationId xmlns:a16="http://schemas.microsoft.com/office/drawing/2014/main" id="{3052F069-2881-3229-11F2-4C9A43B8792C}"/>
+              </a:ext>
+            </a:extLst>
+          </p:cNvPr>
+          <p:cNvCxnSpPr>
+            <a:cxnSpLocks/>
+            <a:stCxn id="12" idx="0"/>
+            <a:endCxn id="3" idx="0"/>
+          </p:cNvCxnSpPr>
+          <p:nvPr/>
+        </p:nvCxnSpPr>
+        <p:spPr>
+          <a:xfrm rot="16200000" flipV="1">
+            <a:off x="8196529" y="-245922"/>
+            <a:ext cx="6350" cy="4003963"/>
+          </a:xfrm>
+          <a:prstGeom prst="curvedConnector3">
+            <a:avLst>
+              <a:gd name="adj1" fmla="val 3700000"/>
+            </a:avLst>
+          </a:prstGeom>
+          <a:ln>
+            <a:tailEnd type="triangle"/>
+          </a:ln>
+        </p:spPr>
+        <p:style>
+          <a:lnRef idx="3">
+            <a:schemeClr val="accent6"/>
+          </a:lnRef>
+          <a:fillRef idx="0">
+            <a:schemeClr val="accent6"/>
+          </a:fillRef>
+          <a:effectRef idx="2">
+            <a:schemeClr val="accent6"/>
+          </a:effectRef>
+          <a:fontRef idx="minor">
+            <a:schemeClr val="tx1"/>
+          </a:fontRef>
+        </p:style>
+      </p:cxnSp>
+      <p:sp>
+        <p:nvSpPr>
+          <p:cNvPr id="20" name="TextBox 19">
+            <a:extLst>
+              <a:ext uri="{FF2B5EF4-FFF2-40B4-BE49-F238E27FC236}">
+                <a16:creationId xmlns:a16="http://schemas.microsoft.com/office/drawing/2014/main" id="{F37C69E9-4598-8617-6DE2-B4D9D5E39156}"/>
+              </a:ext>
+            </a:extLst>
+          </p:cNvPr>
+          <p:cNvSpPr txBox="1"/>
+          <p:nvPr/>
+        </p:nvSpPr>
+        <p:spPr>
+          <a:xfrm>
+            <a:off x="5267293" y="5979487"/>
+            <a:ext cx="1957864" cy="307777"/>
+          </a:xfrm>
+          <a:prstGeom prst="rect">
+            <a:avLst/>
+          </a:prstGeom>
+        </p:spPr>
+        <p:style>
+          <a:lnRef idx="3">
+            <a:schemeClr val="lt1"/>
+          </a:lnRef>
+          <a:fillRef idx="1">
+            <a:schemeClr val="accent1"/>
+          </a:fillRef>
+          <a:effectRef idx="1">
+            <a:schemeClr val="accent1"/>
+          </a:effectRef>
+          <a:fontRef idx="minor">
+            <a:schemeClr val="lt1"/>
+          </a:fontRef>
+        </p:style>
+        <p:txBody>
+          <a:bodyPr wrap="square" rtlCol="0">
+            <a:spAutoFit/>
+          </a:bodyPr>
+          <a:lstStyle/>
+          <a:p>
+            <a:pPr algn="ctr"/>
+            <a:r>
+              <a:rPr kumimoji="1" lang="en-US" altLang="ko-Kore-KR" sz="1400" dirty="0" err="1"/>
+              <a:t>CalcClient</a:t>
+            </a:r>
+            <a:endParaRPr kumimoji="1" lang="ko-Kore-KR" altLang="en-US" sz="1400" dirty="0"/>
+          </a:p>
+        </p:txBody>
+      </p:sp>
+      <p:cxnSp>
+        <p:nvCxnSpPr>
+          <p:cNvPr id="21" name="구부러진 연결선[U] 20">
+            <a:extLst>
+              <a:ext uri="{FF2B5EF4-FFF2-40B4-BE49-F238E27FC236}">
+                <a16:creationId xmlns:a16="http://schemas.microsoft.com/office/drawing/2014/main" id="{69AB77A2-6628-B7E8-9FAD-31181577A80B}"/>
+              </a:ext>
+            </a:extLst>
+          </p:cNvPr>
+          <p:cNvCxnSpPr>
+            <a:cxnSpLocks/>
+            <a:stCxn id="20" idx="1"/>
+            <a:endCxn id="3" idx="1"/>
+          </p:cNvCxnSpPr>
+          <p:nvPr/>
+        </p:nvCxnSpPr>
+        <p:spPr>
+          <a:xfrm rot="10800000">
+            <a:off x="5218791" y="1906774"/>
+            <a:ext cx="48503" cy="4226602"/>
+          </a:xfrm>
+          <a:prstGeom prst="curvedConnector3">
+            <a:avLst>
+              <a:gd name="adj1" fmla="val 571311"/>
+            </a:avLst>
+          </a:prstGeom>
+          <a:ln>
+            <a:tailEnd type="triangle"/>
+          </a:ln>
+        </p:spPr>
+        <p:style>
+          <a:lnRef idx="3">
+            <a:schemeClr val="accent6"/>
+          </a:lnRef>
+          <a:fillRef idx="0">
+            <a:schemeClr val="accent6"/>
+          </a:fillRef>
+          <a:effectRef idx="2">
+            <a:schemeClr val="accent6"/>
+          </a:effectRef>
+          <a:fontRef idx="minor">
+            <a:schemeClr val="tx1"/>
+          </a:fontRef>
+        </p:style>
+      </p:cxnSp>
+      <p:sp>
+        <p:nvSpPr>
+          <p:cNvPr id="29" name="하트[H] 28">
+            <a:extLst>
+              <a:ext uri="{FF2B5EF4-FFF2-40B4-BE49-F238E27FC236}">
+                <a16:creationId xmlns:a16="http://schemas.microsoft.com/office/drawing/2014/main" id="{79A18BB8-6B89-16B9-7317-82A9219D2E25}"/>
+              </a:ext>
+            </a:extLst>
+          </p:cNvPr>
+          <p:cNvSpPr/>
+          <p:nvPr/>
+        </p:nvSpPr>
+        <p:spPr>
+          <a:xfrm>
+            <a:off x="3881872" y="2231605"/>
+            <a:ext cx="478666" cy="478666"/>
+          </a:xfrm>
+          <a:prstGeom prst="heart">
+            <a:avLst/>
+          </a:prstGeom>
+          <a:solidFill>
+            <a:srgbClr val="FDA9F7"/>
+          </a:solidFill>
+          <a:ln>
+            <a:solidFill>
+              <a:srgbClr val="FDA9F7"/>
+            </a:solidFill>
+          </a:ln>
+        </p:spPr>
+        <p:style>
+          <a:lnRef idx="2">
+            <a:schemeClr val="accent1">
+              <a:shade val="50000"/>
+            </a:schemeClr>
+          </a:lnRef>
+          <a:fillRef idx="1">
+            <a:schemeClr val="accent1"/>
+          </a:fillRef>
+          <a:effectRef idx="0">
+            <a:schemeClr val="accent1"/>
+          </a:effectRef>
+          <a:fontRef idx="minor">
+            <a:schemeClr val="lt1"/>
+          </a:fontRef>
+        </p:style>
+        <p:txBody>
+          <a:bodyPr rtlCol="0" anchor="ctr"/>
+          <a:lstStyle/>
+          <a:p>
+            <a:pPr algn="ctr"/>
+            <a:r>
+              <a:rPr kumimoji="1" lang="en-US" altLang="ko-Kore-KR" dirty="0"/>
+              <a:t>T</a:t>
+            </a:r>
+            <a:endParaRPr kumimoji="1" lang="ko-Kore-KR" altLang="en-US" dirty="0"/>
+          </a:p>
+        </p:txBody>
+      </p:sp>
+      <p:sp>
+        <p:nvSpPr>
+          <p:cNvPr id="30" name="하트[H] 29">
+            <a:extLst>
+              <a:ext uri="{FF2B5EF4-FFF2-40B4-BE49-F238E27FC236}">
+                <a16:creationId xmlns:a16="http://schemas.microsoft.com/office/drawing/2014/main" id="{36244BD6-F195-E257-1D2D-E1463CBED79B}"/>
+              </a:ext>
+            </a:extLst>
+          </p:cNvPr>
+          <p:cNvSpPr/>
+          <p:nvPr/>
+        </p:nvSpPr>
+        <p:spPr>
+          <a:xfrm>
+            <a:off x="7237857" y="4364934"/>
+            <a:ext cx="478666" cy="478666"/>
+          </a:xfrm>
+          <a:prstGeom prst="heart">
+            <a:avLst/>
+          </a:prstGeom>
+          <a:solidFill>
+            <a:srgbClr val="FDA9F7"/>
+          </a:solidFill>
+          <a:ln>
+            <a:solidFill>
+              <a:srgbClr val="FDA9F7"/>
+            </a:solidFill>
+          </a:ln>
+        </p:spPr>
+        <p:style>
+          <a:lnRef idx="2">
+            <a:schemeClr val="accent1">
+              <a:shade val="50000"/>
+            </a:schemeClr>
+          </a:lnRef>
+          <a:fillRef idx="1">
+            <a:schemeClr val="accent1"/>
+          </a:fillRef>
+          <a:effectRef idx="0">
+            <a:schemeClr val="accent1"/>
+          </a:effectRef>
+          <a:fontRef idx="minor">
+            <a:schemeClr val="lt1"/>
+          </a:fontRef>
+        </p:style>
+        <p:txBody>
+          <a:bodyPr rtlCol="0" anchor="ctr"/>
+          <a:lstStyle/>
+          <a:p>
+            <a:pPr algn="ctr"/>
+            <a:r>
+              <a:rPr kumimoji="1" lang="en-US" altLang="ko-Kore-KR" dirty="0"/>
+              <a:t>T</a:t>
+            </a:r>
+            <a:endParaRPr kumimoji="1" lang="ko-Kore-KR" altLang="en-US" dirty="0"/>
+          </a:p>
+        </p:txBody>
+      </p:sp>
+      <p:cxnSp>
+        <p:nvCxnSpPr>
+          <p:cNvPr id="39" name="구부러진 연결선[U] 38">
+            <a:extLst>
+              <a:ext uri="{FF2B5EF4-FFF2-40B4-BE49-F238E27FC236}">
+                <a16:creationId xmlns:a16="http://schemas.microsoft.com/office/drawing/2014/main" id="{CD68B47A-1E75-B9CA-E6AC-19D3FEDCF1BC}"/>
+              </a:ext>
+            </a:extLst>
+          </p:cNvPr>
+          <p:cNvCxnSpPr>
+            <a:cxnSpLocks/>
+            <a:stCxn id="2" idx="2"/>
+          </p:cNvCxnSpPr>
+          <p:nvPr/>
+        </p:nvCxnSpPr>
+        <p:spPr>
+          <a:xfrm rot="16200000" flipH="1">
+            <a:off x="2805849" y="1353200"/>
+            <a:ext cx="426054" cy="1853679"/>
+          </a:xfrm>
+          <a:prstGeom prst="curvedConnector2">
+            <a:avLst/>
+          </a:prstGeom>
+          <a:ln>
+            <a:headEnd type="triangle"/>
+            <a:tailEnd type="triangle"/>
+          </a:ln>
+        </p:spPr>
+        <p:style>
+          <a:lnRef idx="3">
+            <a:schemeClr val="accent1"/>
+          </a:lnRef>
+          <a:fillRef idx="0">
+            <a:schemeClr val="accent1"/>
+          </a:fillRef>
+          <a:effectRef idx="2">
+            <a:schemeClr val="accent1"/>
+          </a:effectRef>
+          <a:fontRef idx="minor">
+            <a:schemeClr val="tx1"/>
+          </a:fontRef>
+        </p:style>
+      </p:cxnSp>
+      <p:cxnSp>
+        <p:nvCxnSpPr>
+          <p:cNvPr id="40" name="구부러진 연결선[U] 39">
+            <a:extLst>
+              <a:ext uri="{FF2B5EF4-FFF2-40B4-BE49-F238E27FC236}">
+                <a16:creationId xmlns:a16="http://schemas.microsoft.com/office/drawing/2014/main" id="{1769A499-0574-875D-37DE-64796B985DAA}"/>
+              </a:ext>
+            </a:extLst>
+          </p:cNvPr>
+          <p:cNvCxnSpPr>
+            <a:cxnSpLocks/>
+            <a:endCxn id="3" idx="2"/>
+          </p:cNvCxnSpPr>
+          <p:nvPr/>
+        </p:nvCxnSpPr>
+        <p:spPr>
+          <a:xfrm flipV="1">
+            <a:off x="4336864" y="2060662"/>
+            <a:ext cx="1860858" cy="432405"/>
+          </a:xfrm>
+          <a:prstGeom prst="curvedConnector2">
+            <a:avLst/>
+          </a:prstGeom>
+          <a:ln>
+            <a:headEnd type="triangle"/>
+            <a:tailEnd type="triangle"/>
+          </a:ln>
+        </p:spPr>
+        <p:style>
+          <a:lnRef idx="2">
+            <a:schemeClr val="accent5"/>
+          </a:lnRef>
+          <a:fillRef idx="1">
+            <a:schemeClr val="lt1"/>
+          </a:fillRef>
+          <a:effectRef idx="0">
+            <a:schemeClr val="accent5"/>
+          </a:effectRef>
+          <a:fontRef idx="minor">
+            <a:schemeClr val="dk1"/>
+          </a:fontRef>
+        </p:style>
+      </p:cxnSp>
+      <p:cxnSp>
+        <p:nvCxnSpPr>
+          <p:cNvPr id="49" name="구부러진 연결선[U] 48">
+            <a:extLst>
+              <a:ext uri="{FF2B5EF4-FFF2-40B4-BE49-F238E27FC236}">
+                <a16:creationId xmlns:a16="http://schemas.microsoft.com/office/drawing/2014/main" id="{8950B4A0-546E-0FCC-8FB9-9BC135ADACB0}"/>
+              </a:ext>
+            </a:extLst>
+          </p:cNvPr>
+          <p:cNvCxnSpPr>
+            <a:cxnSpLocks/>
+            <a:stCxn id="30" idx="0"/>
+            <a:endCxn id="3" idx="3"/>
+          </p:cNvCxnSpPr>
+          <p:nvPr/>
+        </p:nvCxnSpPr>
+        <p:spPr>
+          <a:xfrm rot="16200000" flipV="1">
+            <a:off x="6038009" y="3045420"/>
+            <a:ext cx="2577827" cy="300536"/>
+          </a:xfrm>
+          <a:prstGeom prst="curvedConnector2">
+            <a:avLst/>
+          </a:prstGeom>
+          <a:ln>
+            <a:headEnd type="triangle"/>
+            <a:tailEnd type="triangle"/>
+          </a:ln>
+        </p:spPr>
+        <p:style>
+          <a:lnRef idx="2">
+            <a:schemeClr val="accent5"/>
+          </a:lnRef>
+          <a:fillRef idx="1">
+            <a:schemeClr val="lt1"/>
+          </a:fillRef>
+          <a:effectRef idx="0">
+            <a:schemeClr val="accent5"/>
+          </a:effectRef>
+          <a:fontRef idx="minor">
+            <a:schemeClr val="dk1"/>
+          </a:fontRef>
+        </p:style>
+      </p:cxnSp>
+      <p:cxnSp>
+        <p:nvCxnSpPr>
+          <p:cNvPr id="52" name="구부러진 연결선[U] 51">
+            <a:extLst>
+              <a:ext uri="{FF2B5EF4-FFF2-40B4-BE49-F238E27FC236}">
+                <a16:creationId xmlns:a16="http://schemas.microsoft.com/office/drawing/2014/main" id="{1E9CFE40-C941-3AB9-1A7F-F76CDEC0AFBC}"/>
+              </a:ext>
+            </a:extLst>
+          </p:cNvPr>
+          <p:cNvCxnSpPr>
+            <a:cxnSpLocks/>
+            <a:stCxn id="20" idx="3"/>
+            <a:endCxn id="30" idx="1"/>
+          </p:cNvCxnSpPr>
+          <p:nvPr/>
+        </p:nvCxnSpPr>
+        <p:spPr>
+          <a:xfrm flipV="1">
+            <a:off x="7225157" y="4843600"/>
+            <a:ext cx="252033" cy="1289776"/>
+          </a:xfrm>
+          <a:prstGeom prst="curvedConnector2">
+            <a:avLst/>
+          </a:prstGeom>
+          <a:ln>
+            <a:headEnd type="triangle"/>
+            <a:tailEnd type="triangle"/>
+          </a:ln>
+        </p:spPr>
+        <p:style>
+          <a:lnRef idx="3">
+            <a:schemeClr val="accent1"/>
+          </a:lnRef>
+          <a:fillRef idx="0">
+            <a:schemeClr val="accent1"/>
+          </a:fillRef>
+          <a:effectRef idx="2">
+            <a:schemeClr val="accent1"/>
+          </a:effectRef>
+          <a:fontRef idx="minor">
+            <a:schemeClr val="tx1"/>
+          </a:fontRef>
+        </p:style>
+      </p:cxnSp>
+      <p:sp>
+        <p:nvSpPr>
+          <p:cNvPr id="57" name="하트[H] 56">
+            <a:extLst>
+              <a:ext uri="{FF2B5EF4-FFF2-40B4-BE49-F238E27FC236}">
+                <a16:creationId xmlns:a16="http://schemas.microsoft.com/office/drawing/2014/main" id="{6824349A-EA67-86E4-846C-99B0A0D30439}"/>
+              </a:ext>
+            </a:extLst>
+          </p:cNvPr>
+          <p:cNvSpPr/>
+          <p:nvPr/>
+        </p:nvSpPr>
+        <p:spPr>
+          <a:xfrm>
+            <a:off x="7997768" y="2231605"/>
+            <a:ext cx="478666" cy="478666"/>
+          </a:xfrm>
+          <a:prstGeom prst="heart">
+            <a:avLst/>
+          </a:prstGeom>
+          <a:solidFill>
+            <a:srgbClr val="FDA9F7"/>
+          </a:solidFill>
+          <a:ln>
+            <a:solidFill>
+              <a:srgbClr val="FDA9F7"/>
+            </a:solidFill>
+          </a:ln>
+        </p:spPr>
+        <p:style>
+          <a:lnRef idx="2">
+            <a:schemeClr val="accent1">
+              <a:shade val="50000"/>
+            </a:schemeClr>
+          </a:lnRef>
+          <a:fillRef idx="1">
+            <a:schemeClr val="accent1"/>
+          </a:fillRef>
+          <a:effectRef idx="0">
+            <a:schemeClr val="accent1"/>
+          </a:effectRef>
+          <a:fontRef idx="minor">
+            <a:schemeClr val="lt1"/>
+          </a:fontRef>
+        </p:style>
+        <p:txBody>
+          <a:bodyPr rtlCol="0" anchor="ctr"/>
+          <a:lstStyle/>
+          <a:p>
+            <a:pPr algn="ctr"/>
+            <a:r>
+              <a:rPr kumimoji="1" lang="en-US" altLang="ko-Kore-KR" dirty="0"/>
+              <a:t>T</a:t>
+            </a:r>
+            <a:endParaRPr kumimoji="1" lang="ko-Kore-KR" altLang="en-US" dirty="0"/>
+          </a:p>
+        </p:txBody>
+      </p:sp>
+      <p:cxnSp>
+        <p:nvCxnSpPr>
+          <p:cNvPr id="58" name="구부러진 연결선[U] 57">
+            <a:extLst>
+              <a:ext uri="{FF2B5EF4-FFF2-40B4-BE49-F238E27FC236}">
+                <a16:creationId xmlns:a16="http://schemas.microsoft.com/office/drawing/2014/main" id="{0E389AE3-F7BD-B4E1-D41A-B1E901E8E3D7}"/>
+              </a:ext>
+            </a:extLst>
+          </p:cNvPr>
+          <p:cNvCxnSpPr>
+            <a:cxnSpLocks/>
+          </p:cNvCxnSpPr>
+          <p:nvPr/>
+        </p:nvCxnSpPr>
+        <p:spPr>
+          <a:xfrm rot="16200000" flipH="1">
+            <a:off x="6921745" y="1353200"/>
+            <a:ext cx="426054" cy="1853679"/>
+          </a:xfrm>
+          <a:prstGeom prst="curvedConnector2">
+            <a:avLst/>
+          </a:prstGeom>
+          <a:ln>
+            <a:headEnd type="triangle"/>
+            <a:tailEnd type="triangle"/>
+          </a:ln>
+        </p:spPr>
+        <p:style>
+          <a:lnRef idx="2">
+            <a:schemeClr val="accent5"/>
+          </a:lnRef>
+          <a:fillRef idx="1">
+            <a:schemeClr val="lt1"/>
+          </a:fillRef>
+          <a:effectRef idx="0">
+            <a:schemeClr val="accent5"/>
+          </a:effectRef>
+          <a:fontRef idx="minor">
+            <a:schemeClr val="dk1"/>
+          </a:fontRef>
+        </p:style>
+      </p:cxnSp>
+      <p:cxnSp>
+        <p:nvCxnSpPr>
+          <p:cNvPr id="59" name="구부러진 연결선[U] 58">
+            <a:extLst>
+              <a:ext uri="{FF2B5EF4-FFF2-40B4-BE49-F238E27FC236}">
+                <a16:creationId xmlns:a16="http://schemas.microsoft.com/office/drawing/2014/main" id="{9D3FA679-3AEC-7DFD-1B6F-CB906C5A0123}"/>
+              </a:ext>
+            </a:extLst>
+          </p:cNvPr>
+          <p:cNvCxnSpPr>
+            <a:cxnSpLocks/>
+          </p:cNvCxnSpPr>
+          <p:nvPr/>
+        </p:nvCxnSpPr>
+        <p:spPr>
+          <a:xfrm flipV="1">
+            <a:off x="8452760" y="2060662"/>
+            <a:ext cx="1860858" cy="432405"/>
+          </a:xfrm>
+          <a:prstGeom prst="curvedConnector2">
+            <a:avLst/>
+          </a:prstGeom>
+          <a:ln>
+            <a:headEnd type="triangle"/>
+            <a:tailEnd type="triangle"/>
+          </a:ln>
+        </p:spPr>
+        <p:style>
+          <a:lnRef idx="3">
+            <a:schemeClr val="accent1"/>
+          </a:lnRef>
+          <a:fillRef idx="0">
+            <a:schemeClr val="accent1"/>
+          </a:fillRef>
+          <a:effectRef idx="2">
+            <a:schemeClr val="accent1"/>
+          </a:effectRef>
+          <a:fontRef idx="minor">
+            <a:schemeClr val="tx1"/>
+          </a:fontRef>
+        </p:style>
+      </p:cxnSp>
+      <p:sp>
+        <p:nvSpPr>
+          <p:cNvPr id="60" name="TextBox 59">
+            <a:extLst>
+              <a:ext uri="{FF2B5EF4-FFF2-40B4-BE49-F238E27FC236}">
+                <a16:creationId xmlns:a16="http://schemas.microsoft.com/office/drawing/2014/main" id="{318F027D-1392-FA8E-3903-305A6068081C}"/>
+              </a:ext>
+            </a:extLst>
+          </p:cNvPr>
+          <p:cNvSpPr txBox="1"/>
+          <p:nvPr/>
+        </p:nvSpPr>
+        <p:spPr>
+          <a:xfrm>
+            <a:off x="3579207" y="1338639"/>
+            <a:ext cx="1131339" cy="276999"/>
+          </a:xfrm>
+          <a:prstGeom prst="rect">
+            <a:avLst/>
+          </a:prstGeom>
+        </p:spPr>
+        <p:style>
+          <a:lnRef idx="2">
+            <a:schemeClr val="accent6"/>
+          </a:lnRef>
+          <a:fillRef idx="1">
+            <a:schemeClr val="lt1"/>
+          </a:fillRef>
+          <a:effectRef idx="0">
+            <a:schemeClr val="accent6"/>
+          </a:effectRef>
+          <a:fontRef idx="minor">
+            <a:schemeClr val="dk1"/>
+          </a:fontRef>
+        </p:style>
+        <p:txBody>
+          <a:bodyPr wrap="square" rtlCol="0">
+            <a:spAutoFit/>
+          </a:bodyPr>
+          <a:lstStyle/>
+          <a:p>
+            <a:pPr algn="ctr"/>
+            <a:r>
+              <a:rPr kumimoji="1" lang="en-US" altLang="ko-KR" sz="1200" dirty="0"/>
+              <a:t>1. </a:t>
+            </a:r>
+            <a:r>
+              <a:rPr kumimoji="1" lang="ko-KR" altLang="en-US" sz="1200" dirty="0"/>
+              <a:t>연결</a:t>
+            </a:r>
+            <a:endParaRPr kumimoji="1" lang="ko-Kore-KR" altLang="en-US" sz="1200" dirty="0"/>
+          </a:p>
+        </p:txBody>
+      </p:sp>
+      <p:sp>
+        <p:nvSpPr>
+          <p:cNvPr id="61" name="TextBox 60">
+            <a:extLst>
+              <a:ext uri="{FF2B5EF4-FFF2-40B4-BE49-F238E27FC236}">
+                <a16:creationId xmlns:a16="http://schemas.microsoft.com/office/drawing/2014/main" id="{306BEF31-DB06-C60A-B9F2-71EA54779CB1}"/>
+              </a:ext>
+            </a:extLst>
+          </p:cNvPr>
+          <p:cNvSpPr txBox="1"/>
+          <p:nvPr/>
+        </p:nvSpPr>
+        <p:spPr>
+          <a:xfrm>
+            <a:off x="2153276" y="2392608"/>
+            <a:ext cx="1188269" cy="276999"/>
+          </a:xfrm>
+          <a:prstGeom prst="rect">
+            <a:avLst/>
+          </a:prstGeom>
+        </p:spPr>
+        <p:style>
+          <a:lnRef idx="2">
+            <a:schemeClr val="accent1"/>
+          </a:lnRef>
+          <a:fillRef idx="1">
+            <a:schemeClr val="lt1"/>
+          </a:fillRef>
+          <a:effectRef idx="0">
+            <a:schemeClr val="accent1"/>
+          </a:effectRef>
+          <a:fontRef idx="minor">
+            <a:schemeClr val="dk1"/>
+          </a:fontRef>
+        </p:style>
+        <p:txBody>
+          <a:bodyPr wrap="square" rtlCol="0">
+            <a:spAutoFit/>
+          </a:bodyPr>
+          <a:lstStyle/>
+          <a:p>
+            <a:pPr algn="ctr"/>
+            <a:r>
+              <a:rPr kumimoji="1" lang="en-US" altLang="ko-KR" sz="1200" dirty="0"/>
+              <a:t>3. </a:t>
+            </a:r>
+            <a:r>
+              <a:rPr kumimoji="1" lang="ko-KR" altLang="en-US" sz="1200" dirty="0"/>
+              <a:t>통신</a:t>
+            </a:r>
+            <a:endParaRPr kumimoji="1" lang="en-US" altLang="ko-KR" sz="1200" dirty="0"/>
+          </a:p>
+        </p:txBody>
+      </p:sp>
+      <p:sp>
+        <p:nvSpPr>
+          <p:cNvPr id="62" name="TextBox 61">
+            <a:extLst>
+              <a:ext uri="{FF2B5EF4-FFF2-40B4-BE49-F238E27FC236}">
+                <a16:creationId xmlns:a16="http://schemas.microsoft.com/office/drawing/2014/main" id="{8067A677-8493-431A-981B-DF90AC7E0CC3}"/>
+              </a:ext>
+            </a:extLst>
+          </p:cNvPr>
+          <p:cNvSpPr txBox="1"/>
+          <p:nvPr/>
+        </p:nvSpPr>
+        <p:spPr>
+          <a:xfrm>
+            <a:off x="7887090" y="1363690"/>
+            <a:ext cx="1131339" cy="276999"/>
+          </a:xfrm>
+          <a:prstGeom prst="rect">
+            <a:avLst/>
+          </a:prstGeom>
+        </p:spPr>
+        <p:style>
+          <a:lnRef idx="2">
+            <a:schemeClr val="accent6"/>
+          </a:lnRef>
+          <a:fillRef idx="1">
+            <a:schemeClr val="lt1"/>
+          </a:fillRef>
+          <a:effectRef idx="0">
+            <a:schemeClr val="accent6"/>
+          </a:effectRef>
+          <a:fontRef idx="minor">
+            <a:schemeClr val="dk1"/>
+          </a:fontRef>
+        </p:style>
+        <p:txBody>
+          <a:bodyPr wrap="square" rtlCol="0">
+            <a:spAutoFit/>
+          </a:bodyPr>
+          <a:lstStyle/>
+          <a:p>
+            <a:pPr algn="ctr"/>
+            <a:r>
+              <a:rPr kumimoji="1" lang="en-US" altLang="ko-KR" sz="1200" dirty="0"/>
+              <a:t>1. </a:t>
+            </a:r>
+            <a:r>
+              <a:rPr kumimoji="1" lang="ko-KR" altLang="en-US" sz="1200" dirty="0"/>
+              <a:t>연결</a:t>
+            </a:r>
+            <a:endParaRPr kumimoji="1" lang="ko-Kore-KR" altLang="en-US" sz="1200" dirty="0"/>
+          </a:p>
+        </p:txBody>
+      </p:sp>
+      <p:sp>
+        <p:nvSpPr>
+          <p:cNvPr id="63" name="TextBox 62">
+            <a:extLst>
+              <a:ext uri="{FF2B5EF4-FFF2-40B4-BE49-F238E27FC236}">
+                <a16:creationId xmlns:a16="http://schemas.microsoft.com/office/drawing/2014/main" id="{4472EB03-E6D8-75A5-7ABD-542334E81D35}"/>
+              </a:ext>
+            </a:extLst>
+          </p:cNvPr>
+          <p:cNvSpPr txBox="1"/>
+          <p:nvPr/>
+        </p:nvSpPr>
+        <p:spPr>
+          <a:xfrm>
+            <a:off x="6883055" y="5257315"/>
+            <a:ext cx="1188269" cy="276999"/>
+          </a:xfrm>
+          <a:prstGeom prst="rect">
+            <a:avLst/>
+          </a:prstGeom>
+        </p:spPr>
+        <p:style>
+          <a:lnRef idx="2">
+            <a:schemeClr val="accent1"/>
+          </a:lnRef>
+          <a:fillRef idx="1">
+            <a:schemeClr val="lt1"/>
+          </a:fillRef>
+          <a:effectRef idx="0">
+            <a:schemeClr val="accent1"/>
+          </a:effectRef>
+          <a:fontRef idx="minor">
+            <a:schemeClr val="dk1"/>
+          </a:fontRef>
+        </p:style>
+        <p:txBody>
+          <a:bodyPr wrap="square" rtlCol="0">
+            <a:spAutoFit/>
+          </a:bodyPr>
+          <a:lstStyle/>
+          <a:p>
+            <a:pPr algn="ctr"/>
+            <a:r>
+              <a:rPr kumimoji="1" lang="en-US" altLang="ko-KR" sz="1200" dirty="0"/>
+              <a:t>3. </a:t>
+            </a:r>
+            <a:r>
+              <a:rPr kumimoji="1" lang="ko-KR" altLang="en-US" sz="1200" dirty="0"/>
+              <a:t>통신</a:t>
+            </a:r>
+            <a:endParaRPr kumimoji="1" lang="en-US" altLang="ko-KR" sz="1200" dirty="0"/>
+          </a:p>
+        </p:txBody>
+      </p:sp>
+      <p:sp>
+        <p:nvSpPr>
+          <p:cNvPr id="64" name="TextBox 63">
+            <a:extLst>
+              <a:ext uri="{FF2B5EF4-FFF2-40B4-BE49-F238E27FC236}">
+                <a16:creationId xmlns:a16="http://schemas.microsoft.com/office/drawing/2014/main" id="{5CDC2376-491F-ADF7-04DB-78F60D23B562}"/>
+              </a:ext>
+            </a:extLst>
+          </p:cNvPr>
+          <p:cNvSpPr txBox="1"/>
+          <p:nvPr/>
+        </p:nvSpPr>
+        <p:spPr>
+          <a:xfrm>
+            <a:off x="9531910" y="2277550"/>
+            <a:ext cx="1188269" cy="276999"/>
+          </a:xfrm>
+          <a:prstGeom prst="rect">
+            <a:avLst/>
+          </a:prstGeom>
+        </p:spPr>
+        <p:style>
+          <a:lnRef idx="2">
+            <a:schemeClr val="accent1"/>
+          </a:lnRef>
+          <a:fillRef idx="1">
+            <a:schemeClr val="lt1"/>
+          </a:fillRef>
+          <a:effectRef idx="0">
+            <a:schemeClr val="accent1"/>
+          </a:effectRef>
+          <a:fontRef idx="minor">
+            <a:schemeClr val="dk1"/>
+          </a:fontRef>
+        </p:style>
+        <p:txBody>
+          <a:bodyPr wrap="square" rtlCol="0">
+            <a:spAutoFit/>
+          </a:bodyPr>
+          <a:lstStyle/>
+          <a:p>
+            <a:pPr algn="ctr"/>
+            <a:r>
+              <a:rPr kumimoji="1" lang="en-US" altLang="ko-KR" sz="1200" dirty="0"/>
+              <a:t>3. </a:t>
+            </a:r>
+            <a:r>
+              <a:rPr kumimoji="1" lang="ko-KR" altLang="en-US" sz="1200" dirty="0"/>
+              <a:t>통신</a:t>
+            </a:r>
+            <a:endParaRPr kumimoji="1" lang="en-US" altLang="ko-KR" sz="1200" dirty="0"/>
+          </a:p>
+        </p:txBody>
+      </p:sp>
+      <p:sp>
+        <p:nvSpPr>
+          <p:cNvPr id="65" name="TextBox 64">
+            <a:extLst>
+              <a:ext uri="{FF2B5EF4-FFF2-40B4-BE49-F238E27FC236}">
+                <a16:creationId xmlns:a16="http://schemas.microsoft.com/office/drawing/2014/main" id="{0D522A5B-B83F-6336-1C08-9772FF99A694}"/>
+              </a:ext>
+            </a:extLst>
+          </p:cNvPr>
+          <p:cNvSpPr txBox="1"/>
+          <p:nvPr/>
+        </p:nvSpPr>
+        <p:spPr>
+          <a:xfrm>
+            <a:off x="4485480" y="4475827"/>
+            <a:ext cx="1131339" cy="276999"/>
+          </a:xfrm>
+          <a:prstGeom prst="rect">
+            <a:avLst/>
+          </a:prstGeom>
+        </p:spPr>
+        <p:style>
+          <a:lnRef idx="2">
+            <a:schemeClr val="accent6"/>
+          </a:lnRef>
+          <a:fillRef idx="1">
+            <a:schemeClr val="lt1"/>
+          </a:fillRef>
+          <a:effectRef idx="0">
+            <a:schemeClr val="accent6"/>
+          </a:effectRef>
+          <a:fontRef idx="minor">
+            <a:schemeClr val="dk1"/>
+          </a:fontRef>
+        </p:style>
+        <p:txBody>
+          <a:bodyPr wrap="square" rtlCol="0">
+            <a:spAutoFit/>
+          </a:bodyPr>
+          <a:lstStyle/>
+          <a:p>
+            <a:pPr algn="ctr"/>
+            <a:r>
+              <a:rPr kumimoji="1" lang="en-US" altLang="ko-KR" sz="1200" dirty="0"/>
+              <a:t>1. </a:t>
+            </a:r>
+            <a:r>
+              <a:rPr kumimoji="1" lang="ko-KR" altLang="en-US" sz="1200" dirty="0"/>
+              <a:t>연결</a:t>
+            </a:r>
+            <a:endParaRPr kumimoji="1" lang="ko-Kore-KR" altLang="en-US" sz="1200" dirty="0"/>
+          </a:p>
+        </p:txBody>
+      </p:sp>
+      <p:sp>
+        <p:nvSpPr>
+          <p:cNvPr id="68" name="TextBox 67">
+            <a:extLst>
+              <a:ext uri="{FF2B5EF4-FFF2-40B4-BE49-F238E27FC236}">
+                <a16:creationId xmlns:a16="http://schemas.microsoft.com/office/drawing/2014/main" id="{441873CA-8FD7-19C1-2260-C168582D8922}"/>
+              </a:ext>
+            </a:extLst>
+          </p:cNvPr>
+          <p:cNvSpPr txBox="1"/>
+          <p:nvPr/>
+        </p:nvSpPr>
+        <p:spPr>
+          <a:xfrm>
+            <a:off x="4795800" y="2300274"/>
+            <a:ext cx="1188269" cy="461665"/>
+          </a:xfrm>
+          <a:prstGeom prst="rect">
+            <a:avLst/>
+          </a:prstGeom>
+        </p:spPr>
+        <p:style>
+          <a:lnRef idx="2">
+            <a:schemeClr val="accent5"/>
+          </a:lnRef>
+          <a:fillRef idx="1">
+            <a:schemeClr val="lt1"/>
+          </a:fillRef>
+          <a:effectRef idx="0">
+            <a:schemeClr val="accent5"/>
+          </a:effectRef>
+          <a:fontRef idx="minor">
+            <a:schemeClr val="dk1"/>
+          </a:fontRef>
+        </p:style>
+        <p:txBody>
+          <a:bodyPr wrap="square" rtlCol="0">
+            <a:spAutoFit/>
+          </a:bodyPr>
+          <a:lstStyle/>
+          <a:p>
+            <a:pPr algn="ctr"/>
+            <a:r>
+              <a:rPr kumimoji="1" lang="en-US" altLang="ko-KR" sz="1200" dirty="0"/>
+              <a:t>2.</a:t>
+            </a:r>
+            <a:r>
+              <a:rPr kumimoji="1" lang="ko-KR" altLang="en-US" sz="1200" dirty="0"/>
+              <a:t> 생성</a:t>
+            </a:r>
+            <a:endParaRPr kumimoji="1" lang="en-US" altLang="ko-KR" sz="1200" dirty="0"/>
+          </a:p>
+          <a:p>
+            <a:pPr algn="ctr"/>
+            <a:r>
+              <a:rPr kumimoji="1" lang="en-US" altLang="ko-KR" sz="1200" dirty="0">
+                <a:sym typeface="Wingdings" pitchFamily="2" charset="2"/>
+              </a:rPr>
+              <a:t></a:t>
+            </a:r>
+            <a:r>
+              <a:rPr kumimoji="1" lang="ko-KR" altLang="en-US" sz="1200" dirty="0">
+                <a:sym typeface="Wingdings" pitchFamily="2" charset="2"/>
+              </a:rPr>
+              <a:t> </a:t>
+            </a:r>
+            <a:r>
+              <a:rPr kumimoji="1" lang="en-US" altLang="ko-KR" sz="1200" dirty="0">
+                <a:sym typeface="Wingdings" pitchFamily="2" charset="2"/>
+              </a:rPr>
+              <a:t>start()</a:t>
+            </a:r>
+            <a:endParaRPr kumimoji="1" lang="en-US" altLang="ko-KR" sz="1200" dirty="0"/>
+          </a:p>
+        </p:txBody>
+      </p:sp>
+      <p:sp>
+        <p:nvSpPr>
+          <p:cNvPr id="69" name="TextBox 68">
+            <a:extLst>
+              <a:ext uri="{FF2B5EF4-FFF2-40B4-BE49-F238E27FC236}">
+                <a16:creationId xmlns:a16="http://schemas.microsoft.com/office/drawing/2014/main" id="{5EB7AB15-CE25-368D-C800-E7A4B53102D6}"/>
+              </a:ext>
+            </a:extLst>
+          </p:cNvPr>
+          <p:cNvSpPr txBox="1"/>
+          <p:nvPr/>
+        </p:nvSpPr>
+        <p:spPr>
+          <a:xfrm>
+            <a:off x="6445410" y="2300274"/>
+            <a:ext cx="1188269" cy="461665"/>
+          </a:xfrm>
+          <a:prstGeom prst="rect">
+            <a:avLst/>
+          </a:prstGeom>
+        </p:spPr>
+        <p:style>
+          <a:lnRef idx="2">
+            <a:schemeClr val="accent5"/>
+          </a:lnRef>
+          <a:fillRef idx="1">
+            <a:schemeClr val="lt1"/>
+          </a:fillRef>
+          <a:effectRef idx="0">
+            <a:schemeClr val="accent5"/>
+          </a:effectRef>
+          <a:fontRef idx="minor">
+            <a:schemeClr val="dk1"/>
+          </a:fontRef>
+        </p:style>
+        <p:txBody>
+          <a:bodyPr wrap="square" rtlCol="0">
+            <a:spAutoFit/>
+          </a:bodyPr>
+          <a:lstStyle/>
+          <a:p>
+            <a:pPr algn="ctr"/>
+            <a:r>
+              <a:rPr kumimoji="1" lang="en-US" altLang="ko-KR" sz="1200" dirty="0"/>
+              <a:t>2.</a:t>
+            </a:r>
+            <a:r>
+              <a:rPr kumimoji="1" lang="ko-KR" altLang="en-US" sz="1200" dirty="0"/>
+              <a:t> 생성</a:t>
+            </a:r>
+            <a:endParaRPr kumimoji="1" lang="en-US" altLang="ko-KR" sz="1200" dirty="0"/>
+          </a:p>
+          <a:p>
+            <a:pPr algn="ctr"/>
+            <a:r>
+              <a:rPr kumimoji="1" lang="en-US" altLang="ko-KR" sz="1200" dirty="0">
+                <a:sym typeface="Wingdings" pitchFamily="2" charset="2"/>
+              </a:rPr>
+              <a:t></a:t>
+            </a:r>
+            <a:r>
+              <a:rPr kumimoji="1" lang="ko-KR" altLang="en-US" sz="1200" dirty="0">
+                <a:sym typeface="Wingdings" pitchFamily="2" charset="2"/>
+              </a:rPr>
+              <a:t> </a:t>
+            </a:r>
+            <a:r>
+              <a:rPr kumimoji="1" lang="en-US" altLang="ko-KR" sz="1200" dirty="0">
+                <a:sym typeface="Wingdings" pitchFamily="2" charset="2"/>
+              </a:rPr>
+              <a:t>start()</a:t>
+            </a:r>
+            <a:endParaRPr kumimoji="1" lang="en-US" altLang="ko-KR" sz="1200" dirty="0"/>
+          </a:p>
+        </p:txBody>
+      </p:sp>
+      <p:sp>
+        <p:nvSpPr>
+          <p:cNvPr id="72" name="TextBox 71">
+            <a:extLst>
+              <a:ext uri="{FF2B5EF4-FFF2-40B4-BE49-F238E27FC236}">
+                <a16:creationId xmlns:a16="http://schemas.microsoft.com/office/drawing/2014/main" id="{83F70468-238F-4DCA-BE60-BBAE300926C6}"/>
+              </a:ext>
+            </a:extLst>
+          </p:cNvPr>
+          <p:cNvSpPr txBox="1"/>
+          <p:nvPr/>
+        </p:nvSpPr>
+        <p:spPr>
+          <a:xfrm>
+            <a:off x="7008781" y="3256275"/>
+            <a:ext cx="1188269" cy="461665"/>
+          </a:xfrm>
+          <a:prstGeom prst="rect">
+            <a:avLst/>
+          </a:prstGeom>
+        </p:spPr>
+        <p:style>
+          <a:lnRef idx="2">
+            <a:schemeClr val="accent5"/>
+          </a:lnRef>
+          <a:fillRef idx="1">
+            <a:schemeClr val="lt1"/>
+          </a:fillRef>
+          <a:effectRef idx="0">
+            <a:schemeClr val="accent5"/>
+          </a:effectRef>
+          <a:fontRef idx="minor">
+            <a:schemeClr val="dk1"/>
+          </a:fontRef>
+        </p:style>
+        <p:txBody>
+          <a:bodyPr wrap="square" rtlCol="0">
+            <a:spAutoFit/>
+          </a:bodyPr>
+          <a:lstStyle/>
+          <a:p>
+            <a:pPr algn="ctr"/>
+            <a:r>
+              <a:rPr kumimoji="1" lang="en-US" altLang="ko-KR" sz="1200" dirty="0"/>
+              <a:t>2.</a:t>
+            </a:r>
+            <a:r>
+              <a:rPr kumimoji="1" lang="ko-KR" altLang="en-US" sz="1200" dirty="0"/>
+              <a:t> 생성</a:t>
+            </a:r>
+            <a:endParaRPr kumimoji="1" lang="en-US" altLang="ko-KR" sz="1200" dirty="0"/>
+          </a:p>
+          <a:p>
+            <a:pPr algn="ctr"/>
+            <a:r>
+              <a:rPr kumimoji="1" lang="en-US" altLang="ko-KR" sz="1200" dirty="0">
+                <a:sym typeface="Wingdings" pitchFamily="2" charset="2"/>
+              </a:rPr>
+              <a:t></a:t>
+            </a:r>
+            <a:r>
+              <a:rPr kumimoji="1" lang="ko-KR" altLang="en-US" sz="1200" dirty="0">
+                <a:sym typeface="Wingdings" pitchFamily="2" charset="2"/>
+              </a:rPr>
+              <a:t> </a:t>
+            </a:r>
+            <a:r>
+              <a:rPr kumimoji="1" lang="en-US" altLang="ko-KR" sz="1200" dirty="0">
+                <a:sym typeface="Wingdings" pitchFamily="2" charset="2"/>
+              </a:rPr>
+              <a:t>start()</a:t>
+            </a:r>
+            <a:endParaRPr kumimoji="1" lang="en-US" altLang="ko-KR" sz="1200" dirty="0"/>
+          </a:p>
+        </p:txBody>
+      </p:sp>
     </p:spTree>
     <p:extLst>
       <p:ext uri="{BB962C8B-B14F-4D97-AF65-F5344CB8AC3E}">
@@ -8183,10 +13614,778 @@
           <a:chExt cx="0" cy="0"/>
         </a:xfrm>
       </p:grpSpPr>
+      <p:sp>
+        <p:nvSpPr>
+          <p:cNvPr id="2" name="TextBox 1">
+            <a:extLst>
+              <a:ext uri="{FF2B5EF4-FFF2-40B4-BE49-F238E27FC236}">
+                <a16:creationId xmlns:a16="http://schemas.microsoft.com/office/drawing/2014/main" id="{6A45602B-055E-1EC6-A4E0-C814D7961953}"/>
+              </a:ext>
+            </a:extLst>
+          </p:cNvPr>
+          <p:cNvSpPr txBox="1"/>
+          <p:nvPr/>
+        </p:nvSpPr>
+        <p:spPr>
+          <a:xfrm>
+            <a:off x="2590661" y="1759235"/>
+            <a:ext cx="720000" cy="307777"/>
+          </a:xfrm>
+          <a:prstGeom prst="rect">
+            <a:avLst/>
+          </a:prstGeom>
+        </p:spPr>
+        <p:style>
+          <a:lnRef idx="3">
+            <a:schemeClr val="lt1"/>
+          </a:lnRef>
+          <a:fillRef idx="1">
+            <a:schemeClr val="accent1"/>
+          </a:fillRef>
+          <a:effectRef idx="1">
+            <a:schemeClr val="accent1"/>
+          </a:effectRef>
+          <a:fontRef idx="minor">
+            <a:schemeClr val="lt1"/>
+          </a:fontRef>
+        </p:style>
+        <p:txBody>
+          <a:bodyPr wrap="square" rtlCol="0">
+            <a:spAutoFit/>
+          </a:bodyPr>
+          <a:lstStyle/>
+          <a:p>
+            <a:pPr algn="ctr"/>
+            <a:r>
+              <a:rPr kumimoji="1" lang="en-US" altLang="ko-Kore-KR" sz="1400" dirty="0"/>
+              <a:t>C1</a:t>
+            </a:r>
+            <a:endParaRPr kumimoji="1" lang="ko-Kore-KR" altLang="en-US" sz="1400" dirty="0"/>
+          </a:p>
+        </p:txBody>
+      </p:sp>
+      <p:sp>
+        <p:nvSpPr>
+          <p:cNvPr id="3" name="TextBox 2">
+            <a:extLst>
+              <a:ext uri="{FF2B5EF4-FFF2-40B4-BE49-F238E27FC236}">
+                <a16:creationId xmlns:a16="http://schemas.microsoft.com/office/drawing/2014/main" id="{9BB7B6F9-9EC3-4A7A-4849-BE90B2463015}"/>
+              </a:ext>
+            </a:extLst>
+          </p:cNvPr>
+          <p:cNvSpPr txBox="1"/>
+          <p:nvPr/>
+        </p:nvSpPr>
+        <p:spPr>
+          <a:xfrm>
+            <a:off x="5218790" y="1752885"/>
+            <a:ext cx="720000" cy="307777"/>
+          </a:xfrm>
+          <a:prstGeom prst="rect">
+            <a:avLst/>
+          </a:prstGeom>
+        </p:spPr>
+        <p:style>
+          <a:lnRef idx="3">
+            <a:schemeClr val="lt1"/>
+          </a:lnRef>
+          <a:fillRef idx="1">
+            <a:schemeClr val="accent3"/>
+          </a:fillRef>
+          <a:effectRef idx="1">
+            <a:schemeClr val="accent3"/>
+          </a:effectRef>
+          <a:fontRef idx="minor">
+            <a:schemeClr val="lt1"/>
+          </a:fontRef>
+        </p:style>
+        <p:txBody>
+          <a:bodyPr wrap="square" rtlCol="0">
+            <a:spAutoFit/>
+          </a:bodyPr>
+          <a:lstStyle/>
+          <a:p>
+            <a:pPr algn="ctr"/>
+            <a:r>
+              <a:rPr kumimoji="1" lang="en-US" altLang="ko-Kore-KR" sz="1400" dirty="0"/>
+              <a:t>Server</a:t>
+            </a:r>
+            <a:endParaRPr kumimoji="1" lang="ko-Kore-KR" altLang="en-US" sz="1400" dirty="0"/>
+          </a:p>
+        </p:txBody>
+      </p:sp>
+      <p:cxnSp>
+        <p:nvCxnSpPr>
+          <p:cNvPr id="5" name="구부러진 연결선[U] 4">
+            <a:extLst>
+              <a:ext uri="{FF2B5EF4-FFF2-40B4-BE49-F238E27FC236}">
+                <a16:creationId xmlns:a16="http://schemas.microsoft.com/office/drawing/2014/main" id="{B20A3CE7-C669-F1B4-5B33-B47FAD74AAC5}"/>
+              </a:ext>
+            </a:extLst>
+          </p:cNvPr>
+          <p:cNvCxnSpPr>
+            <a:stCxn id="2" idx="0"/>
+            <a:endCxn id="3" idx="0"/>
+          </p:cNvCxnSpPr>
+          <p:nvPr/>
+        </p:nvCxnSpPr>
+        <p:spPr>
+          <a:xfrm rot="5400000" flipH="1" flipV="1">
+            <a:off x="4261550" y="441996"/>
+            <a:ext cx="6350" cy="2628129"/>
+          </a:xfrm>
+          <a:prstGeom prst="curvedConnector3">
+            <a:avLst>
+              <a:gd name="adj1" fmla="val 3700000"/>
+            </a:avLst>
+          </a:prstGeom>
+          <a:ln>
+            <a:tailEnd type="triangle"/>
+          </a:ln>
+        </p:spPr>
+        <p:style>
+          <a:lnRef idx="3">
+            <a:schemeClr val="accent6"/>
+          </a:lnRef>
+          <a:fillRef idx="0">
+            <a:schemeClr val="accent6"/>
+          </a:fillRef>
+          <a:effectRef idx="2">
+            <a:schemeClr val="accent6"/>
+          </a:effectRef>
+          <a:fontRef idx="minor">
+            <a:schemeClr val="tx1"/>
+          </a:fontRef>
+        </p:style>
+      </p:cxnSp>
+      <p:sp>
+        <p:nvSpPr>
+          <p:cNvPr id="12" name="TextBox 11">
+            <a:extLst>
+              <a:ext uri="{FF2B5EF4-FFF2-40B4-BE49-F238E27FC236}">
+                <a16:creationId xmlns:a16="http://schemas.microsoft.com/office/drawing/2014/main" id="{9D8AE6AD-FE12-1E6A-2E4D-491F1E0780A7}"/>
+              </a:ext>
+            </a:extLst>
+          </p:cNvPr>
+          <p:cNvSpPr txBox="1"/>
+          <p:nvPr/>
+        </p:nvSpPr>
+        <p:spPr>
+          <a:xfrm>
+            <a:off x="7846920" y="1759235"/>
+            <a:ext cx="720000" cy="307777"/>
+          </a:xfrm>
+          <a:prstGeom prst="rect">
+            <a:avLst/>
+          </a:prstGeom>
+        </p:spPr>
+        <p:style>
+          <a:lnRef idx="3">
+            <a:schemeClr val="lt1"/>
+          </a:lnRef>
+          <a:fillRef idx="1">
+            <a:schemeClr val="accent1"/>
+          </a:fillRef>
+          <a:effectRef idx="1">
+            <a:schemeClr val="accent1"/>
+          </a:effectRef>
+          <a:fontRef idx="minor">
+            <a:schemeClr val="lt1"/>
+          </a:fontRef>
+        </p:style>
+        <p:txBody>
+          <a:bodyPr wrap="square" rtlCol="0">
+            <a:spAutoFit/>
+          </a:bodyPr>
+          <a:lstStyle/>
+          <a:p>
+            <a:pPr algn="ctr"/>
+            <a:r>
+              <a:rPr kumimoji="1" lang="en-US" altLang="ko-Kore-KR" sz="1400" dirty="0"/>
+              <a:t>C3</a:t>
+            </a:r>
+            <a:endParaRPr kumimoji="1" lang="ko-Kore-KR" altLang="en-US" sz="1400" dirty="0"/>
+          </a:p>
+        </p:txBody>
+      </p:sp>
+      <p:cxnSp>
+        <p:nvCxnSpPr>
+          <p:cNvPr id="13" name="구부러진 연결선[U] 12">
+            <a:extLst>
+              <a:ext uri="{FF2B5EF4-FFF2-40B4-BE49-F238E27FC236}">
+                <a16:creationId xmlns:a16="http://schemas.microsoft.com/office/drawing/2014/main" id="{3052F069-2881-3229-11F2-4C9A43B8792C}"/>
+              </a:ext>
+            </a:extLst>
+          </p:cNvPr>
+          <p:cNvCxnSpPr>
+            <a:cxnSpLocks/>
+            <a:stCxn id="12" idx="0"/>
+            <a:endCxn id="3" idx="0"/>
+          </p:cNvCxnSpPr>
+          <p:nvPr/>
+        </p:nvCxnSpPr>
+        <p:spPr>
+          <a:xfrm rot="16200000" flipV="1">
+            <a:off x="6889680" y="441995"/>
+            <a:ext cx="6350" cy="2628130"/>
+          </a:xfrm>
+          <a:prstGeom prst="curvedConnector3">
+            <a:avLst>
+              <a:gd name="adj1" fmla="val 3700000"/>
+            </a:avLst>
+          </a:prstGeom>
+          <a:ln>
+            <a:tailEnd type="triangle"/>
+          </a:ln>
+        </p:spPr>
+        <p:style>
+          <a:lnRef idx="3">
+            <a:schemeClr val="accent6"/>
+          </a:lnRef>
+          <a:fillRef idx="0">
+            <a:schemeClr val="accent6"/>
+          </a:fillRef>
+          <a:effectRef idx="2">
+            <a:schemeClr val="accent6"/>
+          </a:effectRef>
+          <a:fontRef idx="minor">
+            <a:schemeClr val="tx1"/>
+          </a:fontRef>
+        </p:style>
+      </p:cxnSp>
+      <p:sp>
+        <p:nvSpPr>
+          <p:cNvPr id="20" name="TextBox 19">
+            <a:extLst>
+              <a:ext uri="{FF2B5EF4-FFF2-40B4-BE49-F238E27FC236}">
+                <a16:creationId xmlns:a16="http://schemas.microsoft.com/office/drawing/2014/main" id="{F37C69E9-4598-8617-6DE2-B4D9D5E39156}"/>
+              </a:ext>
+            </a:extLst>
+          </p:cNvPr>
+          <p:cNvSpPr txBox="1"/>
+          <p:nvPr/>
+        </p:nvSpPr>
+        <p:spPr>
+          <a:xfrm>
+            <a:off x="5249157" y="4364934"/>
+            <a:ext cx="720000" cy="307777"/>
+          </a:xfrm>
+          <a:prstGeom prst="rect">
+            <a:avLst/>
+          </a:prstGeom>
+        </p:spPr>
+        <p:style>
+          <a:lnRef idx="3">
+            <a:schemeClr val="lt1"/>
+          </a:lnRef>
+          <a:fillRef idx="1">
+            <a:schemeClr val="accent1"/>
+          </a:fillRef>
+          <a:effectRef idx="1">
+            <a:schemeClr val="accent1"/>
+          </a:effectRef>
+          <a:fontRef idx="minor">
+            <a:schemeClr val="lt1"/>
+          </a:fontRef>
+        </p:style>
+        <p:txBody>
+          <a:bodyPr wrap="square" rtlCol="0">
+            <a:spAutoFit/>
+          </a:bodyPr>
+          <a:lstStyle/>
+          <a:p>
+            <a:pPr algn="ctr"/>
+            <a:r>
+              <a:rPr kumimoji="1" lang="en-US" altLang="ko-Kore-KR" sz="1400" dirty="0"/>
+              <a:t>C2</a:t>
+            </a:r>
+            <a:endParaRPr kumimoji="1" lang="ko-Kore-KR" altLang="en-US" sz="1400" dirty="0"/>
+          </a:p>
+        </p:txBody>
+      </p:sp>
+      <p:cxnSp>
+        <p:nvCxnSpPr>
+          <p:cNvPr id="21" name="구부러진 연결선[U] 20">
+            <a:extLst>
+              <a:ext uri="{FF2B5EF4-FFF2-40B4-BE49-F238E27FC236}">
+                <a16:creationId xmlns:a16="http://schemas.microsoft.com/office/drawing/2014/main" id="{69AB77A2-6628-B7E8-9FAD-31181577A80B}"/>
+              </a:ext>
+            </a:extLst>
+          </p:cNvPr>
+          <p:cNvCxnSpPr>
+            <a:cxnSpLocks/>
+            <a:stCxn id="20" idx="1"/>
+            <a:endCxn id="3" idx="1"/>
+          </p:cNvCxnSpPr>
+          <p:nvPr/>
+        </p:nvCxnSpPr>
+        <p:spPr>
+          <a:xfrm rot="10800000">
+            <a:off x="5218791" y="1906775"/>
+            <a:ext cx="30367" cy="2612049"/>
+          </a:xfrm>
+          <a:prstGeom prst="curvedConnector3">
+            <a:avLst>
+              <a:gd name="adj1" fmla="val 852791"/>
+            </a:avLst>
+          </a:prstGeom>
+          <a:ln>
+            <a:tailEnd type="triangle"/>
+          </a:ln>
+        </p:spPr>
+        <p:style>
+          <a:lnRef idx="3">
+            <a:schemeClr val="accent6"/>
+          </a:lnRef>
+          <a:fillRef idx="0">
+            <a:schemeClr val="accent6"/>
+          </a:fillRef>
+          <a:effectRef idx="2">
+            <a:schemeClr val="accent6"/>
+          </a:effectRef>
+          <a:fontRef idx="minor">
+            <a:schemeClr val="tx1"/>
+          </a:fontRef>
+        </p:style>
+      </p:cxnSp>
+      <p:sp>
+        <p:nvSpPr>
+          <p:cNvPr id="29" name="하트[H] 28">
+            <a:extLst>
+              <a:ext uri="{FF2B5EF4-FFF2-40B4-BE49-F238E27FC236}">
+                <a16:creationId xmlns:a16="http://schemas.microsoft.com/office/drawing/2014/main" id="{79A18BB8-6B89-16B9-7317-82A9219D2E25}"/>
+              </a:ext>
+            </a:extLst>
+          </p:cNvPr>
+          <p:cNvSpPr/>
+          <p:nvPr/>
+        </p:nvSpPr>
+        <p:spPr>
+          <a:xfrm>
+            <a:off x="3881872" y="2231605"/>
+            <a:ext cx="478666" cy="478666"/>
+          </a:xfrm>
+          <a:prstGeom prst="heart">
+            <a:avLst/>
+          </a:prstGeom>
+          <a:solidFill>
+            <a:srgbClr val="FDA9F7"/>
+          </a:solidFill>
+          <a:ln>
+            <a:solidFill>
+              <a:srgbClr val="FDA9F7"/>
+            </a:solidFill>
+          </a:ln>
+        </p:spPr>
+        <p:style>
+          <a:lnRef idx="2">
+            <a:schemeClr val="accent1">
+              <a:shade val="50000"/>
+            </a:schemeClr>
+          </a:lnRef>
+          <a:fillRef idx="1">
+            <a:schemeClr val="accent1"/>
+          </a:fillRef>
+          <a:effectRef idx="0">
+            <a:schemeClr val="accent1"/>
+          </a:effectRef>
+          <a:fontRef idx="minor">
+            <a:schemeClr val="lt1"/>
+          </a:fontRef>
+        </p:style>
+        <p:txBody>
+          <a:bodyPr rtlCol="0" anchor="ctr"/>
+          <a:lstStyle/>
+          <a:p>
+            <a:pPr algn="ctr"/>
+            <a:r>
+              <a:rPr kumimoji="1" lang="en-US" altLang="ko-Kore-KR" dirty="0"/>
+              <a:t>T</a:t>
+            </a:r>
+            <a:endParaRPr kumimoji="1" lang="ko-Kore-KR" altLang="en-US" dirty="0"/>
+          </a:p>
+        </p:txBody>
+      </p:sp>
+      <p:sp>
+        <p:nvSpPr>
+          <p:cNvPr id="30" name="하트[H] 29">
+            <a:extLst>
+              <a:ext uri="{FF2B5EF4-FFF2-40B4-BE49-F238E27FC236}">
+                <a16:creationId xmlns:a16="http://schemas.microsoft.com/office/drawing/2014/main" id="{36244BD6-F195-E257-1D2D-E1463CBED79B}"/>
+              </a:ext>
+            </a:extLst>
+          </p:cNvPr>
+          <p:cNvSpPr/>
+          <p:nvPr/>
+        </p:nvSpPr>
+        <p:spPr>
+          <a:xfrm>
+            <a:off x="6125546" y="2950334"/>
+            <a:ext cx="478666" cy="478666"/>
+          </a:xfrm>
+          <a:prstGeom prst="heart">
+            <a:avLst/>
+          </a:prstGeom>
+          <a:solidFill>
+            <a:srgbClr val="FDA9F7"/>
+          </a:solidFill>
+          <a:ln>
+            <a:solidFill>
+              <a:srgbClr val="FDA9F7"/>
+            </a:solidFill>
+          </a:ln>
+        </p:spPr>
+        <p:style>
+          <a:lnRef idx="2">
+            <a:schemeClr val="accent1">
+              <a:shade val="50000"/>
+            </a:schemeClr>
+          </a:lnRef>
+          <a:fillRef idx="1">
+            <a:schemeClr val="accent1"/>
+          </a:fillRef>
+          <a:effectRef idx="0">
+            <a:schemeClr val="accent1"/>
+          </a:effectRef>
+          <a:fontRef idx="minor">
+            <a:schemeClr val="lt1"/>
+          </a:fontRef>
+        </p:style>
+        <p:txBody>
+          <a:bodyPr rtlCol="0" anchor="ctr"/>
+          <a:lstStyle/>
+          <a:p>
+            <a:pPr algn="ctr"/>
+            <a:r>
+              <a:rPr kumimoji="1" lang="en-US" altLang="ko-Kore-KR" dirty="0"/>
+              <a:t>T</a:t>
+            </a:r>
+            <a:endParaRPr kumimoji="1" lang="ko-Kore-KR" altLang="en-US" dirty="0"/>
+          </a:p>
+        </p:txBody>
+      </p:sp>
+      <p:cxnSp>
+        <p:nvCxnSpPr>
+          <p:cNvPr id="39" name="구부러진 연결선[U] 38">
+            <a:extLst>
+              <a:ext uri="{FF2B5EF4-FFF2-40B4-BE49-F238E27FC236}">
+                <a16:creationId xmlns:a16="http://schemas.microsoft.com/office/drawing/2014/main" id="{CD68B47A-1E75-B9CA-E6AC-19D3FEDCF1BC}"/>
+              </a:ext>
+            </a:extLst>
+          </p:cNvPr>
+          <p:cNvCxnSpPr>
+            <a:cxnSpLocks/>
+            <a:stCxn id="2" idx="2"/>
+          </p:cNvCxnSpPr>
+          <p:nvPr/>
+        </p:nvCxnSpPr>
+        <p:spPr>
+          <a:xfrm rot="16200000" flipH="1">
+            <a:off x="3235161" y="1782511"/>
+            <a:ext cx="426055" cy="995055"/>
+          </a:xfrm>
+          <a:prstGeom prst="curvedConnector2">
+            <a:avLst/>
+          </a:prstGeom>
+          <a:ln>
+            <a:headEnd type="triangle"/>
+            <a:tailEnd type="triangle"/>
+          </a:ln>
+        </p:spPr>
+        <p:style>
+          <a:lnRef idx="3">
+            <a:schemeClr val="accent1"/>
+          </a:lnRef>
+          <a:fillRef idx="0">
+            <a:schemeClr val="accent1"/>
+          </a:fillRef>
+          <a:effectRef idx="2">
+            <a:schemeClr val="accent1"/>
+          </a:effectRef>
+          <a:fontRef idx="minor">
+            <a:schemeClr val="tx1"/>
+          </a:fontRef>
+        </p:style>
+      </p:cxnSp>
+      <p:cxnSp>
+        <p:nvCxnSpPr>
+          <p:cNvPr id="40" name="구부러진 연결선[U] 39">
+            <a:extLst>
+              <a:ext uri="{FF2B5EF4-FFF2-40B4-BE49-F238E27FC236}">
+                <a16:creationId xmlns:a16="http://schemas.microsoft.com/office/drawing/2014/main" id="{1769A499-0574-875D-37DE-64796B985DAA}"/>
+              </a:ext>
+            </a:extLst>
+          </p:cNvPr>
+          <p:cNvCxnSpPr>
+            <a:cxnSpLocks/>
+            <a:endCxn id="3" idx="2"/>
+          </p:cNvCxnSpPr>
+          <p:nvPr/>
+        </p:nvCxnSpPr>
+        <p:spPr>
+          <a:xfrm flipV="1">
+            <a:off x="4336864" y="2060662"/>
+            <a:ext cx="1241926" cy="432405"/>
+          </a:xfrm>
+          <a:prstGeom prst="curvedConnector2">
+            <a:avLst/>
+          </a:prstGeom>
+          <a:ln>
+            <a:headEnd type="triangle"/>
+            <a:tailEnd type="triangle"/>
+          </a:ln>
+        </p:spPr>
+        <p:style>
+          <a:lnRef idx="2">
+            <a:schemeClr val="accent5"/>
+          </a:lnRef>
+          <a:fillRef idx="1">
+            <a:schemeClr val="lt1"/>
+          </a:fillRef>
+          <a:effectRef idx="0">
+            <a:schemeClr val="accent5"/>
+          </a:effectRef>
+          <a:fontRef idx="minor">
+            <a:schemeClr val="dk1"/>
+          </a:fontRef>
+        </p:style>
+      </p:cxnSp>
+      <p:cxnSp>
+        <p:nvCxnSpPr>
+          <p:cNvPr id="49" name="구부러진 연결선[U] 48">
+            <a:extLst>
+              <a:ext uri="{FF2B5EF4-FFF2-40B4-BE49-F238E27FC236}">
+                <a16:creationId xmlns:a16="http://schemas.microsoft.com/office/drawing/2014/main" id="{8950B4A0-546E-0FCC-8FB9-9BC135ADACB0}"/>
+              </a:ext>
+            </a:extLst>
+          </p:cNvPr>
+          <p:cNvCxnSpPr>
+            <a:cxnSpLocks/>
+            <a:stCxn id="30" idx="0"/>
+            <a:endCxn id="3" idx="3"/>
+          </p:cNvCxnSpPr>
+          <p:nvPr/>
+        </p:nvCxnSpPr>
+        <p:spPr>
+          <a:xfrm rot="16200000" flipV="1">
+            <a:off x="5570222" y="2275343"/>
+            <a:ext cx="1163227" cy="426089"/>
+          </a:xfrm>
+          <a:prstGeom prst="curvedConnector2">
+            <a:avLst/>
+          </a:prstGeom>
+          <a:ln>
+            <a:headEnd type="triangle"/>
+            <a:tailEnd type="triangle"/>
+          </a:ln>
+        </p:spPr>
+        <p:style>
+          <a:lnRef idx="2">
+            <a:schemeClr val="accent5"/>
+          </a:lnRef>
+          <a:fillRef idx="1">
+            <a:schemeClr val="lt1"/>
+          </a:fillRef>
+          <a:effectRef idx="0">
+            <a:schemeClr val="accent5"/>
+          </a:effectRef>
+          <a:fontRef idx="minor">
+            <a:schemeClr val="dk1"/>
+          </a:fontRef>
+        </p:style>
+      </p:cxnSp>
+      <p:cxnSp>
+        <p:nvCxnSpPr>
+          <p:cNvPr id="4" name="구부러진 연결선[U] 3">
+            <a:extLst>
+              <a:ext uri="{FF2B5EF4-FFF2-40B4-BE49-F238E27FC236}">
+                <a16:creationId xmlns:a16="http://schemas.microsoft.com/office/drawing/2014/main" id="{3F202651-CD42-DF6B-C43D-A204B1D87539}"/>
+              </a:ext>
+            </a:extLst>
+          </p:cNvPr>
+          <p:cNvCxnSpPr>
+            <a:cxnSpLocks/>
+            <a:stCxn id="20" idx="3"/>
+            <a:endCxn id="30" idx="1"/>
+          </p:cNvCxnSpPr>
+          <p:nvPr/>
+        </p:nvCxnSpPr>
+        <p:spPr>
+          <a:xfrm flipV="1">
+            <a:off x="5969157" y="3429000"/>
+            <a:ext cx="395722" cy="1089823"/>
+          </a:xfrm>
+          <a:prstGeom prst="curvedConnector2">
+            <a:avLst/>
+          </a:prstGeom>
+          <a:ln>
+            <a:headEnd type="triangle"/>
+            <a:tailEnd type="triangle"/>
+          </a:ln>
+        </p:spPr>
+        <p:style>
+          <a:lnRef idx="2">
+            <a:schemeClr val="accent5"/>
+          </a:lnRef>
+          <a:fillRef idx="1">
+            <a:schemeClr val="lt1"/>
+          </a:fillRef>
+          <a:effectRef idx="0">
+            <a:schemeClr val="accent5"/>
+          </a:effectRef>
+          <a:fontRef idx="minor">
+            <a:schemeClr val="dk1"/>
+          </a:fontRef>
+        </p:style>
+      </p:cxnSp>
+      <p:sp>
+        <p:nvSpPr>
+          <p:cNvPr id="16" name="하트[H] 15">
+            <a:extLst>
+              <a:ext uri="{FF2B5EF4-FFF2-40B4-BE49-F238E27FC236}">
+                <a16:creationId xmlns:a16="http://schemas.microsoft.com/office/drawing/2014/main" id="{851427B5-EFDC-5156-14A2-1DAD4F91ECC9}"/>
+              </a:ext>
+            </a:extLst>
+          </p:cNvPr>
+          <p:cNvSpPr/>
+          <p:nvPr/>
+        </p:nvSpPr>
+        <p:spPr>
+          <a:xfrm>
+            <a:off x="6764493" y="2231605"/>
+            <a:ext cx="478666" cy="478666"/>
+          </a:xfrm>
+          <a:prstGeom prst="heart">
+            <a:avLst/>
+          </a:prstGeom>
+          <a:solidFill>
+            <a:srgbClr val="FDA9F7"/>
+          </a:solidFill>
+          <a:ln>
+            <a:solidFill>
+              <a:srgbClr val="FDA9F7"/>
+            </a:solidFill>
+          </a:ln>
+        </p:spPr>
+        <p:style>
+          <a:lnRef idx="2">
+            <a:schemeClr val="accent1">
+              <a:shade val="50000"/>
+            </a:schemeClr>
+          </a:lnRef>
+          <a:fillRef idx="1">
+            <a:schemeClr val="accent1"/>
+          </a:fillRef>
+          <a:effectRef idx="0">
+            <a:schemeClr val="accent1"/>
+          </a:effectRef>
+          <a:fontRef idx="minor">
+            <a:schemeClr val="lt1"/>
+          </a:fontRef>
+        </p:style>
+        <p:txBody>
+          <a:bodyPr rtlCol="0" anchor="ctr"/>
+          <a:lstStyle/>
+          <a:p>
+            <a:pPr algn="ctr"/>
+            <a:r>
+              <a:rPr kumimoji="1" lang="en-US" altLang="ko-Kore-KR" dirty="0"/>
+              <a:t>T</a:t>
+            </a:r>
+            <a:endParaRPr kumimoji="1" lang="ko-Kore-KR" altLang="en-US" dirty="0"/>
+          </a:p>
+        </p:txBody>
+      </p:sp>
+      <p:cxnSp>
+        <p:nvCxnSpPr>
+          <p:cNvPr id="17" name="구부러진 연결선[U] 16">
+            <a:extLst>
+              <a:ext uri="{FF2B5EF4-FFF2-40B4-BE49-F238E27FC236}">
+                <a16:creationId xmlns:a16="http://schemas.microsoft.com/office/drawing/2014/main" id="{9C6D593D-55E4-CA99-51F9-0BDF9517656A}"/>
+              </a:ext>
+            </a:extLst>
+          </p:cNvPr>
+          <p:cNvCxnSpPr>
+            <a:cxnSpLocks/>
+            <a:stCxn id="3" idx="2"/>
+          </p:cNvCxnSpPr>
+          <p:nvPr/>
+        </p:nvCxnSpPr>
+        <p:spPr>
+          <a:xfrm rot="16200000" flipH="1">
+            <a:off x="5987361" y="1652091"/>
+            <a:ext cx="432404" cy="1249546"/>
+          </a:xfrm>
+          <a:prstGeom prst="curvedConnector2">
+            <a:avLst/>
+          </a:prstGeom>
+          <a:ln>
+            <a:headEnd type="triangle"/>
+            <a:tailEnd type="triangle"/>
+          </a:ln>
+        </p:spPr>
+        <p:style>
+          <a:lnRef idx="3">
+            <a:schemeClr val="accent1"/>
+          </a:lnRef>
+          <a:fillRef idx="0">
+            <a:schemeClr val="accent1"/>
+          </a:fillRef>
+          <a:effectRef idx="2">
+            <a:schemeClr val="accent1"/>
+          </a:effectRef>
+          <a:fontRef idx="minor">
+            <a:schemeClr val="tx1"/>
+          </a:fontRef>
+        </p:style>
+      </p:cxnSp>
+      <p:cxnSp>
+        <p:nvCxnSpPr>
+          <p:cNvPr id="18" name="구부러진 연결선[U] 17">
+            <a:extLst>
+              <a:ext uri="{FF2B5EF4-FFF2-40B4-BE49-F238E27FC236}">
+                <a16:creationId xmlns:a16="http://schemas.microsoft.com/office/drawing/2014/main" id="{85A2C794-DDD7-5B13-5AB9-A9B87A92735B}"/>
+              </a:ext>
+            </a:extLst>
+          </p:cNvPr>
+          <p:cNvCxnSpPr>
+            <a:cxnSpLocks/>
+            <a:endCxn id="12" idx="2"/>
+          </p:cNvCxnSpPr>
+          <p:nvPr/>
+        </p:nvCxnSpPr>
+        <p:spPr>
+          <a:xfrm flipV="1">
+            <a:off x="7219485" y="2067012"/>
+            <a:ext cx="987435" cy="426055"/>
+          </a:xfrm>
+          <a:prstGeom prst="curvedConnector2">
+            <a:avLst/>
+          </a:prstGeom>
+          <a:ln>
+            <a:headEnd type="triangle"/>
+            <a:tailEnd type="triangle"/>
+          </a:ln>
+        </p:spPr>
+        <p:style>
+          <a:lnRef idx="2">
+            <a:schemeClr val="accent5"/>
+          </a:lnRef>
+          <a:fillRef idx="1">
+            <a:schemeClr val="lt1"/>
+          </a:fillRef>
+          <a:effectRef idx="0">
+            <a:schemeClr val="accent5"/>
+          </a:effectRef>
+          <a:fontRef idx="minor">
+            <a:schemeClr val="dk1"/>
+          </a:fontRef>
+        </p:style>
+      </p:cxnSp>
     </p:spTree>
     <p:extLst>
       <p:ext uri="{BB962C8B-B14F-4D97-AF65-F5344CB8AC3E}">
-        <p14:creationId xmlns:p14="http://schemas.microsoft.com/office/powerpoint/2010/main" val="3519105750"/>
+        <p14:creationId xmlns:p14="http://schemas.microsoft.com/office/powerpoint/2010/main" val="2953920824"/>
       </p:ext>
     </p:extLst>
   </p:cSld>
@@ -8213,10 +14412,1152 @@
           <a:chExt cx="0" cy="0"/>
         </a:xfrm>
       </p:grpSpPr>
+      <p:sp>
+        <p:nvSpPr>
+          <p:cNvPr id="2" name="직사각형 1">
+            <a:extLst>
+              <a:ext uri="{FF2B5EF4-FFF2-40B4-BE49-F238E27FC236}">
+                <a16:creationId xmlns:a16="http://schemas.microsoft.com/office/drawing/2014/main" id="{BC4C492D-F07F-EF8F-049E-3BD179BE80F0}"/>
+              </a:ext>
+            </a:extLst>
+          </p:cNvPr>
+          <p:cNvSpPr/>
+          <p:nvPr/>
+        </p:nvSpPr>
+        <p:spPr>
+          <a:xfrm>
+            <a:off x="3103417" y="3768437"/>
+            <a:ext cx="5292427" cy="678872"/>
+          </a:xfrm>
+          <a:prstGeom prst="rect">
+            <a:avLst/>
+          </a:prstGeom>
+        </p:spPr>
+        <p:style>
+          <a:lnRef idx="2">
+            <a:schemeClr val="accent1">
+              <a:shade val="50000"/>
+            </a:schemeClr>
+          </a:lnRef>
+          <a:fillRef idx="1">
+            <a:schemeClr val="accent1"/>
+          </a:fillRef>
+          <a:effectRef idx="0">
+            <a:schemeClr val="accent1"/>
+          </a:effectRef>
+          <a:fontRef idx="minor">
+            <a:schemeClr val="lt1"/>
+          </a:fontRef>
+        </p:style>
+        <p:txBody>
+          <a:bodyPr rtlCol="0" anchor="ctr"/>
+          <a:lstStyle/>
+          <a:p>
+            <a:pPr algn="ctr"/>
+            <a:r>
+              <a:rPr kumimoji="1" lang="en-US" altLang="ko-Kore-KR" dirty="0"/>
+              <a:t>OS</a:t>
+            </a:r>
+            <a:endParaRPr kumimoji="1" lang="ko-Kore-KR" altLang="en-US" dirty="0"/>
+          </a:p>
+        </p:txBody>
+      </p:sp>
+      <p:sp>
+        <p:nvSpPr>
+          <p:cNvPr id="3" name="직사각형 2">
+            <a:extLst>
+              <a:ext uri="{FF2B5EF4-FFF2-40B4-BE49-F238E27FC236}">
+                <a16:creationId xmlns:a16="http://schemas.microsoft.com/office/drawing/2014/main" id="{72E6FA06-465F-B693-507E-DBBC7DFB4F58}"/>
+              </a:ext>
+            </a:extLst>
+          </p:cNvPr>
+          <p:cNvSpPr/>
+          <p:nvPr/>
+        </p:nvSpPr>
+        <p:spPr>
+          <a:xfrm>
+            <a:off x="3075709" y="2438400"/>
+            <a:ext cx="1565564" cy="803564"/>
+          </a:xfrm>
+          <a:prstGeom prst="rect">
+            <a:avLst/>
+          </a:prstGeom>
+        </p:spPr>
+        <p:style>
+          <a:lnRef idx="2">
+            <a:schemeClr val="accent1">
+              <a:shade val="50000"/>
+            </a:schemeClr>
+          </a:lnRef>
+          <a:fillRef idx="1">
+            <a:schemeClr val="accent1"/>
+          </a:fillRef>
+          <a:effectRef idx="0">
+            <a:schemeClr val="accent1"/>
+          </a:effectRef>
+          <a:fontRef idx="minor">
+            <a:schemeClr val="lt1"/>
+          </a:fontRef>
+        </p:style>
+        <p:txBody>
+          <a:bodyPr rtlCol="0" anchor="ctr"/>
+          <a:lstStyle/>
+          <a:p>
+            <a:pPr algn="ctr"/>
+            <a:r>
+              <a:rPr kumimoji="1" lang="en-US" altLang="ko-Kore-KR" dirty="0"/>
+              <a:t>App</a:t>
+            </a:r>
+            <a:endParaRPr kumimoji="1" lang="ko-Kore-KR" altLang="en-US" dirty="0"/>
+          </a:p>
+        </p:txBody>
+      </p:sp>
+      <p:sp>
+        <p:nvSpPr>
+          <p:cNvPr id="4" name="직사각형 3">
+            <a:extLst>
+              <a:ext uri="{FF2B5EF4-FFF2-40B4-BE49-F238E27FC236}">
+                <a16:creationId xmlns:a16="http://schemas.microsoft.com/office/drawing/2014/main" id="{AFCCD2B2-4027-2E9A-44A4-64550C0DB707}"/>
+              </a:ext>
+            </a:extLst>
+          </p:cNvPr>
+          <p:cNvSpPr/>
+          <p:nvPr/>
+        </p:nvSpPr>
+        <p:spPr>
+          <a:xfrm>
+            <a:off x="4966849" y="2438400"/>
+            <a:ext cx="1565564" cy="803564"/>
+          </a:xfrm>
+          <a:prstGeom prst="rect">
+            <a:avLst/>
+          </a:prstGeom>
+        </p:spPr>
+        <p:style>
+          <a:lnRef idx="2">
+            <a:schemeClr val="accent1">
+              <a:shade val="50000"/>
+            </a:schemeClr>
+          </a:lnRef>
+          <a:fillRef idx="1">
+            <a:schemeClr val="accent1"/>
+          </a:fillRef>
+          <a:effectRef idx="0">
+            <a:schemeClr val="accent1"/>
+          </a:effectRef>
+          <a:fontRef idx="minor">
+            <a:schemeClr val="lt1"/>
+          </a:fontRef>
+        </p:style>
+        <p:txBody>
+          <a:bodyPr rtlCol="0" anchor="ctr"/>
+          <a:lstStyle/>
+          <a:p>
+            <a:pPr algn="ctr"/>
+            <a:r>
+              <a:rPr kumimoji="1" lang="en-US" altLang="ko-Kore-KR" dirty="0"/>
+              <a:t>JVM</a:t>
+            </a:r>
+            <a:endParaRPr kumimoji="1" lang="ko-Kore-KR" altLang="en-US" dirty="0"/>
+          </a:p>
+        </p:txBody>
+      </p:sp>
+      <p:sp>
+        <p:nvSpPr>
+          <p:cNvPr id="5" name="직사각형 4">
+            <a:extLst>
+              <a:ext uri="{FF2B5EF4-FFF2-40B4-BE49-F238E27FC236}">
+                <a16:creationId xmlns:a16="http://schemas.microsoft.com/office/drawing/2014/main" id="{43F8A7ED-EC81-CB23-6FE5-714DEF5EA415}"/>
+              </a:ext>
+            </a:extLst>
+          </p:cNvPr>
+          <p:cNvSpPr/>
+          <p:nvPr/>
+        </p:nvSpPr>
+        <p:spPr>
+          <a:xfrm>
+            <a:off x="4966849" y="1108363"/>
+            <a:ext cx="1565564" cy="803564"/>
+          </a:xfrm>
+          <a:prstGeom prst="rect">
+            <a:avLst/>
+          </a:prstGeom>
+        </p:spPr>
+        <p:style>
+          <a:lnRef idx="2">
+            <a:schemeClr val="accent1">
+              <a:shade val="50000"/>
+            </a:schemeClr>
+          </a:lnRef>
+          <a:fillRef idx="1">
+            <a:schemeClr val="accent1"/>
+          </a:fillRef>
+          <a:effectRef idx="0">
+            <a:schemeClr val="accent1"/>
+          </a:effectRef>
+          <a:fontRef idx="minor">
+            <a:schemeClr val="lt1"/>
+          </a:fontRef>
+        </p:style>
+        <p:txBody>
+          <a:bodyPr rtlCol="0" anchor="ctr"/>
+          <a:lstStyle/>
+          <a:p>
+            <a:pPr algn="ctr"/>
+            <a:r>
+              <a:rPr kumimoji="1" lang="en-US" altLang="ko-Kore-KR" dirty="0"/>
+              <a:t>Java</a:t>
+            </a:r>
+          </a:p>
+          <a:p>
+            <a:pPr algn="ctr"/>
+            <a:r>
+              <a:rPr kumimoji="1" lang="en-US" altLang="ko-Kore-KR" dirty="0"/>
+              <a:t>App</a:t>
+            </a:r>
+            <a:endParaRPr kumimoji="1" lang="ko-Kore-KR" altLang="en-US" dirty="0"/>
+          </a:p>
+        </p:txBody>
+      </p:sp>
+      <p:sp>
+        <p:nvSpPr>
+          <p:cNvPr id="6" name="직사각형 5">
+            <a:extLst>
+              <a:ext uri="{FF2B5EF4-FFF2-40B4-BE49-F238E27FC236}">
+                <a16:creationId xmlns:a16="http://schemas.microsoft.com/office/drawing/2014/main" id="{1DEFA46D-D6FE-5BCF-0F41-9B89114B881A}"/>
+              </a:ext>
+            </a:extLst>
+          </p:cNvPr>
+          <p:cNvSpPr/>
+          <p:nvPr/>
+        </p:nvSpPr>
+        <p:spPr>
+          <a:xfrm>
+            <a:off x="3103418" y="4572002"/>
+            <a:ext cx="928255" cy="526472"/>
+          </a:xfrm>
+          <a:prstGeom prst="rect">
+            <a:avLst/>
+          </a:prstGeom>
+        </p:spPr>
+        <p:style>
+          <a:lnRef idx="2">
+            <a:schemeClr val="accent1">
+              <a:shade val="50000"/>
+            </a:schemeClr>
+          </a:lnRef>
+          <a:fillRef idx="1">
+            <a:schemeClr val="accent1"/>
+          </a:fillRef>
+          <a:effectRef idx="0">
+            <a:schemeClr val="accent1"/>
+          </a:effectRef>
+          <a:fontRef idx="minor">
+            <a:schemeClr val="lt1"/>
+          </a:fontRef>
+        </p:style>
+        <p:txBody>
+          <a:bodyPr rtlCol="0" anchor="ctr"/>
+          <a:lstStyle/>
+          <a:p>
+            <a:pPr algn="ctr"/>
+            <a:r>
+              <a:rPr kumimoji="1" lang="ko-Kore-KR" altLang="en-US" dirty="0"/>
+              <a:t>모니터</a:t>
+            </a:r>
+          </a:p>
+        </p:txBody>
+      </p:sp>
+      <p:sp>
+        <p:nvSpPr>
+          <p:cNvPr id="7" name="직사각형 6">
+            <a:extLst>
+              <a:ext uri="{FF2B5EF4-FFF2-40B4-BE49-F238E27FC236}">
+                <a16:creationId xmlns:a16="http://schemas.microsoft.com/office/drawing/2014/main" id="{48177E83-FD60-20B4-A8B8-C632526AF429}"/>
+              </a:ext>
+            </a:extLst>
+          </p:cNvPr>
+          <p:cNvSpPr/>
+          <p:nvPr/>
+        </p:nvSpPr>
+        <p:spPr>
+          <a:xfrm>
+            <a:off x="5167746" y="4572002"/>
+            <a:ext cx="928255" cy="526472"/>
+          </a:xfrm>
+          <a:prstGeom prst="rect">
+            <a:avLst/>
+          </a:prstGeom>
+        </p:spPr>
+        <p:style>
+          <a:lnRef idx="2">
+            <a:schemeClr val="accent1">
+              <a:shade val="50000"/>
+            </a:schemeClr>
+          </a:lnRef>
+          <a:fillRef idx="1">
+            <a:schemeClr val="accent1"/>
+          </a:fillRef>
+          <a:effectRef idx="0">
+            <a:schemeClr val="accent1"/>
+          </a:effectRef>
+          <a:fontRef idx="minor">
+            <a:schemeClr val="lt1"/>
+          </a:fontRef>
+        </p:style>
+        <p:txBody>
+          <a:bodyPr rtlCol="0" anchor="ctr"/>
+          <a:lstStyle/>
+          <a:p>
+            <a:pPr algn="ctr"/>
+            <a:r>
+              <a:rPr kumimoji="1" lang="ko-Kore-KR" altLang="en-US" dirty="0"/>
+              <a:t>마우스</a:t>
+            </a:r>
+          </a:p>
+        </p:txBody>
+      </p:sp>
+      <p:sp>
+        <p:nvSpPr>
+          <p:cNvPr id="8" name="직사각형 7">
+            <a:extLst>
+              <a:ext uri="{FF2B5EF4-FFF2-40B4-BE49-F238E27FC236}">
+                <a16:creationId xmlns:a16="http://schemas.microsoft.com/office/drawing/2014/main" id="{414D7D71-A4F7-74CD-C896-F7FEBF9CCF9A}"/>
+              </a:ext>
+            </a:extLst>
+          </p:cNvPr>
+          <p:cNvSpPr/>
+          <p:nvPr/>
+        </p:nvSpPr>
+        <p:spPr>
+          <a:xfrm>
+            <a:off x="6199910" y="4572002"/>
+            <a:ext cx="928255" cy="526472"/>
+          </a:xfrm>
+          <a:prstGeom prst="rect">
+            <a:avLst/>
+          </a:prstGeom>
+        </p:spPr>
+        <p:style>
+          <a:lnRef idx="2">
+            <a:schemeClr val="accent1">
+              <a:shade val="50000"/>
+            </a:schemeClr>
+          </a:lnRef>
+          <a:fillRef idx="1">
+            <a:schemeClr val="accent1"/>
+          </a:fillRef>
+          <a:effectRef idx="0">
+            <a:schemeClr val="accent1"/>
+          </a:effectRef>
+          <a:fontRef idx="minor">
+            <a:schemeClr val="lt1"/>
+          </a:fontRef>
+        </p:style>
+        <p:txBody>
+          <a:bodyPr rtlCol="0" anchor="ctr"/>
+          <a:lstStyle/>
+          <a:p>
+            <a:pPr algn="ctr"/>
+            <a:r>
+              <a:rPr kumimoji="1" lang="ko-Kore-KR" altLang="en-US" dirty="0"/>
+              <a:t>웹캠</a:t>
+            </a:r>
+          </a:p>
+        </p:txBody>
+      </p:sp>
+      <p:sp>
+        <p:nvSpPr>
+          <p:cNvPr id="9" name="직사각형 8">
+            <a:extLst>
+              <a:ext uri="{FF2B5EF4-FFF2-40B4-BE49-F238E27FC236}">
+                <a16:creationId xmlns:a16="http://schemas.microsoft.com/office/drawing/2014/main" id="{FC5A3B69-A4A2-F495-0750-95B13FC174ED}"/>
+              </a:ext>
+            </a:extLst>
+          </p:cNvPr>
+          <p:cNvSpPr/>
+          <p:nvPr/>
+        </p:nvSpPr>
+        <p:spPr>
+          <a:xfrm>
+            <a:off x="7467589" y="4558149"/>
+            <a:ext cx="928255" cy="526472"/>
+          </a:xfrm>
+          <a:prstGeom prst="rect">
+            <a:avLst/>
+          </a:prstGeom>
+        </p:spPr>
+        <p:style>
+          <a:lnRef idx="2">
+            <a:schemeClr val="accent1">
+              <a:shade val="50000"/>
+            </a:schemeClr>
+          </a:lnRef>
+          <a:fillRef idx="1">
+            <a:schemeClr val="accent1"/>
+          </a:fillRef>
+          <a:effectRef idx="0">
+            <a:schemeClr val="accent1"/>
+          </a:effectRef>
+          <a:fontRef idx="minor">
+            <a:schemeClr val="lt1"/>
+          </a:fontRef>
+        </p:style>
+        <p:txBody>
+          <a:bodyPr rtlCol="0" anchor="ctr"/>
+          <a:lstStyle/>
+          <a:p>
+            <a:pPr algn="ctr"/>
+            <a:r>
+              <a:rPr kumimoji="1" lang="en-US" altLang="ko-Kore-KR" dirty="0"/>
+              <a:t>LAN</a:t>
+            </a:r>
+          </a:p>
+          <a:p>
+            <a:pPr algn="ctr"/>
+            <a:r>
+              <a:rPr kumimoji="1" lang="en-US" altLang="ko-Kore-KR" dirty="0"/>
+              <a:t>Card</a:t>
+            </a:r>
+            <a:endParaRPr kumimoji="1" lang="ko-Kore-KR" altLang="en-US" dirty="0"/>
+          </a:p>
+        </p:txBody>
+      </p:sp>
+      <p:sp>
+        <p:nvSpPr>
+          <p:cNvPr id="10" name="직사각형 9">
+            <a:extLst>
+              <a:ext uri="{FF2B5EF4-FFF2-40B4-BE49-F238E27FC236}">
+                <a16:creationId xmlns:a16="http://schemas.microsoft.com/office/drawing/2014/main" id="{A89725AA-71E2-9D66-84E7-C3703814FDA2}"/>
+              </a:ext>
+            </a:extLst>
+          </p:cNvPr>
+          <p:cNvSpPr/>
+          <p:nvPr/>
+        </p:nvSpPr>
+        <p:spPr>
+          <a:xfrm>
+            <a:off x="4135582" y="4572002"/>
+            <a:ext cx="928255" cy="526472"/>
+          </a:xfrm>
+          <a:prstGeom prst="rect">
+            <a:avLst/>
+          </a:prstGeom>
+        </p:spPr>
+        <p:style>
+          <a:lnRef idx="2">
+            <a:schemeClr val="accent1">
+              <a:shade val="50000"/>
+            </a:schemeClr>
+          </a:lnRef>
+          <a:fillRef idx="1">
+            <a:schemeClr val="accent1"/>
+          </a:fillRef>
+          <a:effectRef idx="0">
+            <a:schemeClr val="accent1"/>
+          </a:effectRef>
+          <a:fontRef idx="minor">
+            <a:schemeClr val="lt1"/>
+          </a:fontRef>
+        </p:style>
+        <p:txBody>
+          <a:bodyPr rtlCol="0" anchor="ctr"/>
+          <a:lstStyle/>
+          <a:p>
+            <a:pPr algn="ctr"/>
+            <a:r>
+              <a:rPr kumimoji="1" lang="ko-Kore-KR" altLang="en-US" dirty="0"/>
+              <a:t>키보드</a:t>
+            </a:r>
+          </a:p>
+        </p:txBody>
+      </p:sp>
+      <p:sp>
+        <p:nvSpPr>
+          <p:cNvPr id="11" name="직사각형 10">
+            <a:extLst>
+              <a:ext uri="{FF2B5EF4-FFF2-40B4-BE49-F238E27FC236}">
+                <a16:creationId xmlns:a16="http://schemas.microsoft.com/office/drawing/2014/main" id="{00256E94-667B-3335-5454-E81A0622119C}"/>
+              </a:ext>
+            </a:extLst>
+          </p:cNvPr>
+          <p:cNvSpPr/>
+          <p:nvPr/>
+        </p:nvSpPr>
+        <p:spPr>
+          <a:xfrm>
+            <a:off x="6664037" y="5223167"/>
+            <a:ext cx="1371600" cy="526472"/>
+          </a:xfrm>
+          <a:prstGeom prst="rect">
+            <a:avLst/>
+          </a:prstGeom>
+        </p:spPr>
+        <p:style>
+          <a:lnRef idx="2">
+            <a:schemeClr val="accent1">
+              <a:shade val="50000"/>
+            </a:schemeClr>
+          </a:lnRef>
+          <a:fillRef idx="1">
+            <a:schemeClr val="accent1"/>
+          </a:fillRef>
+          <a:effectRef idx="0">
+            <a:schemeClr val="accent1"/>
+          </a:effectRef>
+          <a:fontRef idx="minor">
+            <a:schemeClr val="lt1"/>
+          </a:fontRef>
+        </p:style>
+        <p:txBody>
+          <a:bodyPr rtlCol="0" anchor="ctr"/>
+          <a:lstStyle/>
+          <a:p>
+            <a:pPr algn="ctr"/>
+            <a:r>
+              <a:rPr kumimoji="1" lang="en-US" altLang="ko-Kore-KR" dirty="0"/>
+              <a:t>Scanner</a:t>
+            </a:r>
+            <a:endParaRPr kumimoji="1" lang="ko-Kore-KR" altLang="en-US" dirty="0"/>
+          </a:p>
+        </p:txBody>
+      </p:sp>
+      <p:cxnSp>
+        <p:nvCxnSpPr>
+          <p:cNvPr id="13" name="직선 연결선[R] 12">
+            <a:extLst>
+              <a:ext uri="{FF2B5EF4-FFF2-40B4-BE49-F238E27FC236}">
+                <a16:creationId xmlns:a16="http://schemas.microsoft.com/office/drawing/2014/main" id="{82F408B5-468D-4FD4-040C-EE4B3355DA22}"/>
+              </a:ext>
+            </a:extLst>
+          </p:cNvPr>
+          <p:cNvCxnSpPr>
+            <a:cxnSpLocks/>
+            <a:endCxn id="6" idx="0"/>
+          </p:cNvCxnSpPr>
+          <p:nvPr/>
+        </p:nvCxnSpPr>
+        <p:spPr>
+          <a:xfrm>
+            <a:off x="3567546" y="4572002"/>
+            <a:ext cx="0" cy="0"/>
+          </a:xfrm>
+          <a:prstGeom prst="line">
+            <a:avLst/>
+          </a:prstGeom>
+        </p:spPr>
+        <p:style>
+          <a:lnRef idx="3">
+            <a:schemeClr val="accent1"/>
+          </a:lnRef>
+          <a:fillRef idx="0">
+            <a:schemeClr val="accent1"/>
+          </a:fillRef>
+          <a:effectRef idx="2">
+            <a:schemeClr val="accent1"/>
+          </a:effectRef>
+          <a:fontRef idx="minor">
+            <a:schemeClr val="tx1"/>
+          </a:fontRef>
+        </p:style>
+      </p:cxnSp>
+      <p:cxnSp>
+        <p:nvCxnSpPr>
+          <p:cNvPr id="17" name="직선 연결선[R] 16">
+            <a:extLst>
+              <a:ext uri="{FF2B5EF4-FFF2-40B4-BE49-F238E27FC236}">
+                <a16:creationId xmlns:a16="http://schemas.microsoft.com/office/drawing/2014/main" id="{5AB0D1E9-3748-4459-8000-C2A0A10570F9}"/>
+              </a:ext>
+            </a:extLst>
+          </p:cNvPr>
+          <p:cNvCxnSpPr>
+            <a:cxnSpLocks/>
+          </p:cNvCxnSpPr>
+          <p:nvPr/>
+        </p:nvCxnSpPr>
+        <p:spPr>
+          <a:xfrm flipV="1">
+            <a:off x="3567545" y="4197927"/>
+            <a:ext cx="0" cy="415636"/>
+          </a:xfrm>
+          <a:prstGeom prst="line">
+            <a:avLst/>
+          </a:prstGeom>
+        </p:spPr>
+        <p:style>
+          <a:lnRef idx="3">
+            <a:schemeClr val="accent1"/>
+          </a:lnRef>
+          <a:fillRef idx="0">
+            <a:schemeClr val="accent1"/>
+          </a:fillRef>
+          <a:effectRef idx="2">
+            <a:schemeClr val="accent1"/>
+          </a:effectRef>
+          <a:fontRef idx="minor">
+            <a:schemeClr val="tx1"/>
+          </a:fontRef>
+        </p:style>
+      </p:cxnSp>
+      <p:cxnSp>
+        <p:nvCxnSpPr>
+          <p:cNvPr id="19" name="직선 연결선[R] 18">
+            <a:extLst>
+              <a:ext uri="{FF2B5EF4-FFF2-40B4-BE49-F238E27FC236}">
+                <a16:creationId xmlns:a16="http://schemas.microsoft.com/office/drawing/2014/main" id="{0A81E781-F130-D6BF-671E-209815387096}"/>
+              </a:ext>
+            </a:extLst>
+          </p:cNvPr>
+          <p:cNvCxnSpPr>
+            <a:cxnSpLocks/>
+          </p:cNvCxnSpPr>
+          <p:nvPr/>
+        </p:nvCxnSpPr>
+        <p:spPr>
+          <a:xfrm flipV="1">
+            <a:off x="4578927" y="4239491"/>
+            <a:ext cx="0" cy="415636"/>
+          </a:xfrm>
+          <a:prstGeom prst="line">
+            <a:avLst/>
+          </a:prstGeom>
+        </p:spPr>
+        <p:style>
+          <a:lnRef idx="3">
+            <a:schemeClr val="accent1"/>
+          </a:lnRef>
+          <a:fillRef idx="0">
+            <a:schemeClr val="accent1"/>
+          </a:fillRef>
+          <a:effectRef idx="2">
+            <a:schemeClr val="accent1"/>
+          </a:effectRef>
+          <a:fontRef idx="minor">
+            <a:schemeClr val="tx1"/>
+          </a:fontRef>
+        </p:style>
+      </p:cxnSp>
+      <p:cxnSp>
+        <p:nvCxnSpPr>
+          <p:cNvPr id="20" name="직선 연결선[R] 19">
+            <a:extLst>
+              <a:ext uri="{FF2B5EF4-FFF2-40B4-BE49-F238E27FC236}">
+                <a16:creationId xmlns:a16="http://schemas.microsoft.com/office/drawing/2014/main" id="{93E41007-A1AF-2230-1A9E-2B8C840B5A3A}"/>
+              </a:ext>
+            </a:extLst>
+          </p:cNvPr>
+          <p:cNvCxnSpPr>
+            <a:cxnSpLocks/>
+          </p:cNvCxnSpPr>
+          <p:nvPr/>
+        </p:nvCxnSpPr>
+        <p:spPr>
+          <a:xfrm flipV="1">
+            <a:off x="5624945" y="4308763"/>
+            <a:ext cx="0" cy="415636"/>
+          </a:xfrm>
+          <a:prstGeom prst="line">
+            <a:avLst/>
+          </a:prstGeom>
+        </p:spPr>
+        <p:style>
+          <a:lnRef idx="3">
+            <a:schemeClr val="accent1"/>
+          </a:lnRef>
+          <a:fillRef idx="0">
+            <a:schemeClr val="accent1"/>
+          </a:fillRef>
+          <a:effectRef idx="2">
+            <a:schemeClr val="accent1"/>
+          </a:effectRef>
+          <a:fontRef idx="minor">
+            <a:schemeClr val="tx1"/>
+          </a:fontRef>
+        </p:style>
+      </p:cxnSp>
+      <p:cxnSp>
+        <p:nvCxnSpPr>
+          <p:cNvPr id="21" name="직선 연결선[R] 20">
+            <a:extLst>
+              <a:ext uri="{FF2B5EF4-FFF2-40B4-BE49-F238E27FC236}">
+                <a16:creationId xmlns:a16="http://schemas.microsoft.com/office/drawing/2014/main" id="{86278950-465B-5975-0581-E1D969E7A24B}"/>
+              </a:ext>
+            </a:extLst>
+          </p:cNvPr>
+          <p:cNvCxnSpPr>
+            <a:cxnSpLocks/>
+          </p:cNvCxnSpPr>
+          <p:nvPr/>
+        </p:nvCxnSpPr>
+        <p:spPr>
+          <a:xfrm flipV="1">
+            <a:off x="6664037" y="4197927"/>
+            <a:ext cx="0" cy="415636"/>
+          </a:xfrm>
+          <a:prstGeom prst="line">
+            <a:avLst/>
+          </a:prstGeom>
+        </p:spPr>
+        <p:style>
+          <a:lnRef idx="3">
+            <a:schemeClr val="accent1"/>
+          </a:lnRef>
+          <a:fillRef idx="0">
+            <a:schemeClr val="accent1"/>
+          </a:fillRef>
+          <a:effectRef idx="2">
+            <a:schemeClr val="accent1"/>
+          </a:effectRef>
+          <a:fontRef idx="minor">
+            <a:schemeClr val="tx1"/>
+          </a:fontRef>
+        </p:style>
+      </p:cxnSp>
+      <p:cxnSp>
+        <p:nvCxnSpPr>
+          <p:cNvPr id="22" name="직선 연결선[R] 21">
+            <a:extLst>
+              <a:ext uri="{FF2B5EF4-FFF2-40B4-BE49-F238E27FC236}">
+                <a16:creationId xmlns:a16="http://schemas.microsoft.com/office/drawing/2014/main" id="{19001F77-6A95-922C-2609-E49F4F2A2108}"/>
+              </a:ext>
+            </a:extLst>
+          </p:cNvPr>
+          <p:cNvCxnSpPr>
+            <a:cxnSpLocks/>
+          </p:cNvCxnSpPr>
+          <p:nvPr/>
+        </p:nvCxnSpPr>
+        <p:spPr>
+          <a:xfrm flipV="1">
+            <a:off x="7959426" y="4142513"/>
+            <a:ext cx="0" cy="415636"/>
+          </a:xfrm>
+          <a:prstGeom prst="line">
+            <a:avLst/>
+          </a:prstGeom>
+        </p:spPr>
+        <p:style>
+          <a:lnRef idx="3">
+            <a:schemeClr val="accent1"/>
+          </a:lnRef>
+          <a:fillRef idx="0">
+            <a:schemeClr val="accent1"/>
+          </a:fillRef>
+          <a:effectRef idx="2">
+            <a:schemeClr val="accent1"/>
+          </a:effectRef>
+          <a:fontRef idx="minor">
+            <a:schemeClr val="tx1"/>
+          </a:fontRef>
+        </p:style>
+      </p:cxnSp>
+      <p:cxnSp>
+        <p:nvCxnSpPr>
+          <p:cNvPr id="23" name="직선 연결선[R] 22">
+            <a:extLst>
+              <a:ext uri="{FF2B5EF4-FFF2-40B4-BE49-F238E27FC236}">
+                <a16:creationId xmlns:a16="http://schemas.microsoft.com/office/drawing/2014/main" id="{C11BE58D-F8A5-BFD7-BE7C-02F2FC8396A6}"/>
+              </a:ext>
+            </a:extLst>
+          </p:cNvPr>
+          <p:cNvCxnSpPr>
+            <a:cxnSpLocks/>
+            <a:stCxn id="11" idx="0"/>
+          </p:cNvCxnSpPr>
+          <p:nvPr/>
+        </p:nvCxnSpPr>
+        <p:spPr>
+          <a:xfrm flipV="1">
+            <a:off x="7349837" y="4308763"/>
+            <a:ext cx="0" cy="914404"/>
+          </a:xfrm>
+          <a:prstGeom prst="line">
+            <a:avLst/>
+          </a:prstGeom>
+        </p:spPr>
+        <p:style>
+          <a:lnRef idx="3">
+            <a:schemeClr val="accent1"/>
+          </a:lnRef>
+          <a:fillRef idx="0">
+            <a:schemeClr val="accent1"/>
+          </a:fillRef>
+          <a:effectRef idx="2">
+            <a:schemeClr val="accent1"/>
+          </a:effectRef>
+          <a:fontRef idx="minor">
+            <a:schemeClr val="tx1"/>
+          </a:fontRef>
+        </p:style>
+      </p:cxnSp>
+      <p:cxnSp>
+        <p:nvCxnSpPr>
+          <p:cNvPr id="26" name="직선 연결선[R] 25">
+            <a:extLst>
+              <a:ext uri="{FF2B5EF4-FFF2-40B4-BE49-F238E27FC236}">
+                <a16:creationId xmlns:a16="http://schemas.microsoft.com/office/drawing/2014/main" id="{DA0AEBC1-39CF-7B1B-1D4D-EACFBB66388A}"/>
+              </a:ext>
+            </a:extLst>
+          </p:cNvPr>
+          <p:cNvCxnSpPr>
+            <a:cxnSpLocks/>
+            <a:stCxn id="29" idx="1"/>
+            <a:endCxn id="2" idx="3"/>
+          </p:cNvCxnSpPr>
+          <p:nvPr/>
+        </p:nvCxnSpPr>
+        <p:spPr>
+          <a:xfrm flipH="1">
+            <a:off x="8395844" y="4107873"/>
+            <a:ext cx="1039091" cy="0"/>
+          </a:xfrm>
+          <a:prstGeom prst="line">
+            <a:avLst/>
+          </a:prstGeom>
+        </p:spPr>
+        <p:style>
+          <a:lnRef idx="3">
+            <a:schemeClr val="accent1"/>
+          </a:lnRef>
+          <a:fillRef idx="0">
+            <a:schemeClr val="accent1"/>
+          </a:fillRef>
+          <a:effectRef idx="2">
+            <a:schemeClr val="accent1"/>
+          </a:effectRef>
+          <a:fontRef idx="minor">
+            <a:schemeClr val="tx1"/>
+          </a:fontRef>
+        </p:style>
+      </p:cxnSp>
+      <p:sp>
+        <p:nvSpPr>
+          <p:cNvPr id="29" name="직사각형 28">
+            <a:extLst>
+              <a:ext uri="{FF2B5EF4-FFF2-40B4-BE49-F238E27FC236}">
+                <a16:creationId xmlns:a16="http://schemas.microsoft.com/office/drawing/2014/main" id="{104E9A62-9E75-DF81-29E0-02987EDE082D}"/>
+              </a:ext>
+            </a:extLst>
+          </p:cNvPr>
+          <p:cNvSpPr/>
+          <p:nvPr/>
+        </p:nvSpPr>
+        <p:spPr>
+          <a:xfrm>
+            <a:off x="9434935" y="3844637"/>
+            <a:ext cx="1371600" cy="526472"/>
+          </a:xfrm>
+          <a:prstGeom prst="rect">
+            <a:avLst/>
+          </a:prstGeom>
+        </p:spPr>
+        <p:style>
+          <a:lnRef idx="2">
+            <a:schemeClr val="accent1">
+              <a:shade val="50000"/>
+            </a:schemeClr>
+          </a:lnRef>
+          <a:fillRef idx="1">
+            <a:schemeClr val="accent1"/>
+          </a:fillRef>
+          <a:effectRef idx="0">
+            <a:schemeClr val="accent1"/>
+          </a:effectRef>
+          <a:fontRef idx="minor">
+            <a:schemeClr val="lt1"/>
+          </a:fontRef>
+        </p:style>
+        <p:txBody>
+          <a:bodyPr rtlCol="0" anchor="ctr"/>
+          <a:lstStyle/>
+          <a:p>
+            <a:pPr algn="ctr"/>
+            <a:r>
+              <a:rPr kumimoji="1" lang="en-US" altLang="ko-Kore-KR" dirty="0"/>
+              <a:t>Printer</a:t>
+            </a:r>
+            <a:endParaRPr kumimoji="1" lang="ko-Kore-KR" altLang="en-US" dirty="0"/>
+          </a:p>
+        </p:txBody>
+      </p:sp>
+      <p:cxnSp>
+        <p:nvCxnSpPr>
+          <p:cNvPr id="34" name="직선 화살표 연결선 33">
+            <a:extLst>
+              <a:ext uri="{FF2B5EF4-FFF2-40B4-BE49-F238E27FC236}">
+                <a16:creationId xmlns:a16="http://schemas.microsoft.com/office/drawing/2014/main" id="{078DE04F-16FE-5D23-5786-464347938073}"/>
+              </a:ext>
+            </a:extLst>
+          </p:cNvPr>
+          <p:cNvCxnSpPr>
+            <a:stCxn id="3" idx="2"/>
+          </p:cNvCxnSpPr>
+          <p:nvPr/>
+        </p:nvCxnSpPr>
+        <p:spPr>
+          <a:xfrm>
+            <a:off x="3858491" y="3241964"/>
+            <a:ext cx="0" cy="865909"/>
+          </a:xfrm>
+          <a:prstGeom prst="straightConnector1">
+            <a:avLst/>
+          </a:prstGeom>
+          <a:ln>
+            <a:tailEnd type="triangle"/>
+          </a:ln>
+        </p:spPr>
+        <p:style>
+          <a:lnRef idx="3">
+            <a:schemeClr val="accent4"/>
+          </a:lnRef>
+          <a:fillRef idx="0">
+            <a:schemeClr val="accent4"/>
+          </a:fillRef>
+          <a:effectRef idx="2">
+            <a:schemeClr val="accent4"/>
+          </a:effectRef>
+          <a:fontRef idx="minor">
+            <a:schemeClr val="tx1"/>
+          </a:fontRef>
+        </p:style>
+      </p:cxnSp>
+      <p:cxnSp>
+        <p:nvCxnSpPr>
+          <p:cNvPr id="35" name="직선 화살표 연결선 34">
+            <a:extLst>
+              <a:ext uri="{FF2B5EF4-FFF2-40B4-BE49-F238E27FC236}">
+                <a16:creationId xmlns:a16="http://schemas.microsoft.com/office/drawing/2014/main" id="{816A03BF-2A03-25B0-5E0B-C0FAAF2983D9}"/>
+              </a:ext>
+            </a:extLst>
+          </p:cNvPr>
+          <p:cNvCxnSpPr>
+            <a:cxnSpLocks/>
+            <a:stCxn id="4" idx="2"/>
+            <a:endCxn id="2" idx="0"/>
+          </p:cNvCxnSpPr>
+          <p:nvPr/>
+        </p:nvCxnSpPr>
+        <p:spPr>
+          <a:xfrm>
+            <a:off x="5749631" y="3241964"/>
+            <a:ext cx="0" cy="526473"/>
+          </a:xfrm>
+          <a:prstGeom prst="straightConnector1">
+            <a:avLst/>
+          </a:prstGeom>
+          <a:ln>
+            <a:tailEnd type="triangle"/>
+          </a:ln>
+        </p:spPr>
+        <p:style>
+          <a:lnRef idx="3">
+            <a:schemeClr val="accent4"/>
+          </a:lnRef>
+          <a:fillRef idx="0">
+            <a:schemeClr val="accent4"/>
+          </a:fillRef>
+          <a:effectRef idx="2">
+            <a:schemeClr val="accent4"/>
+          </a:effectRef>
+          <a:fontRef idx="minor">
+            <a:schemeClr val="tx1"/>
+          </a:fontRef>
+        </p:style>
+      </p:cxnSp>
+      <p:cxnSp>
+        <p:nvCxnSpPr>
+          <p:cNvPr id="39" name="직선 화살표 연결선 38">
+            <a:extLst>
+              <a:ext uri="{FF2B5EF4-FFF2-40B4-BE49-F238E27FC236}">
+                <a16:creationId xmlns:a16="http://schemas.microsoft.com/office/drawing/2014/main" id="{2E4F3DE6-8264-21E8-0F8F-D726AF85E8C4}"/>
+              </a:ext>
+            </a:extLst>
+          </p:cNvPr>
+          <p:cNvCxnSpPr>
+            <a:cxnSpLocks/>
+            <a:stCxn id="5" idx="2"/>
+            <a:endCxn id="4" idx="0"/>
+          </p:cNvCxnSpPr>
+          <p:nvPr/>
+        </p:nvCxnSpPr>
+        <p:spPr>
+          <a:xfrm>
+            <a:off x="5749631" y="1911927"/>
+            <a:ext cx="0" cy="526473"/>
+          </a:xfrm>
+          <a:prstGeom prst="straightConnector1">
+            <a:avLst/>
+          </a:prstGeom>
+          <a:ln>
+            <a:tailEnd type="triangle"/>
+          </a:ln>
+        </p:spPr>
+        <p:style>
+          <a:lnRef idx="3">
+            <a:schemeClr val="accent4"/>
+          </a:lnRef>
+          <a:fillRef idx="0">
+            <a:schemeClr val="accent4"/>
+          </a:fillRef>
+          <a:effectRef idx="2">
+            <a:schemeClr val="accent4"/>
+          </a:effectRef>
+          <a:fontRef idx="minor">
+            <a:schemeClr val="tx1"/>
+          </a:fontRef>
+        </p:style>
+      </p:cxnSp>
+      <p:sp>
+        <p:nvSpPr>
+          <p:cNvPr id="43" name="TextBox 42">
+            <a:extLst>
+              <a:ext uri="{FF2B5EF4-FFF2-40B4-BE49-F238E27FC236}">
+                <a16:creationId xmlns:a16="http://schemas.microsoft.com/office/drawing/2014/main" id="{4C51568C-85EF-06C9-2BEC-0B25F0CF625C}"/>
+              </a:ext>
+            </a:extLst>
+          </p:cNvPr>
+          <p:cNvSpPr txBox="1"/>
+          <p:nvPr/>
+        </p:nvSpPr>
+        <p:spPr>
+          <a:xfrm>
+            <a:off x="3482747" y="3380598"/>
+            <a:ext cx="751487" cy="276999"/>
+          </a:xfrm>
+          <a:prstGeom prst="rect">
+            <a:avLst/>
+          </a:prstGeom>
+        </p:spPr>
+        <p:style>
+          <a:lnRef idx="2">
+            <a:schemeClr val="accent4"/>
+          </a:lnRef>
+          <a:fillRef idx="1">
+            <a:schemeClr val="lt1"/>
+          </a:fillRef>
+          <a:effectRef idx="0">
+            <a:schemeClr val="accent4"/>
+          </a:effectRef>
+          <a:fontRef idx="minor">
+            <a:schemeClr val="dk1"/>
+          </a:fontRef>
+        </p:style>
+        <p:txBody>
+          <a:bodyPr wrap="square" rtlCol="0">
+            <a:spAutoFit/>
+          </a:bodyPr>
+          <a:lstStyle/>
+          <a:p>
+            <a:pPr algn="ctr"/>
+            <a:r>
+              <a:rPr kumimoji="1" lang="en-US" altLang="ko-KR" sz="1200" dirty="0"/>
+              <a:t>Call</a:t>
+            </a:r>
+          </a:p>
+        </p:txBody>
+      </p:sp>
+      <p:sp>
+        <p:nvSpPr>
+          <p:cNvPr id="44" name="TextBox 43">
+            <a:extLst>
+              <a:ext uri="{FF2B5EF4-FFF2-40B4-BE49-F238E27FC236}">
+                <a16:creationId xmlns:a16="http://schemas.microsoft.com/office/drawing/2014/main" id="{EAC2F06E-DEAB-3BAF-A547-068EFB92EE5F}"/>
+              </a:ext>
+            </a:extLst>
+          </p:cNvPr>
+          <p:cNvSpPr txBox="1"/>
+          <p:nvPr/>
+        </p:nvSpPr>
+        <p:spPr>
+          <a:xfrm>
+            <a:off x="5912550" y="2008956"/>
+            <a:ext cx="751487" cy="276999"/>
+          </a:xfrm>
+          <a:prstGeom prst="rect">
+            <a:avLst/>
+          </a:prstGeom>
+        </p:spPr>
+        <p:style>
+          <a:lnRef idx="2">
+            <a:schemeClr val="accent4"/>
+          </a:lnRef>
+          <a:fillRef idx="1">
+            <a:schemeClr val="lt1"/>
+          </a:fillRef>
+          <a:effectRef idx="0">
+            <a:schemeClr val="accent4"/>
+          </a:effectRef>
+          <a:fontRef idx="minor">
+            <a:schemeClr val="dk1"/>
+          </a:fontRef>
+        </p:style>
+        <p:txBody>
+          <a:bodyPr wrap="square" rtlCol="0">
+            <a:spAutoFit/>
+          </a:bodyPr>
+          <a:lstStyle/>
+          <a:p>
+            <a:pPr algn="ctr"/>
+            <a:r>
+              <a:rPr kumimoji="1" lang="en-US" altLang="ko-KR" sz="1200" dirty="0"/>
+              <a:t>Call</a:t>
+            </a:r>
+          </a:p>
+        </p:txBody>
+      </p:sp>
+      <p:sp>
+        <p:nvSpPr>
+          <p:cNvPr id="45" name="TextBox 44">
+            <a:extLst>
+              <a:ext uri="{FF2B5EF4-FFF2-40B4-BE49-F238E27FC236}">
+                <a16:creationId xmlns:a16="http://schemas.microsoft.com/office/drawing/2014/main" id="{68286846-67A8-4588-880F-089CDACBCB14}"/>
+              </a:ext>
+            </a:extLst>
+          </p:cNvPr>
+          <p:cNvSpPr txBox="1"/>
+          <p:nvPr/>
+        </p:nvSpPr>
+        <p:spPr>
+          <a:xfrm>
+            <a:off x="5912550" y="3352804"/>
+            <a:ext cx="751487" cy="276999"/>
+          </a:xfrm>
+          <a:prstGeom prst="rect">
+            <a:avLst/>
+          </a:prstGeom>
+        </p:spPr>
+        <p:style>
+          <a:lnRef idx="2">
+            <a:schemeClr val="accent4"/>
+          </a:lnRef>
+          <a:fillRef idx="1">
+            <a:schemeClr val="lt1"/>
+          </a:fillRef>
+          <a:effectRef idx="0">
+            <a:schemeClr val="accent4"/>
+          </a:effectRef>
+          <a:fontRef idx="minor">
+            <a:schemeClr val="dk1"/>
+          </a:fontRef>
+        </p:style>
+        <p:txBody>
+          <a:bodyPr wrap="square" rtlCol="0">
+            <a:spAutoFit/>
+          </a:bodyPr>
+          <a:lstStyle/>
+          <a:p>
+            <a:pPr algn="ctr"/>
+            <a:r>
+              <a:rPr kumimoji="1" lang="en-US" altLang="ko-KR" sz="1200" dirty="0"/>
+              <a:t>Call</a:t>
+            </a:r>
+          </a:p>
+        </p:txBody>
+      </p:sp>
     </p:spTree>
     <p:extLst>
       <p:ext uri="{BB962C8B-B14F-4D97-AF65-F5344CB8AC3E}">
-        <p14:creationId xmlns:p14="http://schemas.microsoft.com/office/powerpoint/2010/main" val="2519886596"/>
+        <p14:creationId xmlns:p14="http://schemas.microsoft.com/office/powerpoint/2010/main" val="3519105750"/>
       </p:ext>
     </p:extLst>
   </p:cSld>
